--- a/jhoon/코로나데이터 발표자료.pptx
+++ b/jhoon/코로나데이터 발표자료.pptx
@@ -5,7 +5,7 @@
     <p:sldMasterId id="2147483648" r:id="rId1"/>
   </p:sldMasterIdLst>
   <p:notesMasterIdLst>
-    <p:notesMasterId r:id="rId13"/>
+    <p:notesMasterId r:id="rId21"/>
   </p:notesMasterIdLst>
   <p:sldIdLst>
     <p:sldId id="256" r:id="rId2"/>
@@ -13,12 +13,20 @@
     <p:sldId id="264" r:id="rId4"/>
     <p:sldId id="268" r:id="rId5"/>
     <p:sldId id="267" r:id="rId6"/>
-    <p:sldId id="265" r:id="rId7"/>
-    <p:sldId id="269" r:id="rId8"/>
-    <p:sldId id="262" r:id="rId9"/>
-    <p:sldId id="259" r:id="rId10"/>
-    <p:sldId id="260" r:id="rId11"/>
-    <p:sldId id="257" r:id="rId12"/>
+    <p:sldId id="270" r:id="rId7"/>
+    <p:sldId id="272" r:id="rId8"/>
+    <p:sldId id="273" r:id="rId9"/>
+    <p:sldId id="274" r:id="rId10"/>
+    <p:sldId id="276" r:id="rId11"/>
+    <p:sldId id="275" r:id="rId12"/>
+    <p:sldId id="277" r:id="rId13"/>
+    <p:sldId id="259" r:id="rId14"/>
+    <p:sldId id="262" r:id="rId15"/>
+    <p:sldId id="279" r:id="rId16"/>
+    <p:sldId id="260" r:id="rId17"/>
+    <p:sldId id="257" r:id="rId18"/>
+    <p:sldId id="280" r:id="rId19"/>
+    <p:sldId id="278" r:id="rId20"/>
   </p:sldIdLst>
   <p:sldSz cx="12192000" cy="6858000"/>
   <p:notesSz cx="6858000" cy="9144000"/>
@@ -3728,6 +3736,294 @@
 </dgm:styleDef>
 </file>
 
+<file path=ppt/ink/ink1.xml><?xml version="1.0" encoding="utf-8"?>
+<inkml:ink xmlns:inkml="http://www.w3.org/2003/InkML">
+  <inkml:definitions>
+    <inkml:context xml:id="ctx0">
+      <inkml:inkSource xml:id="inkSrc0">
+        <inkml:traceFormat>
+          <inkml:channel name="X" type="integer" min="-2.14748E9" max="2.14748E9" units="cm"/>
+          <inkml:channel name="Y" type="integer" min="-2.14748E9" max="2.14748E9" units="cm"/>
+        </inkml:traceFormat>
+        <inkml:channelProperties>
+          <inkml:channelProperty channel="X" name="resolution" value="1000" units="1/cm"/>
+          <inkml:channelProperty channel="Y" name="resolution" value="1000" units="1/cm"/>
+        </inkml:channelProperties>
+      </inkml:inkSource>
+      <inkml:timestamp xml:id="ts0" timeString="2023-03-02T00:24:33.238"/>
+    </inkml:context>
+    <inkml:brush xml:id="br0">
+      <inkml:brushProperty name="width" value="0.3" units="cm"/>
+      <inkml:brushProperty name="height" value="0.6" units="cm"/>
+      <inkml:brushProperty name="color" value="#FFFC00"/>
+      <inkml:brushProperty name="tip" value="rectangle"/>
+      <inkml:brushProperty name="rasterOp" value="maskPen"/>
+      <inkml:brushProperty name="ignorePressure" value="1"/>
+    </inkml:brush>
+  </inkml:definitions>
+  <inkml:trace contextRef="#ctx0" brushRef="#br0">1 110,'819'0,"-788"-2,1-1,-1-2,-1-2,1 0,-1-2,38-17,-53 21,20-6,0 1,0 2,1 2,56-4,151 10,-129 2,527-1,-597 1,0 1,0 3,55 14,126 45,-214-61,48 15,73 15,-110-30,0-2,-1 0,1-1,0-1,0-1,0-1,24-6,7-4,-2 0</inkml:trace>
+</inkml:ink>
+</file>
+
+<file path=ppt/ink/ink10.xml><?xml version="1.0" encoding="utf-8"?>
+<inkml:ink xmlns:inkml="http://www.w3.org/2003/InkML">
+  <inkml:definitions>
+    <inkml:context xml:id="ctx0">
+      <inkml:inkSource xml:id="inkSrc0">
+        <inkml:traceFormat>
+          <inkml:channel name="X" type="integer" min="-2.14748E9" max="2.14748E9" units="cm"/>
+          <inkml:channel name="Y" type="integer" min="-2.14748E9" max="2.14748E9" units="cm"/>
+        </inkml:traceFormat>
+        <inkml:channelProperties>
+          <inkml:channelProperty channel="X" name="resolution" value="1000" units="1/cm"/>
+          <inkml:channelProperty channel="Y" name="resolution" value="1000" units="1/cm"/>
+        </inkml:channelProperties>
+      </inkml:inkSource>
+      <inkml:timestamp xml:id="ts0" timeString="2023-03-02T00:52:58.833"/>
+    </inkml:context>
+    <inkml:brush xml:id="br0">
+      <inkml:brushProperty name="width" value="0.3" units="cm"/>
+      <inkml:brushProperty name="height" value="0.6" units="cm"/>
+      <inkml:brushProperty name="color" value="#FFFC00"/>
+      <inkml:brushProperty name="tip" value="rectangle"/>
+      <inkml:brushProperty name="rasterOp" value="maskPen"/>
+      <inkml:brushProperty name="ignorePressure" value="1"/>
+    </inkml:brush>
+  </inkml:definitions>
+  <inkml:trace contextRef="#ctx0" brushRef="#br0">0 0,'0'0</inkml:trace>
+</inkml:ink>
+</file>
+
+<file path=ppt/ink/ink2.xml><?xml version="1.0" encoding="utf-8"?>
+<inkml:ink xmlns:inkml="http://www.w3.org/2003/InkML">
+  <inkml:definitions>
+    <inkml:context xml:id="ctx0">
+      <inkml:inkSource xml:id="inkSrc0">
+        <inkml:traceFormat>
+          <inkml:channel name="X" type="integer" min="-2.14748E9" max="2.14748E9" units="cm"/>
+          <inkml:channel name="Y" type="integer" min="-2.14748E9" max="2.14748E9" units="cm"/>
+        </inkml:traceFormat>
+        <inkml:channelProperties>
+          <inkml:channelProperty channel="X" name="resolution" value="1000" units="1/cm"/>
+          <inkml:channelProperty channel="Y" name="resolution" value="1000" units="1/cm"/>
+        </inkml:channelProperties>
+      </inkml:inkSource>
+      <inkml:timestamp xml:id="ts0" timeString="2023-03-02T00:24:43.723"/>
+    </inkml:context>
+    <inkml:brush xml:id="br0">
+      <inkml:brushProperty name="width" value="0.3" units="cm"/>
+      <inkml:brushProperty name="height" value="0.6" units="cm"/>
+      <inkml:brushProperty name="color" value="#FFFC00"/>
+      <inkml:brushProperty name="tip" value="rectangle"/>
+      <inkml:brushProperty name="rasterOp" value="maskPen"/>
+      <inkml:brushProperty name="ignorePressure" value="1"/>
+    </inkml:brush>
+  </inkml:definitions>
+  <inkml:trace contextRef="#ctx0" brushRef="#br0">1 0,'1'2,"0"0,0-1,0 1,0-1,0 0,1 1,-1-1,0 0,1 0,-1 1,1-1,0-1,-1 1,1 0,0 0,-1 0,1-1,0 1,0-1,0 0,2 1,4 1,15 6,0-2,1 0,0-2,44 3,102-7,-84-2,158-1,452 6,-636 2,-1 4,0 2,-1 2,69 26,-46-15,-45-13,70 10,-77-18</inkml:trace>
+</inkml:ink>
+</file>
+
+<file path=ppt/ink/ink3.xml><?xml version="1.0" encoding="utf-8"?>
+<inkml:ink xmlns:inkml="http://www.w3.org/2003/InkML">
+  <inkml:definitions>
+    <inkml:context xml:id="ctx0">
+      <inkml:inkSource xml:id="inkSrc0">
+        <inkml:traceFormat>
+          <inkml:channel name="X" type="integer" min="-2.14748E9" max="2.14748E9" units="cm"/>
+          <inkml:channel name="Y" type="integer" min="-2.14748E9" max="2.14748E9" units="cm"/>
+        </inkml:traceFormat>
+        <inkml:channelProperties>
+          <inkml:channelProperty channel="X" name="resolution" value="1000" units="1/cm"/>
+          <inkml:channelProperty channel="Y" name="resolution" value="1000" units="1/cm"/>
+        </inkml:channelProperties>
+      </inkml:inkSource>
+      <inkml:timestamp xml:id="ts0" timeString="2023-03-02T00:24:45.902"/>
+    </inkml:context>
+    <inkml:brush xml:id="br0">
+      <inkml:brushProperty name="width" value="0.3" units="cm"/>
+      <inkml:brushProperty name="height" value="0.6" units="cm"/>
+      <inkml:brushProperty name="color" value="#FFFC00"/>
+      <inkml:brushProperty name="tip" value="rectangle"/>
+      <inkml:brushProperty name="rasterOp" value="maskPen"/>
+      <inkml:brushProperty name="ignorePressure" value="1"/>
+    </inkml:brush>
+  </inkml:definitions>
+  <inkml:trace contextRef="#ctx0" brushRef="#br0">0 55,'791'0,"-748"-2,0-2,68-16,-61 10,59-5,290 11,-205 7,445-3,-601 0</inkml:trace>
+</inkml:ink>
+</file>
+
+<file path=ppt/ink/ink4.xml><?xml version="1.0" encoding="utf-8"?>
+<inkml:ink xmlns:inkml="http://www.w3.org/2003/InkML">
+  <inkml:definitions>
+    <inkml:context xml:id="ctx0">
+      <inkml:inkSource xml:id="inkSrc0">
+        <inkml:traceFormat>
+          <inkml:channel name="X" type="integer" min="-2.14748E9" max="2.14748E9" units="cm"/>
+          <inkml:channel name="Y" type="integer" min="-2.14748E9" max="2.14748E9" units="cm"/>
+        </inkml:traceFormat>
+        <inkml:channelProperties>
+          <inkml:channelProperty channel="X" name="resolution" value="1000" units="1/cm"/>
+          <inkml:channelProperty channel="Y" name="resolution" value="1000" units="1/cm"/>
+        </inkml:channelProperties>
+      </inkml:inkSource>
+      <inkml:timestamp xml:id="ts0" timeString="2023-03-02T00:25:14.616"/>
+    </inkml:context>
+    <inkml:brush xml:id="br0">
+      <inkml:brushProperty name="width" value="0.3" units="cm"/>
+      <inkml:brushProperty name="height" value="0.6" units="cm"/>
+      <inkml:brushProperty name="color" value="#FFFC00"/>
+      <inkml:brushProperty name="tip" value="rectangle"/>
+      <inkml:brushProperty name="rasterOp" value="maskPen"/>
+      <inkml:brushProperty name="ignorePressure" value="1"/>
+    </inkml:brush>
+  </inkml:definitions>
+  <inkml:trace contextRef="#ctx0" brushRef="#br0">1 161,'898'0,"-798"-4,106-19,64-3,-171 25,114-8,10-5,-126 10,95-16,-97 3,-16 1,0 4,133-3,558 18,-743-3</inkml:trace>
+</inkml:ink>
+</file>
+
+<file path=ppt/ink/ink5.xml><?xml version="1.0" encoding="utf-8"?>
+<inkml:ink xmlns:inkml="http://www.w3.org/2003/InkML">
+  <inkml:definitions>
+    <inkml:context xml:id="ctx0">
+      <inkml:inkSource xml:id="inkSrc0">
+        <inkml:traceFormat>
+          <inkml:channel name="X" type="integer" min="-2.14748E9" max="2.14748E9" units="cm"/>
+          <inkml:channel name="Y" type="integer" min="-2.14748E9" max="2.14748E9" units="cm"/>
+        </inkml:traceFormat>
+        <inkml:channelProperties>
+          <inkml:channelProperty channel="X" name="resolution" value="1000" units="1/cm"/>
+          <inkml:channelProperty channel="Y" name="resolution" value="1000" units="1/cm"/>
+        </inkml:channelProperties>
+      </inkml:inkSource>
+      <inkml:timestamp xml:id="ts0" timeString="2023-03-02T00:52:58.833"/>
+    </inkml:context>
+    <inkml:brush xml:id="br0">
+      <inkml:brushProperty name="width" value="0.3" units="cm"/>
+      <inkml:brushProperty name="height" value="0.6" units="cm"/>
+      <inkml:brushProperty name="color" value="#FFFC00"/>
+      <inkml:brushProperty name="tip" value="rectangle"/>
+      <inkml:brushProperty name="rasterOp" value="maskPen"/>
+      <inkml:brushProperty name="ignorePressure" value="1"/>
+    </inkml:brush>
+  </inkml:definitions>
+  <inkml:trace contextRef="#ctx0" brushRef="#br0">0 0,'0'0</inkml:trace>
+</inkml:ink>
+</file>
+
+<file path=ppt/ink/ink6.xml><?xml version="1.0" encoding="utf-8"?>
+<inkml:ink xmlns:inkml="http://www.w3.org/2003/InkML">
+  <inkml:definitions>
+    <inkml:context xml:id="ctx0">
+      <inkml:inkSource xml:id="inkSrc0">
+        <inkml:traceFormat>
+          <inkml:channel name="X" type="integer" min="-2.14748E9" max="2.14748E9" units="cm"/>
+          <inkml:channel name="Y" type="integer" min="-2.14748E9" max="2.14748E9" units="cm"/>
+        </inkml:traceFormat>
+        <inkml:channelProperties>
+          <inkml:channelProperty channel="X" name="resolution" value="1000" units="1/cm"/>
+          <inkml:channelProperty channel="Y" name="resolution" value="1000" units="1/cm"/>
+        </inkml:channelProperties>
+      </inkml:inkSource>
+      <inkml:timestamp xml:id="ts0" timeString="2023-03-02T00:50:15.516"/>
+    </inkml:context>
+    <inkml:brush xml:id="br0">
+      <inkml:brushProperty name="width" value="0.3" units="cm"/>
+      <inkml:brushProperty name="height" value="0.6" units="cm"/>
+      <inkml:brushProperty name="color" value="#FFFC00"/>
+      <inkml:brushProperty name="tip" value="rectangle"/>
+      <inkml:brushProperty name="rasterOp" value="maskPen"/>
+      <inkml:brushProperty name="ignorePressure" value="1"/>
+    </inkml:brush>
+  </inkml:definitions>
+  <inkml:trace contextRef="#ctx0" brushRef="#br0">1 1,'9'0,"7"0,6 0,3 0,1 0,6 0,6 0,1 0,3 0,2 0,-1 0,1 0,1 0,3 0,5 0,-1 0,-9 0</inkml:trace>
+</inkml:ink>
+</file>
+
+<file path=ppt/ink/ink7.xml><?xml version="1.0" encoding="utf-8"?>
+<inkml:ink xmlns:inkml="http://www.w3.org/2003/InkML">
+  <inkml:definitions>
+    <inkml:context xml:id="ctx0">
+      <inkml:inkSource xml:id="inkSrc0">
+        <inkml:traceFormat>
+          <inkml:channel name="X" type="integer" min="-2.14748E9" max="2.14748E9" units="cm"/>
+          <inkml:channel name="Y" type="integer" min="-2.14748E9" max="2.14748E9" units="cm"/>
+        </inkml:traceFormat>
+        <inkml:channelProperties>
+          <inkml:channelProperty channel="X" name="resolution" value="1000" units="1/cm"/>
+          <inkml:channelProperty channel="Y" name="resolution" value="1000" units="1/cm"/>
+        </inkml:channelProperties>
+      </inkml:inkSource>
+      <inkml:timestamp xml:id="ts0" timeString="2023-03-02T01:54:17.817"/>
+    </inkml:context>
+    <inkml:brush xml:id="br0">
+      <inkml:brushProperty name="width" value="0.2" units="cm"/>
+      <inkml:brushProperty name="height" value="0.4" units="cm"/>
+      <inkml:brushProperty name="color" value="#FFFC00"/>
+      <inkml:brushProperty name="tip" value="rectangle"/>
+      <inkml:brushProperty name="rasterOp" value="maskPen"/>
+      <inkml:brushProperty name="ignorePressure" value="1"/>
+    </inkml:brush>
+  </inkml:definitions>
+  <inkml:trace contextRef="#ctx0" brushRef="#br0">1 85,'32'0,"-9"-1,0 1,1 1,-1 1,-1 1,35 9,-25-5,0-1,0-2,1-1,0-1,52-5,-5 1,-56 0,0-1,1 0,38-13,32-4,-7 12,137 8,-98 2,-16-11,4-1,446 11,-542-2,1-1,-1-1,28-8,-24 6,43-6,296 8,-186 5,-62 0,120-4,-163-5,60-3,0 11,-114-1</inkml:trace>
+</inkml:ink>
+</file>
+
+<file path=ppt/ink/ink8.xml><?xml version="1.0" encoding="utf-8"?>
+<inkml:ink xmlns:inkml="http://www.w3.org/2003/InkML">
+  <inkml:definitions>
+    <inkml:context xml:id="ctx0">
+      <inkml:inkSource xml:id="inkSrc0">
+        <inkml:traceFormat>
+          <inkml:channel name="X" type="integer" min="-2.14748E9" max="2.14748E9" units="cm"/>
+          <inkml:channel name="Y" type="integer" min="-2.14748E9" max="2.14748E9" units="cm"/>
+        </inkml:traceFormat>
+        <inkml:channelProperties>
+          <inkml:channelProperty channel="X" name="resolution" value="1000" units="1/cm"/>
+          <inkml:channelProperty channel="Y" name="resolution" value="1000" units="1/cm"/>
+        </inkml:channelProperties>
+      </inkml:inkSource>
+      <inkml:timestamp xml:id="ts0" timeString="2023-03-02T02:00:48.829"/>
+    </inkml:context>
+    <inkml:brush xml:id="br0">
+      <inkml:brushProperty name="width" value="0.1" units="cm"/>
+      <inkml:brushProperty name="height" value="0.1" units="cm"/>
+      <inkml:brushProperty name="color" value="#E71225"/>
+    </inkml:brush>
+  </inkml:definitions>
+  <inkml:trace contextRef="#ctx0" brushRef="#br0">209 1,'0'0,"0"0,0 0,0 0,0 0,0 0,0 0,0 0,0 0,-17 11,13-11,1 0,0 0,-1 0,1 0,-1 0,0 0,-3 0,4 0,-4 1,4 1,-4 1,-4 3,1 2,0 4,-4 4,0 6,0 6,0 3,0 2,4 6,-1 6,5 1,2 3,4 1,0 2,0 9,0 11,-3 3,3-2,-4 0,4 3,0-3,0-7,4-2,3 3,-1 11,1-1,-3 1,3 9,-4 2,4-5,0-1,0-2,0 4,4-6,-1-8,4 0,0 3,6-3,1-2,0 4,0 0,3 5,0 0,4-2,-4 8,4 2,0-4,6 5,11 1,4-8,6-4,-6-10,-1-4,-2-1,12 3,8-5,0-5,-10-4,6 4,18 6,10-2,-7-3,-3-4,14-1,-1 0,-13-3,7 1,7-1,-1 2,-9-8,9 1,4-1,-12-3,2 4,15 0,-1-4,-9-2,8 1,6-2,-19-6,-1 2,15 2,-13-5,-7 1,12 1,2-4,-9 0,3 0,13-2,4 0,-12-1,22 3,-2 0,-13-4,13 3,-8-4,-12-2,10-2,5-5,-15 0,13 1,11-3,-19-4,8 3,8 0,-15-2,6-2,10 0,-12 1,2-1,3-4,-13 3,-10-1,2-3,1 0,-15 4,-6-1,0 1,1 0,-3 0,-10 2,-17-3,-7-1,-5 2,-6-1,-4 0,-2-1,-5 0,-1 0,-4-1,-2-1,-1 0,0 0,-1 0,1 0,-2 0,0-1,0-1,0 0,0-5,12-36,25-65</inkml:trace>
+  <inkml:trace contextRef="#ctx0" brushRef="#br0" timeOffset="11090.35">7059 4465,'0'0,"0"0,0 0,0 0,0 0,0 0,0 0,0 0,0 0,0 0,0 0,4 26,13-7,6 2,3 1,-1-1,2 0,-5-2,-1-4,1 3,8 3,8 6,14 8,4 5,-6 0,-9-5,-7-6,-5-4,0-3,1-3,-1-2,1-1,-2-1,-4 0,-3-3,-4 0,-3-4,-2 1,-4-2,0-2,-3-1,-2-1,1 0,-2-1,-1 0,1 0,0-1,-2 1,0 0,0 0,0-1,0 1,0 0,-2-1,0 2,1-2,-3 1,-1 1,-4 4,-7 3,-6 10,-4 4,-3 9,-2 3,1-1,0 2,-8 6,-26 15,-19 21,8-7,18-9,7-11,3-7,5-7,8-10,8-9,7-5,7-6,3-1,4-3,1-2,1-1,1 1,0 0,1-1,-1 1,0 0,0-2,0 0,2 0,-1 0,1 0,-2 0,1 2,-1-1,0 1,0 2,-1 1,-3 3,1 1,0-2,0 0,1-2,1-1,0-1,-1 1,1-1,-1 1,1-1,-1 1,3-1,-1 0,0-1,0 0,1 0,-1-1,0-1,0 0,1 0,-1 0,0 0,1 0,-2 0,2 0,-1 0,1-1,-1-1,0 0,0 0,0 1,1-1,-1-1,0-1,-1-1,-1-2,1-2,-1-4,1-6,-1-3,1 3,0 0,-1 2,1 1,-1 1,1-1,1 1,0-1,1 1,-1-3,0-3,0-5,1-5,-1 0,-2 3,1 4,0 3,-1 2,1 2,1-1,2-1,0-1,0-3,0-3,0-7,2-7,-1 2,1 5,-2 7,0 3,0 3,0 2,0 1,2 0,0-2,-1-2,1-2,0-5,-1-3,1 0,0 0,0 1,-1 3,1 1,0 1,0 3,-1 1,1 2,-2 2,0-1,0-1,2 2,-2 0,0 3,1 1,-1 5,0 1,2 0,-2 2,2 0,0-1,-1 1,1 0,3-4,4-3</inkml:trace>
+</inkml:ink>
+</file>
+
+<file path=ppt/ink/ink9.xml><?xml version="1.0" encoding="utf-8"?>
+<inkml:ink xmlns:inkml="http://www.w3.org/2003/InkML">
+  <inkml:definitions>
+    <inkml:context xml:id="ctx0">
+      <inkml:inkSource xml:id="inkSrc0">
+        <inkml:traceFormat>
+          <inkml:channel name="X" type="integer" min="-2.14748E9" max="2.14748E9" units="cm"/>
+          <inkml:channel name="Y" type="integer" min="-2.14748E9" max="2.14748E9" units="cm"/>
+        </inkml:traceFormat>
+        <inkml:channelProperties>
+          <inkml:channelProperty channel="X" name="resolution" value="1000" units="1/cm"/>
+          <inkml:channelProperty channel="Y" name="resolution" value="1000" units="1/cm"/>
+        </inkml:channelProperties>
+      </inkml:inkSource>
+      <inkml:timestamp xml:id="ts0" timeString="2023-03-02T03:06:56.287"/>
+    </inkml:context>
+    <inkml:brush xml:id="br0">
+      <inkml:brushProperty name="width" value="0.2" units="cm"/>
+      <inkml:brushProperty name="height" value="0.4" units="cm"/>
+      <inkml:brushProperty name="color" value="#FFFC00"/>
+      <inkml:brushProperty name="tip" value="rectangle"/>
+      <inkml:brushProperty name="rasterOp" value="maskPen"/>
+      <inkml:brushProperty name="ignorePressure" value="1"/>
+    </inkml:brush>
+  </inkml:definitions>
+  <inkml:trace contextRef="#ctx0" brushRef="#br0">1 0,'4'5,"6"0,11 1,14-2,10 0,11-2,0-1,-5-1,-7 0,-1 0,-1 0,8-1,-2 1,-4 4,-1 2,1 0,-6-2</inkml:trace>
+</inkml:ink>
+</file>
+
 <file path=ppt/notesMasters/notesMaster1.xml><?xml version="1.0" encoding="utf-8"?>
 <p:notesMaster xmlns:a="http://schemas.openxmlformats.org/drawingml/2006/main" xmlns:r="http://schemas.openxmlformats.org/officeDocument/2006/relationships" xmlns:p="http://schemas.openxmlformats.org/presentationml/2006/main">
   <p:cSld>
@@ -3810,7 +4106,7 @@
           <a:p>
             <a:fld id="{F11E3AD6-52AB-4CBF-8BEE-E43A6A787E5A}" type="datetimeFigureOut">
               <a:rPr lang="ko-KR" altLang="en-US" smtClean="0"/>
-              <a:t>2023-02-28</a:t>
+              <a:t>2023-03-01</a:t>
             </a:fld>
             <a:endParaRPr lang="ko-KR" altLang="en-US"/>
           </a:p>
@@ -4224,7 +4520,7 @@
           <a:p>
             <a:fld id="{B0C14CEF-8C70-4C14-B15F-0C147F966DBA}" type="datetimeFigureOut">
               <a:rPr lang="ko-KR" altLang="en-US" smtClean="0"/>
-              <a:t>2023-02-28</a:t>
+              <a:t>2023-03-01</a:t>
             </a:fld>
             <a:endParaRPr lang="ko-KR" altLang="en-US"/>
           </a:p>
@@ -4422,7 +4718,7 @@
           <a:p>
             <a:fld id="{B0C14CEF-8C70-4C14-B15F-0C147F966DBA}" type="datetimeFigureOut">
               <a:rPr lang="ko-KR" altLang="en-US" smtClean="0"/>
-              <a:t>2023-02-28</a:t>
+              <a:t>2023-03-01</a:t>
             </a:fld>
             <a:endParaRPr lang="ko-KR" altLang="en-US"/>
           </a:p>
@@ -4630,7 +4926,7 @@
           <a:p>
             <a:fld id="{B0C14CEF-8C70-4C14-B15F-0C147F966DBA}" type="datetimeFigureOut">
               <a:rPr lang="ko-KR" altLang="en-US" smtClean="0"/>
-              <a:t>2023-02-28</a:t>
+              <a:t>2023-03-01</a:t>
             </a:fld>
             <a:endParaRPr lang="ko-KR" altLang="en-US"/>
           </a:p>
@@ -4828,7 +5124,7 @@
           <a:p>
             <a:fld id="{B0C14CEF-8C70-4C14-B15F-0C147F966DBA}" type="datetimeFigureOut">
               <a:rPr lang="ko-KR" altLang="en-US" smtClean="0"/>
-              <a:t>2023-02-28</a:t>
+              <a:t>2023-03-01</a:t>
             </a:fld>
             <a:endParaRPr lang="ko-KR" altLang="en-US"/>
           </a:p>
@@ -5103,7 +5399,7 @@
           <a:p>
             <a:fld id="{B0C14CEF-8C70-4C14-B15F-0C147F966DBA}" type="datetimeFigureOut">
               <a:rPr lang="ko-KR" altLang="en-US" smtClean="0"/>
-              <a:t>2023-02-28</a:t>
+              <a:t>2023-03-01</a:t>
             </a:fld>
             <a:endParaRPr lang="ko-KR" altLang="en-US"/>
           </a:p>
@@ -5368,7 +5664,7 @@
           <a:p>
             <a:fld id="{B0C14CEF-8C70-4C14-B15F-0C147F966DBA}" type="datetimeFigureOut">
               <a:rPr lang="ko-KR" altLang="en-US" smtClean="0"/>
-              <a:t>2023-02-28</a:t>
+              <a:t>2023-03-01</a:t>
             </a:fld>
             <a:endParaRPr lang="ko-KR" altLang="en-US"/>
           </a:p>
@@ -5780,7 +6076,7 @@
           <a:p>
             <a:fld id="{B0C14CEF-8C70-4C14-B15F-0C147F966DBA}" type="datetimeFigureOut">
               <a:rPr lang="ko-KR" altLang="en-US" smtClean="0"/>
-              <a:t>2023-02-28</a:t>
+              <a:t>2023-03-01</a:t>
             </a:fld>
             <a:endParaRPr lang="ko-KR" altLang="en-US"/>
           </a:p>
@@ -5921,7 +6217,7 @@
           <a:p>
             <a:fld id="{B0C14CEF-8C70-4C14-B15F-0C147F966DBA}" type="datetimeFigureOut">
               <a:rPr lang="ko-KR" altLang="en-US" smtClean="0"/>
-              <a:t>2023-02-28</a:t>
+              <a:t>2023-03-01</a:t>
             </a:fld>
             <a:endParaRPr lang="ko-KR" altLang="en-US"/>
           </a:p>
@@ -6034,7 +6330,7 @@
           <a:p>
             <a:fld id="{B0C14CEF-8C70-4C14-B15F-0C147F966DBA}" type="datetimeFigureOut">
               <a:rPr lang="ko-KR" altLang="en-US" smtClean="0"/>
-              <a:t>2023-02-28</a:t>
+              <a:t>2023-03-01</a:t>
             </a:fld>
             <a:endParaRPr lang="ko-KR" altLang="en-US"/>
           </a:p>
@@ -6345,7 +6641,7 @@
           <a:p>
             <a:fld id="{B0C14CEF-8C70-4C14-B15F-0C147F966DBA}" type="datetimeFigureOut">
               <a:rPr lang="ko-KR" altLang="en-US" smtClean="0"/>
-              <a:t>2023-02-28</a:t>
+              <a:t>2023-03-01</a:t>
             </a:fld>
             <a:endParaRPr lang="ko-KR" altLang="en-US"/>
           </a:p>
@@ -6633,7 +6929,7 @@
           <a:p>
             <a:fld id="{B0C14CEF-8C70-4C14-B15F-0C147F966DBA}" type="datetimeFigureOut">
               <a:rPr lang="ko-KR" altLang="en-US" smtClean="0"/>
-              <a:t>2023-02-28</a:t>
+              <a:t>2023-03-01</a:t>
             </a:fld>
             <a:endParaRPr lang="ko-KR" altLang="en-US"/>
           </a:p>
@@ -6874,7 +7170,7 @@
           <a:p>
             <a:fld id="{B0C14CEF-8C70-4C14-B15F-0C147F966DBA}" type="datetimeFigureOut">
               <a:rPr lang="ko-KR" altLang="en-US" smtClean="0"/>
-              <a:t>2023-02-28</a:t>
+              <a:t>2023-03-01</a:t>
             </a:fld>
             <a:endParaRPr lang="ko-KR" altLang="en-US"/>
           </a:p>
@@ -7963,60 +8259,403 @@
           <a:chExt cx="0" cy="0"/>
         </a:xfrm>
       </p:grpSpPr>
+      <p:pic>
+        <p:nvPicPr>
+          <p:cNvPr id="5" name="그림 4">
+            <a:extLst>
+              <a:ext uri="{FF2B5EF4-FFF2-40B4-BE49-F238E27FC236}">
+                <a16:creationId xmlns:a16="http://schemas.microsoft.com/office/drawing/2014/main" id="{E2DFE718-CF2C-3110-77F8-420B1E19A17F}"/>
+              </a:ext>
+            </a:extLst>
+          </p:cNvPr>
+          <p:cNvPicPr>
+            <a:picLocks noChangeAspect="1"/>
+          </p:cNvPicPr>
+          <p:nvPr/>
+        </p:nvPicPr>
+        <p:blipFill>
+          <a:blip r:embed="rId2"/>
+          <a:stretch>
+            <a:fillRect/>
+          </a:stretch>
+        </p:blipFill>
+        <p:spPr>
+          <a:xfrm>
+            <a:off x="587576" y="1165655"/>
+            <a:ext cx="11016848" cy="5692345"/>
+          </a:xfrm>
+          <a:prstGeom prst="rect">
+            <a:avLst/>
+          </a:prstGeom>
+        </p:spPr>
+      </p:pic>
       <p:sp>
         <p:nvSpPr>
-          <p:cNvPr id="2" name="제목 1">
-            <a:extLst>
-              <a:ext uri="{FF2B5EF4-FFF2-40B4-BE49-F238E27FC236}">
-                <a16:creationId xmlns:a16="http://schemas.microsoft.com/office/drawing/2014/main" id="{B5935D6E-F4B0-AFC3-19B5-EC083CF01E5E}"/>
-              </a:ext>
-            </a:extLst>
-          </p:cNvPr>
-          <p:cNvSpPr>
-            <a:spLocks noGrp="1"/>
-          </p:cNvSpPr>
-          <p:nvPr>
-            <p:ph type="title"/>
-          </p:nvPr>
+          <p:cNvPr id="6" name="직사각형 5">
+            <a:extLst>
+              <a:ext uri="{FF2B5EF4-FFF2-40B4-BE49-F238E27FC236}">
+                <a16:creationId xmlns:a16="http://schemas.microsoft.com/office/drawing/2014/main" id="{F8BAA320-15E3-F5C8-8969-202160F292B3}"/>
+              </a:ext>
+            </a:extLst>
+          </p:cNvPr>
+          <p:cNvSpPr/>
+          <p:nvPr/>
         </p:nvSpPr>
-        <p:spPr/>
+        <p:spPr>
+          <a:xfrm>
+            <a:off x="7475829" y="1300290"/>
+            <a:ext cx="1194559" cy="400110"/>
+          </a:xfrm>
+          <a:prstGeom prst="rect">
+            <a:avLst/>
+          </a:prstGeom>
+          <a:noFill/>
+        </p:spPr>
         <p:txBody>
-          <a:bodyPr/>
+          <a:bodyPr wrap="none" lIns="91440" tIns="45720" rIns="91440" bIns="45720">
+            <a:spAutoFit/>
+          </a:bodyPr>
           <a:lstStyle/>
           <a:p>
-            <a:endParaRPr lang="ko-KR" altLang="en-US"/>
+            <a:pPr algn="ctr"/>
+            <a:r>
+              <a:rPr lang="ko-KR" altLang="en-US" sz="2000" b="0" cap="none" spc="0" dirty="0">
+                <a:ln w="0"/>
+                <a:solidFill>
+                  <a:srgbClr val="FF0000"/>
+                </a:solidFill>
+                <a:effectLst>
+                  <a:outerShdw blurRad="38100" dist="19050" dir="2700000" algn="tl" rotWithShape="0">
+                    <a:schemeClr val="dk1">
+                      <a:alpha val="40000"/>
+                    </a:schemeClr>
+                  </a:outerShdw>
+                </a:effectLst>
+              </a:rPr>
+              <a:t>상위</a:t>
+            </a:r>
+            <a:r>
+              <a:rPr lang="en-US" altLang="ko-KR" sz="2000" b="0" cap="none" spc="0" dirty="0">
+                <a:ln w="0"/>
+                <a:solidFill>
+                  <a:srgbClr val="FF0000"/>
+                </a:solidFill>
+                <a:effectLst>
+                  <a:outerShdw blurRad="38100" dist="19050" dir="2700000" algn="tl" rotWithShape="0">
+                    <a:schemeClr val="dk1">
+                      <a:alpha val="40000"/>
+                    </a:schemeClr>
+                  </a:outerShdw>
+                </a:effectLst>
+              </a:rPr>
+              <a:t>33%</a:t>
+            </a:r>
           </a:p>
         </p:txBody>
       </p:sp>
       <p:sp>
         <p:nvSpPr>
-          <p:cNvPr id="3" name="내용 개체 틀 2">
-            <a:extLst>
-              <a:ext uri="{FF2B5EF4-FFF2-40B4-BE49-F238E27FC236}">
-                <a16:creationId xmlns:a16="http://schemas.microsoft.com/office/drawing/2014/main" id="{738C6E78-A9DD-1870-C8A1-1C1FB003F139}"/>
-              </a:ext>
-            </a:extLst>
-          </p:cNvPr>
-          <p:cNvSpPr>
-            <a:spLocks noGrp="1"/>
-          </p:cNvSpPr>
-          <p:nvPr>
-            <p:ph idx="1"/>
-          </p:nvPr>
+          <p:cNvPr id="7" name="직사각형 6">
+            <a:extLst>
+              <a:ext uri="{FF2B5EF4-FFF2-40B4-BE49-F238E27FC236}">
+                <a16:creationId xmlns:a16="http://schemas.microsoft.com/office/drawing/2014/main" id="{63BF0E24-494E-8894-D4FB-84691C058CB4}"/>
+              </a:ext>
+            </a:extLst>
+          </p:cNvPr>
+          <p:cNvSpPr/>
+          <p:nvPr/>
         </p:nvSpPr>
-        <p:spPr/>
+        <p:spPr>
+          <a:xfrm>
+            <a:off x="7475829" y="1575292"/>
+            <a:ext cx="1194559" cy="400110"/>
+          </a:xfrm>
+          <a:prstGeom prst="rect">
+            <a:avLst/>
+          </a:prstGeom>
+          <a:noFill/>
+        </p:spPr>
         <p:txBody>
-          <a:bodyPr/>
+          <a:bodyPr wrap="none" lIns="91440" tIns="45720" rIns="91440" bIns="45720">
+            <a:spAutoFit/>
+          </a:bodyPr>
           <a:lstStyle/>
           <a:p>
-            <a:endParaRPr lang="ko-KR" altLang="en-US"/>
+            <a:pPr algn="ctr"/>
+            <a:r>
+              <a:rPr lang="ko-KR" altLang="en-US" sz="2000" dirty="0">
+                <a:ln w="0"/>
+                <a:solidFill>
+                  <a:srgbClr val="FFFF00"/>
+                </a:solidFill>
+                <a:effectLst>
+                  <a:outerShdw blurRad="38100" dist="19050" dir="2700000" algn="tl" rotWithShape="0">
+                    <a:schemeClr val="dk1">
+                      <a:alpha val="40000"/>
+                    </a:schemeClr>
+                  </a:outerShdw>
+                </a:effectLst>
+              </a:rPr>
+              <a:t>중</a:t>
+            </a:r>
+            <a:r>
+              <a:rPr lang="ko-KR" altLang="en-US" sz="2000" b="0" cap="none" spc="0" dirty="0">
+                <a:ln w="0"/>
+                <a:solidFill>
+                  <a:srgbClr val="FFFF00"/>
+                </a:solidFill>
+                <a:effectLst>
+                  <a:outerShdw blurRad="38100" dist="19050" dir="2700000" algn="tl" rotWithShape="0">
+                    <a:schemeClr val="dk1">
+                      <a:alpha val="40000"/>
+                    </a:schemeClr>
+                  </a:outerShdw>
+                </a:effectLst>
+              </a:rPr>
+              <a:t>위</a:t>
+            </a:r>
+            <a:r>
+              <a:rPr lang="en-US" altLang="ko-KR" sz="2000" b="0" cap="none" spc="0" dirty="0">
+                <a:ln w="0"/>
+                <a:solidFill>
+                  <a:srgbClr val="FFFF00"/>
+                </a:solidFill>
+                <a:effectLst>
+                  <a:outerShdw blurRad="38100" dist="19050" dir="2700000" algn="tl" rotWithShape="0">
+                    <a:schemeClr val="dk1">
+                      <a:alpha val="40000"/>
+                    </a:schemeClr>
+                  </a:outerShdw>
+                </a:effectLst>
+              </a:rPr>
+              <a:t>33%</a:t>
+            </a:r>
+          </a:p>
+        </p:txBody>
+      </p:sp>
+      <p:sp>
+        <p:nvSpPr>
+          <p:cNvPr id="8" name="직사각형 7">
+            <a:extLst>
+              <a:ext uri="{FF2B5EF4-FFF2-40B4-BE49-F238E27FC236}">
+                <a16:creationId xmlns:a16="http://schemas.microsoft.com/office/drawing/2014/main" id="{3409560F-787F-72AF-F5A2-4DD75B3C2A9D}"/>
+              </a:ext>
+            </a:extLst>
+          </p:cNvPr>
+          <p:cNvSpPr/>
+          <p:nvPr/>
+        </p:nvSpPr>
+        <p:spPr>
+          <a:xfrm>
+            <a:off x="7475829" y="1850294"/>
+            <a:ext cx="1194559" cy="400110"/>
+          </a:xfrm>
+          <a:prstGeom prst="rect">
+            <a:avLst/>
+          </a:prstGeom>
+          <a:noFill/>
+        </p:spPr>
+        <p:txBody>
+          <a:bodyPr wrap="none" lIns="91440" tIns="45720" rIns="91440" bIns="45720">
+            <a:spAutoFit/>
+          </a:bodyPr>
+          <a:lstStyle/>
+          <a:p>
+            <a:pPr algn="ctr"/>
+            <a:r>
+              <a:rPr lang="ko-KR" altLang="en-US" sz="2000" dirty="0">
+                <a:ln w="0"/>
+                <a:solidFill>
+                  <a:srgbClr val="0070C0"/>
+                </a:solidFill>
+                <a:effectLst>
+                  <a:outerShdw blurRad="38100" dist="19050" dir="2700000" algn="tl" rotWithShape="0">
+                    <a:schemeClr val="dk1">
+                      <a:alpha val="40000"/>
+                    </a:schemeClr>
+                  </a:outerShdw>
+                </a:effectLst>
+              </a:rPr>
+              <a:t>하</a:t>
+            </a:r>
+            <a:r>
+              <a:rPr lang="ko-KR" altLang="en-US" sz="2000" b="0" cap="none" spc="0" dirty="0">
+                <a:ln w="0"/>
+                <a:solidFill>
+                  <a:srgbClr val="0070C0"/>
+                </a:solidFill>
+                <a:effectLst>
+                  <a:outerShdw blurRad="38100" dist="19050" dir="2700000" algn="tl" rotWithShape="0">
+                    <a:schemeClr val="dk1">
+                      <a:alpha val="40000"/>
+                    </a:schemeClr>
+                  </a:outerShdw>
+                </a:effectLst>
+              </a:rPr>
+              <a:t>위</a:t>
+            </a:r>
+            <a:r>
+              <a:rPr lang="en-US" altLang="ko-KR" sz="2000" b="0" cap="none" spc="0" dirty="0">
+                <a:ln w="0"/>
+                <a:solidFill>
+                  <a:srgbClr val="0070C0"/>
+                </a:solidFill>
+                <a:effectLst>
+                  <a:outerShdw blurRad="38100" dist="19050" dir="2700000" algn="tl" rotWithShape="0">
+                    <a:schemeClr val="dk1">
+                      <a:alpha val="40000"/>
+                    </a:schemeClr>
+                  </a:outerShdw>
+                </a:effectLst>
+              </a:rPr>
+              <a:t>33%</a:t>
+            </a:r>
+          </a:p>
+        </p:txBody>
+      </p:sp>
+      <p:sp>
+        <p:nvSpPr>
+          <p:cNvPr id="9" name="직사각형 8">
+            <a:extLst>
+              <a:ext uri="{FF2B5EF4-FFF2-40B4-BE49-F238E27FC236}">
+                <a16:creationId xmlns:a16="http://schemas.microsoft.com/office/drawing/2014/main" id="{891EBF99-84B5-C39F-BDBE-7782C9F67669}"/>
+              </a:ext>
+            </a:extLst>
+          </p:cNvPr>
+          <p:cNvSpPr/>
+          <p:nvPr/>
+        </p:nvSpPr>
+        <p:spPr>
+          <a:xfrm>
+            <a:off x="3825742" y="117218"/>
+            <a:ext cx="4583306" cy="923330"/>
+          </a:xfrm>
+          <a:prstGeom prst="rect">
+            <a:avLst/>
+          </a:prstGeom>
+          <a:noFill/>
+        </p:spPr>
+        <p:txBody>
+          <a:bodyPr wrap="none" lIns="91440" tIns="45720" rIns="91440" bIns="45720">
+            <a:spAutoFit/>
+          </a:bodyPr>
+          <a:lstStyle/>
+          <a:p>
+            <a:pPr algn="ctr"/>
+            <a:r>
+              <a:rPr lang="ko-KR" altLang="en-US" sz="5400" b="1" cap="none" spc="0" dirty="0">
+                <a:ln w="9525">
+                  <a:solidFill>
+                    <a:schemeClr val="bg1"/>
+                  </a:solidFill>
+                  <a:prstDash val="solid"/>
+                </a:ln>
+                <a:solidFill>
+                  <a:schemeClr val="tx1"/>
+                </a:solidFill>
+                <a:effectLst>
+                  <a:outerShdw blurRad="12700" dist="38100" dir="2700000" algn="tl" rotWithShape="0">
+                    <a:schemeClr val="bg1">
+                      <a:lumMod val="50000"/>
+                    </a:schemeClr>
+                  </a:outerShdw>
+                </a:effectLst>
+              </a:rPr>
+              <a:t>사망률 </a:t>
+            </a:r>
+            <a:r>
+              <a:rPr lang="ko-KR" altLang="en-US" sz="5400" b="1" cap="none" spc="0" dirty="0" err="1">
+                <a:ln w="9525">
+                  <a:solidFill>
+                    <a:schemeClr val="bg1"/>
+                  </a:solidFill>
+                  <a:prstDash val="solid"/>
+                </a:ln>
+                <a:solidFill>
+                  <a:schemeClr val="tx1"/>
+                </a:solidFill>
+                <a:effectLst>
+                  <a:outerShdw blurRad="12700" dist="38100" dir="2700000" algn="tl" rotWithShape="0">
+                    <a:schemeClr val="bg1">
+                      <a:lumMod val="50000"/>
+                    </a:schemeClr>
+                  </a:outerShdw>
+                </a:effectLst>
+              </a:rPr>
+              <a:t>검사률</a:t>
+            </a:r>
+            <a:endParaRPr lang="en-US" altLang="ko-KR" sz="5400" b="1" cap="none" spc="0" dirty="0">
+              <a:ln w="9525">
+                <a:solidFill>
+                  <a:schemeClr val="bg1"/>
+                </a:solidFill>
+                <a:prstDash val="solid"/>
+              </a:ln>
+              <a:solidFill>
+                <a:schemeClr val="tx1"/>
+              </a:solidFill>
+              <a:effectLst>
+                <a:outerShdw blurRad="12700" dist="38100" dir="2700000" algn="tl" rotWithShape="0">
+                  <a:schemeClr val="bg1">
+                    <a:lumMod val="50000"/>
+                  </a:schemeClr>
+                </a:outerShdw>
+              </a:effectLst>
+            </a:endParaRPr>
+          </a:p>
+        </p:txBody>
+      </p:sp>
+      <p:sp>
+        <p:nvSpPr>
+          <p:cNvPr id="10" name="실행 단추: 끝으로 이동 9">
+            <a:hlinkClick r:id="rId3" action="ppaction://hlinksldjump" highlightClick="1"/>
+            <a:extLst>
+              <a:ext uri="{FF2B5EF4-FFF2-40B4-BE49-F238E27FC236}">
+                <a16:creationId xmlns:a16="http://schemas.microsoft.com/office/drawing/2014/main" id="{13F8CE39-DB74-BFE0-2359-C489BE6F6795}"/>
+              </a:ext>
+            </a:extLst>
+          </p:cNvPr>
+          <p:cNvSpPr/>
+          <p:nvPr/>
+        </p:nvSpPr>
+        <p:spPr>
+          <a:xfrm>
+            <a:off x="11221868" y="578883"/>
+            <a:ext cx="382556" cy="370287"/>
+          </a:xfrm>
+          <a:prstGeom prst="actionButtonEnd">
+            <a:avLst/>
+          </a:prstGeom>
+        </p:spPr>
+        <p:style>
+          <a:lnRef idx="2">
+            <a:schemeClr val="accent1">
+              <a:shade val="50000"/>
+            </a:schemeClr>
+          </a:lnRef>
+          <a:fillRef idx="1">
+            <a:schemeClr val="accent1"/>
+          </a:fillRef>
+          <a:effectRef idx="0">
+            <a:schemeClr val="accent1"/>
+          </a:effectRef>
+          <a:fontRef idx="minor">
+            <a:schemeClr val="lt1"/>
+          </a:fontRef>
+        </p:style>
+        <p:txBody>
+          <a:bodyPr rtlCol="0" anchor="ctr"/>
+          <a:lstStyle/>
+          <a:p>
+            <a:pPr algn="ctr"/>
+            <a:endParaRPr lang="ko-KR" altLang="en-US" dirty="0"/>
           </a:p>
         </p:txBody>
       </p:sp>
     </p:spTree>
     <p:extLst>
       <p:ext uri="{BB962C8B-B14F-4D97-AF65-F5344CB8AC3E}">
-        <p14:creationId xmlns:p14="http://schemas.microsoft.com/office/powerpoint/2010/main" val="127023617"/>
+        <p14:creationId xmlns:p14="http://schemas.microsoft.com/office/powerpoint/2010/main" val="709637806"/>
       </p:ext>
     </p:extLst>
   </p:cSld>
@@ -8045,6 +8684,1917 @@
       </p:grpSpPr>
       <p:sp>
         <p:nvSpPr>
+          <p:cNvPr id="7" name="직사각형 6">
+            <a:extLst>
+              <a:ext uri="{FF2B5EF4-FFF2-40B4-BE49-F238E27FC236}">
+                <a16:creationId xmlns:a16="http://schemas.microsoft.com/office/drawing/2014/main" id="{2C2BD47F-1AC0-6169-81F3-939098BAD3ED}"/>
+              </a:ext>
+            </a:extLst>
+          </p:cNvPr>
+          <p:cNvSpPr/>
+          <p:nvPr/>
+        </p:nvSpPr>
+        <p:spPr>
+          <a:xfrm>
+            <a:off x="3336793" y="-12325"/>
+            <a:ext cx="5519460" cy="923330"/>
+          </a:xfrm>
+          <a:prstGeom prst="rect">
+            <a:avLst/>
+          </a:prstGeom>
+          <a:noFill/>
+        </p:spPr>
+        <p:txBody>
+          <a:bodyPr wrap="none" lIns="91440" tIns="45720" rIns="91440" bIns="45720">
+            <a:spAutoFit/>
+          </a:bodyPr>
+          <a:lstStyle/>
+          <a:p>
+            <a:pPr algn="ctr"/>
+            <a:r>
+              <a:rPr lang="ko-KR" altLang="en-US" sz="5400" b="1" cap="none" spc="0" dirty="0" err="1">
+                <a:ln w="9525">
+                  <a:solidFill>
+                    <a:schemeClr val="bg1"/>
+                  </a:solidFill>
+                  <a:prstDash val="solid"/>
+                </a:ln>
+                <a:solidFill>
+                  <a:schemeClr val="tx1"/>
+                </a:solidFill>
+                <a:effectLst>
+                  <a:outerShdw blurRad="12700" dist="38100" dir="2700000" algn="tl" rotWithShape="0">
+                    <a:schemeClr val="bg1">
+                      <a:lumMod val="50000"/>
+                    </a:schemeClr>
+                  </a:outerShdw>
+                </a:effectLst>
+              </a:rPr>
+              <a:t>감염율</a:t>
+            </a:r>
+            <a:r>
+              <a:rPr lang="ko-KR" altLang="en-US" sz="5400" b="1" cap="none" spc="0" dirty="0">
+                <a:ln w="9525">
+                  <a:solidFill>
+                    <a:schemeClr val="bg1"/>
+                  </a:solidFill>
+                  <a:prstDash val="solid"/>
+                </a:ln>
+                <a:solidFill>
+                  <a:schemeClr val="tx1"/>
+                </a:solidFill>
+                <a:effectLst>
+                  <a:outerShdw blurRad="12700" dist="38100" dir="2700000" algn="tl" rotWithShape="0">
+                    <a:schemeClr val="bg1">
+                      <a:lumMod val="50000"/>
+                    </a:schemeClr>
+                  </a:outerShdw>
+                </a:effectLst>
+              </a:rPr>
+              <a:t> 인구밀도 </a:t>
+            </a:r>
+            <a:endParaRPr lang="en-US" altLang="ko-KR" sz="5400" b="1" cap="none" spc="0" dirty="0">
+              <a:ln w="9525">
+                <a:solidFill>
+                  <a:schemeClr val="bg1"/>
+                </a:solidFill>
+                <a:prstDash val="solid"/>
+              </a:ln>
+              <a:solidFill>
+                <a:schemeClr val="tx1"/>
+              </a:solidFill>
+              <a:effectLst>
+                <a:outerShdw blurRad="12700" dist="38100" dir="2700000" algn="tl" rotWithShape="0">
+                  <a:schemeClr val="bg1">
+                    <a:lumMod val="50000"/>
+                  </a:schemeClr>
+                </a:outerShdw>
+              </a:effectLst>
+            </a:endParaRPr>
+          </a:p>
+        </p:txBody>
+      </p:sp>
+      <p:sp>
+        <p:nvSpPr>
+          <p:cNvPr id="11" name="직사각형 10">
+            <a:extLst>
+              <a:ext uri="{FF2B5EF4-FFF2-40B4-BE49-F238E27FC236}">
+                <a16:creationId xmlns:a16="http://schemas.microsoft.com/office/drawing/2014/main" id="{BFA7F627-52CB-D3B9-BD81-D423D0B8101A}"/>
+              </a:ext>
+            </a:extLst>
+          </p:cNvPr>
+          <p:cNvSpPr/>
+          <p:nvPr/>
+        </p:nvSpPr>
+        <p:spPr>
+          <a:xfrm>
+            <a:off x="3750451" y="1895738"/>
+            <a:ext cx="1194559" cy="400110"/>
+          </a:xfrm>
+          <a:prstGeom prst="rect">
+            <a:avLst/>
+          </a:prstGeom>
+          <a:noFill/>
+        </p:spPr>
+        <p:txBody>
+          <a:bodyPr wrap="none" lIns="91440" tIns="45720" rIns="91440" bIns="45720">
+            <a:spAutoFit/>
+          </a:bodyPr>
+          <a:lstStyle/>
+          <a:p>
+            <a:pPr algn="ctr"/>
+            <a:r>
+              <a:rPr lang="ko-KR" altLang="en-US" sz="2000" dirty="0">
+                <a:ln w="0"/>
+                <a:solidFill>
+                  <a:srgbClr val="FFFF00"/>
+                </a:solidFill>
+                <a:effectLst>
+                  <a:outerShdw blurRad="38100" dist="19050" dir="2700000" algn="tl" rotWithShape="0">
+                    <a:schemeClr val="dk1">
+                      <a:alpha val="40000"/>
+                    </a:schemeClr>
+                  </a:outerShdw>
+                </a:effectLst>
+              </a:rPr>
+              <a:t>중</a:t>
+            </a:r>
+            <a:r>
+              <a:rPr lang="ko-KR" altLang="en-US" sz="2000" b="0" cap="none" spc="0" dirty="0">
+                <a:ln w="0"/>
+                <a:solidFill>
+                  <a:srgbClr val="FFFF00"/>
+                </a:solidFill>
+                <a:effectLst>
+                  <a:outerShdw blurRad="38100" dist="19050" dir="2700000" algn="tl" rotWithShape="0">
+                    <a:schemeClr val="dk1">
+                      <a:alpha val="40000"/>
+                    </a:schemeClr>
+                  </a:outerShdw>
+                </a:effectLst>
+              </a:rPr>
+              <a:t>위</a:t>
+            </a:r>
+            <a:r>
+              <a:rPr lang="en-US" altLang="ko-KR" sz="2000" b="0" cap="none" spc="0" dirty="0">
+                <a:ln w="0"/>
+                <a:solidFill>
+                  <a:srgbClr val="FFFF00"/>
+                </a:solidFill>
+                <a:effectLst>
+                  <a:outerShdw blurRad="38100" dist="19050" dir="2700000" algn="tl" rotWithShape="0">
+                    <a:schemeClr val="dk1">
+                      <a:alpha val="40000"/>
+                    </a:schemeClr>
+                  </a:outerShdw>
+                </a:effectLst>
+              </a:rPr>
+              <a:t>33%</a:t>
+            </a:r>
+          </a:p>
+        </p:txBody>
+      </p:sp>
+      <p:sp>
+        <p:nvSpPr>
+          <p:cNvPr id="12" name="직사각형 11">
+            <a:extLst>
+              <a:ext uri="{FF2B5EF4-FFF2-40B4-BE49-F238E27FC236}">
+                <a16:creationId xmlns:a16="http://schemas.microsoft.com/office/drawing/2014/main" id="{31479CA2-8280-1916-4F58-63B87159D11B}"/>
+              </a:ext>
+            </a:extLst>
+          </p:cNvPr>
+          <p:cNvSpPr/>
+          <p:nvPr/>
+        </p:nvSpPr>
+        <p:spPr>
+          <a:xfrm>
+            <a:off x="4082479" y="2195527"/>
+            <a:ext cx="1194559" cy="400110"/>
+          </a:xfrm>
+          <a:prstGeom prst="rect">
+            <a:avLst/>
+          </a:prstGeom>
+          <a:noFill/>
+        </p:spPr>
+        <p:txBody>
+          <a:bodyPr wrap="none" lIns="91440" tIns="45720" rIns="91440" bIns="45720">
+            <a:spAutoFit/>
+          </a:bodyPr>
+          <a:lstStyle/>
+          <a:p>
+            <a:pPr algn="ctr"/>
+            <a:r>
+              <a:rPr lang="ko-KR" altLang="en-US" sz="2000" dirty="0">
+                <a:ln w="0"/>
+                <a:solidFill>
+                  <a:srgbClr val="0070C0"/>
+                </a:solidFill>
+                <a:effectLst>
+                  <a:outerShdw blurRad="38100" dist="19050" dir="2700000" algn="tl" rotWithShape="0">
+                    <a:schemeClr val="dk1">
+                      <a:alpha val="40000"/>
+                    </a:schemeClr>
+                  </a:outerShdw>
+                </a:effectLst>
+              </a:rPr>
+              <a:t>하</a:t>
+            </a:r>
+            <a:r>
+              <a:rPr lang="ko-KR" altLang="en-US" sz="2000" b="0" cap="none" spc="0" dirty="0">
+                <a:ln w="0"/>
+                <a:solidFill>
+                  <a:srgbClr val="0070C0"/>
+                </a:solidFill>
+                <a:effectLst>
+                  <a:outerShdw blurRad="38100" dist="19050" dir="2700000" algn="tl" rotWithShape="0">
+                    <a:schemeClr val="dk1">
+                      <a:alpha val="40000"/>
+                    </a:schemeClr>
+                  </a:outerShdw>
+                </a:effectLst>
+              </a:rPr>
+              <a:t>위</a:t>
+            </a:r>
+            <a:r>
+              <a:rPr lang="en-US" altLang="ko-KR" sz="2000" b="0" cap="none" spc="0" dirty="0">
+                <a:ln w="0"/>
+                <a:solidFill>
+                  <a:srgbClr val="0070C0"/>
+                </a:solidFill>
+                <a:effectLst>
+                  <a:outerShdw blurRad="38100" dist="19050" dir="2700000" algn="tl" rotWithShape="0">
+                    <a:schemeClr val="dk1">
+                      <a:alpha val="40000"/>
+                    </a:schemeClr>
+                  </a:outerShdw>
+                </a:effectLst>
+              </a:rPr>
+              <a:t>33%</a:t>
+            </a:r>
+          </a:p>
+        </p:txBody>
+      </p:sp>
+      <p:pic>
+        <p:nvPicPr>
+          <p:cNvPr id="13" name="그림 12">
+            <a:extLst>
+              <a:ext uri="{FF2B5EF4-FFF2-40B4-BE49-F238E27FC236}">
+                <a16:creationId xmlns:a16="http://schemas.microsoft.com/office/drawing/2014/main" id="{59B76742-8800-C076-6BAA-7A57376DC6CC}"/>
+              </a:ext>
+            </a:extLst>
+          </p:cNvPr>
+          <p:cNvPicPr>
+            <a:picLocks noChangeAspect="1"/>
+          </p:cNvPicPr>
+          <p:nvPr/>
+        </p:nvPicPr>
+        <p:blipFill>
+          <a:blip r:embed="rId2"/>
+          <a:stretch>
+            <a:fillRect/>
+          </a:stretch>
+        </p:blipFill>
+        <p:spPr>
+          <a:xfrm>
+            <a:off x="714053" y="1043752"/>
+            <a:ext cx="10763893" cy="5817320"/>
+          </a:xfrm>
+          <a:prstGeom prst="rect">
+            <a:avLst/>
+          </a:prstGeom>
+        </p:spPr>
+      </p:pic>
+      <p:sp>
+        <p:nvSpPr>
+          <p:cNvPr id="14" name="직사각형 13">
+            <a:extLst>
+              <a:ext uri="{FF2B5EF4-FFF2-40B4-BE49-F238E27FC236}">
+                <a16:creationId xmlns:a16="http://schemas.microsoft.com/office/drawing/2014/main" id="{0830F70F-C88C-B465-E23B-F165DD5C5B67}"/>
+              </a:ext>
+            </a:extLst>
+          </p:cNvPr>
+          <p:cNvSpPr/>
+          <p:nvPr/>
+        </p:nvSpPr>
+        <p:spPr>
+          <a:xfrm>
+            <a:off x="3336270" y="0"/>
+            <a:ext cx="5519460" cy="923330"/>
+          </a:xfrm>
+          <a:prstGeom prst="rect">
+            <a:avLst/>
+          </a:prstGeom>
+          <a:noFill/>
+        </p:spPr>
+        <p:txBody>
+          <a:bodyPr wrap="none" lIns="91440" tIns="45720" rIns="91440" bIns="45720">
+            <a:spAutoFit/>
+          </a:bodyPr>
+          <a:lstStyle/>
+          <a:p>
+            <a:pPr algn="ctr"/>
+            <a:r>
+              <a:rPr lang="ko-KR" altLang="en-US" sz="5400" b="1" cap="none" spc="0" dirty="0" err="1">
+                <a:ln w="9525">
+                  <a:solidFill>
+                    <a:schemeClr val="bg1"/>
+                  </a:solidFill>
+                  <a:prstDash val="solid"/>
+                </a:ln>
+                <a:solidFill>
+                  <a:schemeClr val="tx1"/>
+                </a:solidFill>
+                <a:effectLst>
+                  <a:outerShdw blurRad="12700" dist="38100" dir="2700000" algn="tl" rotWithShape="0">
+                    <a:schemeClr val="bg1">
+                      <a:lumMod val="50000"/>
+                    </a:schemeClr>
+                  </a:outerShdw>
+                </a:effectLst>
+              </a:rPr>
+              <a:t>감염율</a:t>
+            </a:r>
+            <a:r>
+              <a:rPr lang="ko-KR" altLang="en-US" sz="5400" b="1" cap="none" spc="0" dirty="0">
+                <a:ln w="9525">
+                  <a:solidFill>
+                    <a:schemeClr val="bg1"/>
+                  </a:solidFill>
+                  <a:prstDash val="solid"/>
+                </a:ln>
+                <a:solidFill>
+                  <a:schemeClr val="tx1"/>
+                </a:solidFill>
+                <a:effectLst>
+                  <a:outerShdw blurRad="12700" dist="38100" dir="2700000" algn="tl" rotWithShape="0">
+                    <a:schemeClr val="bg1">
+                      <a:lumMod val="50000"/>
+                    </a:schemeClr>
+                  </a:outerShdw>
+                </a:effectLst>
+              </a:rPr>
+              <a:t> 인구밀도 </a:t>
+            </a:r>
+            <a:endParaRPr lang="en-US" altLang="ko-KR" sz="5400" b="1" cap="none" spc="0" dirty="0">
+              <a:ln w="9525">
+                <a:solidFill>
+                  <a:schemeClr val="bg1"/>
+                </a:solidFill>
+                <a:prstDash val="solid"/>
+              </a:ln>
+              <a:solidFill>
+                <a:schemeClr val="tx1"/>
+              </a:solidFill>
+              <a:effectLst>
+                <a:outerShdw blurRad="12700" dist="38100" dir="2700000" algn="tl" rotWithShape="0">
+                  <a:schemeClr val="bg1">
+                    <a:lumMod val="50000"/>
+                  </a:schemeClr>
+                </a:outerShdw>
+              </a:effectLst>
+            </a:endParaRPr>
+          </a:p>
+        </p:txBody>
+      </p:sp>
+      <p:sp>
+        <p:nvSpPr>
+          <p:cNvPr id="15" name="직사각형 14">
+            <a:extLst>
+              <a:ext uri="{FF2B5EF4-FFF2-40B4-BE49-F238E27FC236}">
+                <a16:creationId xmlns:a16="http://schemas.microsoft.com/office/drawing/2014/main" id="{11A1D76A-475D-B105-6ED5-AD9807C6582C}"/>
+              </a:ext>
+            </a:extLst>
+          </p:cNvPr>
+          <p:cNvSpPr/>
+          <p:nvPr/>
+        </p:nvSpPr>
+        <p:spPr>
+          <a:xfrm>
+            <a:off x="7919443" y="1612476"/>
+            <a:ext cx="1452039" cy="369332"/>
+          </a:xfrm>
+          <a:prstGeom prst="rect">
+            <a:avLst/>
+          </a:prstGeom>
+          <a:noFill/>
+        </p:spPr>
+        <p:txBody>
+          <a:bodyPr wrap="square" lIns="91440" tIns="45720" rIns="91440" bIns="45720">
+            <a:spAutoFit/>
+          </a:bodyPr>
+          <a:lstStyle/>
+          <a:p>
+            <a:pPr algn="ctr"/>
+            <a:r>
+              <a:rPr lang="ko-KR" altLang="en-US" b="0" cap="none" spc="0" dirty="0">
+                <a:ln w="0"/>
+                <a:solidFill>
+                  <a:srgbClr val="FF0000"/>
+                </a:solidFill>
+                <a:effectLst>
+                  <a:outerShdw blurRad="38100" dist="19050" dir="2700000" algn="tl" rotWithShape="0">
+                    <a:schemeClr val="dk1">
+                      <a:alpha val="40000"/>
+                    </a:schemeClr>
+                  </a:outerShdw>
+                </a:effectLst>
+              </a:rPr>
+              <a:t>상위</a:t>
+            </a:r>
+            <a:r>
+              <a:rPr lang="en-US" altLang="ko-KR" b="0" cap="none" spc="0" dirty="0">
+                <a:ln w="0"/>
+                <a:solidFill>
+                  <a:srgbClr val="FF0000"/>
+                </a:solidFill>
+                <a:effectLst>
+                  <a:outerShdw blurRad="38100" dist="19050" dir="2700000" algn="tl" rotWithShape="0">
+                    <a:schemeClr val="dk1">
+                      <a:alpha val="40000"/>
+                    </a:schemeClr>
+                  </a:outerShdw>
+                </a:effectLst>
+              </a:rPr>
+              <a:t>33%</a:t>
+            </a:r>
+          </a:p>
+        </p:txBody>
+      </p:sp>
+      <p:sp>
+        <p:nvSpPr>
+          <p:cNvPr id="16" name="직사각형 15">
+            <a:extLst>
+              <a:ext uri="{FF2B5EF4-FFF2-40B4-BE49-F238E27FC236}">
+                <a16:creationId xmlns:a16="http://schemas.microsoft.com/office/drawing/2014/main" id="{5B3EB95E-466A-583E-C8B7-BDA450AE3EE9}"/>
+              </a:ext>
+            </a:extLst>
+          </p:cNvPr>
+          <p:cNvSpPr/>
+          <p:nvPr/>
+        </p:nvSpPr>
+        <p:spPr>
+          <a:xfrm>
+            <a:off x="7919444" y="1957294"/>
+            <a:ext cx="1452039" cy="369332"/>
+          </a:xfrm>
+          <a:prstGeom prst="rect">
+            <a:avLst/>
+          </a:prstGeom>
+          <a:noFill/>
+        </p:spPr>
+        <p:txBody>
+          <a:bodyPr wrap="square" lIns="91440" tIns="45720" rIns="91440" bIns="45720">
+            <a:spAutoFit/>
+          </a:bodyPr>
+          <a:lstStyle/>
+          <a:p>
+            <a:pPr algn="ctr"/>
+            <a:r>
+              <a:rPr lang="ko-KR" altLang="en-US" dirty="0">
+                <a:ln w="0"/>
+                <a:solidFill>
+                  <a:srgbClr val="FFFF00"/>
+                </a:solidFill>
+                <a:effectLst>
+                  <a:outerShdw blurRad="38100" dist="19050" dir="2700000" algn="tl" rotWithShape="0">
+                    <a:schemeClr val="dk1">
+                      <a:alpha val="40000"/>
+                    </a:schemeClr>
+                  </a:outerShdw>
+                </a:effectLst>
+              </a:rPr>
+              <a:t>중</a:t>
+            </a:r>
+            <a:r>
+              <a:rPr lang="ko-KR" altLang="en-US" b="0" cap="none" spc="0" dirty="0">
+                <a:ln w="0"/>
+                <a:solidFill>
+                  <a:srgbClr val="FFFF00"/>
+                </a:solidFill>
+                <a:effectLst>
+                  <a:outerShdw blurRad="38100" dist="19050" dir="2700000" algn="tl" rotWithShape="0">
+                    <a:schemeClr val="dk1">
+                      <a:alpha val="40000"/>
+                    </a:schemeClr>
+                  </a:outerShdw>
+                </a:effectLst>
+              </a:rPr>
+              <a:t>위</a:t>
+            </a:r>
+            <a:r>
+              <a:rPr lang="en-US" altLang="ko-KR" b="0" cap="none" spc="0" dirty="0">
+                <a:ln w="0"/>
+                <a:solidFill>
+                  <a:srgbClr val="FFFF00"/>
+                </a:solidFill>
+                <a:effectLst>
+                  <a:outerShdw blurRad="38100" dist="19050" dir="2700000" algn="tl" rotWithShape="0">
+                    <a:schemeClr val="dk1">
+                      <a:alpha val="40000"/>
+                    </a:schemeClr>
+                  </a:outerShdw>
+                </a:effectLst>
+              </a:rPr>
+              <a:t>33%</a:t>
+            </a:r>
+          </a:p>
+        </p:txBody>
+      </p:sp>
+      <p:sp>
+        <p:nvSpPr>
+          <p:cNvPr id="17" name="직사각형 16">
+            <a:extLst>
+              <a:ext uri="{FF2B5EF4-FFF2-40B4-BE49-F238E27FC236}">
+                <a16:creationId xmlns:a16="http://schemas.microsoft.com/office/drawing/2014/main" id="{15806626-9779-7453-CF33-E1EE42866AAD}"/>
+              </a:ext>
+            </a:extLst>
+          </p:cNvPr>
+          <p:cNvSpPr/>
+          <p:nvPr/>
+        </p:nvSpPr>
+        <p:spPr>
+          <a:xfrm>
+            <a:off x="7937204" y="2320510"/>
+            <a:ext cx="1452039" cy="369332"/>
+          </a:xfrm>
+          <a:prstGeom prst="rect">
+            <a:avLst/>
+          </a:prstGeom>
+          <a:noFill/>
+        </p:spPr>
+        <p:txBody>
+          <a:bodyPr wrap="square" lIns="91440" tIns="45720" rIns="91440" bIns="45720">
+            <a:spAutoFit/>
+          </a:bodyPr>
+          <a:lstStyle/>
+          <a:p>
+            <a:pPr algn="ctr"/>
+            <a:r>
+              <a:rPr lang="ko-KR" altLang="en-US" dirty="0">
+                <a:ln w="0"/>
+                <a:solidFill>
+                  <a:srgbClr val="0070C0"/>
+                </a:solidFill>
+                <a:effectLst>
+                  <a:outerShdw blurRad="38100" dist="19050" dir="2700000" algn="tl" rotWithShape="0">
+                    <a:schemeClr val="dk1">
+                      <a:alpha val="40000"/>
+                    </a:schemeClr>
+                  </a:outerShdw>
+                </a:effectLst>
+              </a:rPr>
+              <a:t>하</a:t>
+            </a:r>
+            <a:r>
+              <a:rPr lang="ko-KR" altLang="en-US" b="0" cap="none" spc="0" dirty="0">
+                <a:ln w="0"/>
+                <a:solidFill>
+                  <a:srgbClr val="0070C0"/>
+                </a:solidFill>
+                <a:effectLst>
+                  <a:outerShdw blurRad="38100" dist="19050" dir="2700000" algn="tl" rotWithShape="0">
+                    <a:schemeClr val="dk1">
+                      <a:alpha val="40000"/>
+                    </a:schemeClr>
+                  </a:outerShdw>
+                </a:effectLst>
+              </a:rPr>
+              <a:t>위</a:t>
+            </a:r>
+            <a:r>
+              <a:rPr lang="en-US" altLang="ko-KR" b="0" cap="none" spc="0" dirty="0">
+                <a:ln w="0"/>
+                <a:solidFill>
+                  <a:srgbClr val="0070C0"/>
+                </a:solidFill>
+                <a:effectLst>
+                  <a:outerShdw blurRad="38100" dist="19050" dir="2700000" algn="tl" rotWithShape="0">
+                    <a:schemeClr val="dk1">
+                      <a:alpha val="40000"/>
+                    </a:schemeClr>
+                  </a:outerShdw>
+                </a:effectLst>
+              </a:rPr>
+              <a:t>33%</a:t>
+            </a:r>
+          </a:p>
+        </p:txBody>
+      </p:sp>
+    </p:spTree>
+    <p:extLst>
+      <p:ext uri="{BB962C8B-B14F-4D97-AF65-F5344CB8AC3E}">
+        <p14:creationId xmlns:p14="http://schemas.microsoft.com/office/powerpoint/2010/main" val="789221968"/>
+      </p:ext>
+    </p:extLst>
+  </p:cSld>
+  <p:clrMapOvr>
+    <a:masterClrMapping/>
+  </p:clrMapOvr>
+</p:sld>
+</file>
+
+<file path=ppt/slides/slide12.xml><?xml version="1.0" encoding="utf-8"?>
+<p:sld xmlns:a="http://schemas.openxmlformats.org/drawingml/2006/main" xmlns:r="http://schemas.openxmlformats.org/officeDocument/2006/relationships" xmlns:p="http://schemas.openxmlformats.org/presentationml/2006/main">
+  <p:cSld>
+    <p:spTree>
+      <p:nvGrpSpPr>
+        <p:cNvPr id="1" name=""/>
+        <p:cNvGrpSpPr/>
+        <p:nvPr/>
+      </p:nvGrpSpPr>
+      <p:grpSpPr>
+        <a:xfrm>
+          <a:off x="0" y="0"/>
+          <a:ext cx="0" cy="0"/>
+          <a:chOff x="0" y="0"/>
+          <a:chExt cx="0" cy="0"/>
+        </a:xfrm>
+      </p:grpSpPr>
+      <p:pic>
+        <p:nvPicPr>
+          <p:cNvPr id="5" name="내용 개체 틀 4">
+            <a:extLst>
+              <a:ext uri="{FF2B5EF4-FFF2-40B4-BE49-F238E27FC236}">
+                <a16:creationId xmlns:a16="http://schemas.microsoft.com/office/drawing/2014/main" id="{0A70938D-8DAE-85F6-A0AC-745917EA4FB5}"/>
+              </a:ext>
+            </a:extLst>
+          </p:cNvPr>
+          <p:cNvPicPr>
+            <a:picLocks noGrp="1" noChangeAspect="1"/>
+          </p:cNvPicPr>
+          <p:nvPr>
+            <p:ph idx="1"/>
+          </p:nvPr>
+        </p:nvPicPr>
+        <p:blipFill>
+          <a:blip r:embed="rId2">
+            <a:extLst>
+              <a:ext uri="{28A0092B-C50C-407E-A947-70E740481C1C}">
+                <a14:useLocalDpi xmlns:a14="http://schemas.microsoft.com/office/drawing/2010/main" val="0"/>
+              </a:ext>
+            </a:extLst>
+          </a:blip>
+          <a:stretch>
+            <a:fillRect/>
+          </a:stretch>
+        </p:blipFill>
+        <p:spPr>
+          <a:xfrm>
+            <a:off x="4077053" y="2831833"/>
+            <a:ext cx="8286750" cy="4026167"/>
+          </a:xfrm>
+        </p:spPr>
+      </p:pic>
+      <p:pic>
+        <p:nvPicPr>
+          <p:cNvPr id="7" name="그림 6">
+            <a:extLst>
+              <a:ext uri="{FF2B5EF4-FFF2-40B4-BE49-F238E27FC236}">
+                <a16:creationId xmlns:a16="http://schemas.microsoft.com/office/drawing/2014/main" id="{83D6F8B2-CD8E-3B0F-6719-1941F8B3FC24}"/>
+              </a:ext>
+            </a:extLst>
+          </p:cNvPr>
+          <p:cNvPicPr>
+            <a:picLocks noChangeAspect="1"/>
+          </p:cNvPicPr>
+          <p:nvPr/>
+        </p:nvPicPr>
+        <p:blipFill>
+          <a:blip r:embed="rId3"/>
+          <a:stretch>
+            <a:fillRect/>
+          </a:stretch>
+        </p:blipFill>
+        <p:spPr>
+          <a:xfrm>
+            <a:off x="0" y="1432684"/>
+            <a:ext cx="4077053" cy="5296359"/>
+          </a:xfrm>
+          <a:prstGeom prst="rect">
+            <a:avLst/>
+          </a:prstGeom>
+        </p:spPr>
+      </p:pic>
+      <mc:AlternateContent xmlns:mc="http://schemas.openxmlformats.org/markup-compatibility/2006">
+        <mc:Choice xmlns:p14="http://schemas.microsoft.com/office/powerpoint/2010/main" Requires="p14">
+          <p:contentPart p14:bwMode="auto" r:id="rId4">
+            <p14:nvContentPartPr>
+              <p14:cNvPr id="8" name="잉크 7">
+                <a:extLst>
+                  <a:ext uri="{FF2B5EF4-FFF2-40B4-BE49-F238E27FC236}">
+                    <a16:creationId xmlns:a16="http://schemas.microsoft.com/office/drawing/2014/main" id="{EA12BFED-C7A3-103E-2642-975759788225}"/>
+                  </a:ext>
+                </a:extLst>
+              </p14:cNvPr>
+              <p14:cNvContentPartPr/>
+              <p14:nvPr/>
+            </p14:nvContentPartPr>
+            <p14:xfrm>
+              <a:off x="207000" y="1924775"/>
+              <a:ext cx="1231200" cy="45000"/>
+            </p14:xfrm>
+          </p:contentPart>
+        </mc:Choice>
+        <mc:Fallback>
+          <p:pic>
+            <p:nvPicPr>
+              <p:cNvPr id="8" name="잉크 7">
+                <a:extLst>
+                  <a:ext uri="{FF2B5EF4-FFF2-40B4-BE49-F238E27FC236}">
+                    <a16:creationId xmlns:a16="http://schemas.microsoft.com/office/drawing/2014/main" id="{EA12BFED-C7A3-103E-2642-975759788225}"/>
+                  </a:ext>
+                </a:extLst>
+              </p:cNvPr>
+              <p:cNvPicPr/>
+              <p:nvPr/>
+            </p:nvPicPr>
+            <p:blipFill>
+              <a:blip r:embed="rId5"/>
+              <a:stretch>
+                <a:fillRect/>
+              </a:stretch>
+            </p:blipFill>
+            <p:spPr>
+              <a:xfrm>
+                <a:off x="171360" y="1852775"/>
+                <a:ext cx="1302840" cy="188640"/>
+              </a:xfrm>
+              <a:prstGeom prst="rect">
+                <a:avLst/>
+              </a:prstGeom>
+            </p:spPr>
+          </p:pic>
+        </mc:Fallback>
+      </mc:AlternateContent>
+      <p:pic>
+        <p:nvPicPr>
+          <p:cNvPr id="11" name="그림 10">
+            <a:extLst>
+              <a:ext uri="{FF2B5EF4-FFF2-40B4-BE49-F238E27FC236}">
+                <a16:creationId xmlns:a16="http://schemas.microsoft.com/office/drawing/2014/main" id="{36B52835-E23E-E47E-D593-536521712B10}"/>
+              </a:ext>
+            </a:extLst>
+          </p:cNvPr>
+          <p:cNvPicPr>
+            <a:picLocks noChangeAspect="1"/>
+          </p:cNvPicPr>
+          <p:nvPr/>
+        </p:nvPicPr>
+        <p:blipFill>
+          <a:blip r:embed="rId6"/>
+          <a:stretch>
+            <a:fillRect/>
+          </a:stretch>
+        </p:blipFill>
+        <p:spPr>
+          <a:xfrm>
+            <a:off x="8534083" y="-33535"/>
+            <a:ext cx="3657917" cy="2865368"/>
+          </a:xfrm>
+          <a:prstGeom prst="rect">
+            <a:avLst/>
+          </a:prstGeom>
+        </p:spPr>
+      </p:pic>
+      <mc:AlternateContent xmlns:mc="http://schemas.openxmlformats.org/markup-compatibility/2006">
+        <mc:Choice xmlns:p14="http://schemas.microsoft.com/office/powerpoint/2010/main" Requires="p14">
+          <p:contentPart p14:bwMode="auto" r:id="rId7">
+            <p14:nvContentPartPr>
+              <p14:cNvPr id="18" name="잉크 17">
+                <a:extLst>
+                  <a:ext uri="{FF2B5EF4-FFF2-40B4-BE49-F238E27FC236}">
+                    <a16:creationId xmlns:a16="http://schemas.microsoft.com/office/drawing/2014/main" id="{0CF12938-92E6-CF66-309C-370BD7FD67CF}"/>
+                  </a:ext>
+                </a:extLst>
+              </p14:cNvPr>
+              <p14:cNvContentPartPr/>
+              <p14:nvPr/>
+            </p14:nvContentPartPr>
+            <p14:xfrm>
+              <a:off x="9251316" y="223809"/>
+              <a:ext cx="2824586" cy="2133312"/>
+            </p14:xfrm>
+          </p:contentPart>
+        </mc:Choice>
+        <mc:Fallback>
+          <p:pic>
+            <p:nvPicPr>
+              <p:cNvPr id="18" name="잉크 17">
+                <a:extLst>
+                  <a:ext uri="{FF2B5EF4-FFF2-40B4-BE49-F238E27FC236}">
+                    <a16:creationId xmlns:a16="http://schemas.microsoft.com/office/drawing/2014/main" id="{0CF12938-92E6-CF66-309C-370BD7FD67CF}"/>
+                  </a:ext>
+                </a:extLst>
+              </p:cNvPr>
+              <p:cNvPicPr/>
+              <p:nvPr/>
+            </p:nvPicPr>
+            <p:blipFill>
+              <a:blip r:embed="rId8"/>
+              <a:stretch>
+                <a:fillRect/>
+              </a:stretch>
+            </p:blipFill>
+            <p:spPr>
+              <a:xfrm>
+                <a:off x="9233314" y="205809"/>
+                <a:ext cx="2860231" cy="2168951"/>
+              </a:xfrm>
+              <a:prstGeom prst="rect">
+                <a:avLst/>
+              </a:prstGeom>
+            </p:spPr>
+          </p:pic>
+        </mc:Fallback>
+      </mc:AlternateContent>
+      <p:pic>
+        <p:nvPicPr>
+          <p:cNvPr id="20" name="그림 19">
+            <a:extLst>
+              <a:ext uri="{FF2B5EF4-FFF2-40B4-BE49-F238E27FC236}">
+                <a16:creationId xmlns:a16="http://schemas.microsoft.com/office/drawing/2014/main" id="{A8713D70-6842-9AE1-AC5E-A8D2A3BDF046}"/>
+              </a:ext>
+            </a:extLst>
+          </p:cNvPr>
+          <p:cNvPicPr>
+            <a:picLocks noChangeAspect="1"/>
+          </p:cNvPicPr>
+          <p:nvPr/>
+        </p:nvPicPr>
+        <p:blipFill>
+          <a:blip r:embed="rId9"/>
+          <a:stretch>
+            <a:fillRect/>
+          </a:stretch>
+        </p:blipFill>
+        <p:spPr>
+          <a:xfrm>
+            <a:off x="4137490" y="621083"/>
+            <a:ext cx="4336156" cy="1623201"/>
+          </a:xfrm>
+          <a:prstGeom prst="rect">
+            <a:avLst/>
+          </a:prstGeom>
+        </p:spPr>
+      </p:pic>
+      <mc:AlternateContent xmlns:mc="http://schemas.openxmlformats.org/markup-compatibility/2006">
+        <mc:Choice xmlns:p14="http://schemas.microsoft.com/office/powerpoint/2010/main" Requires="p14">
+          <p:contentPart p14:bwMode="auto" r:id="rId10">
+            <p14:nvContentPartPr>
+              <p14:cNvPr id="21" name="잉크 20">
+                <a:extLst>
+                  <a:ext uri="{FF2B5EF4-FFF2-40B4-BE49-F238E27FC236}">
+                    <a16:creationId xmlns:a16="http://schemas.microsoft.com/office/drawing/2014/main" id="{984EACBE-79E5-A6A2-368E-A25FA9E8D178}"/>
+                  </a:ext>
+                </a:extLst>
+              </p14:cNvPr>
+              <p14:cNvContentPartPr/>
+              <p14:nvPr/>
+            </p14:nvContentPartPr>
+            <p14:xfrm>
+              <a:off x="121048" y="1502361"/>
+              <a:ext cx="243000" cy="16920"/>
+            </p14:xfrm>
+          </p:contentPart>
+        </mc:Choice>
+        <mc:Fallback>
+          <p:pic>
+            <p:nvPicPr>
+              <p:cNvPr id="21" name="잉크 20">
+                <a:extLst>
+                  <a:ext uri="{FF2B5EF4-FFF2-40B4-BE49-F238E27FC236}">
+                    <a16:creationId xmlns:a16="http://schemas.microsoft.com/office/drawing/2014/main" id="{984EACBE-79E5-A6A2-368E-A25FA9E8D178}"/>
+                  </a:ext>
+                </a:extLst>
+              </p:cNvPr>
+              <p:cNvPicPr/>
+              <p:nvPr/>
+            </p:nvPicPr>
+            <p:blipFill>
+              <a:blip r:embed="rId11"/>
+              <a:stretch>
+                <a:fillRect/>
+              </a:stretch>
+            </p:blipFill>
+            <p:spPr>
+              <a:xfrm>
+                <a:off x="85408" y="1430361"/>
+                <a:ext cx="314640" cy="160560"/>
+              </a:xfrm>
+              <a:prstGeom prst="rect">
+                <a:avLst/>
+              </a:prstGeom>
+            </p:spPr>
+          </p:pic>
+        </mc:Fallback>
+      </mc:AlternateContent>
+    </p:spTree>
+    <p:extLst>
+      <p:ext uri="{BB962C8B-B14F-4D97-AF65-F5344CB8AC3E}">
+        <p14:creationId xmlns:p14="http://schemas.microsoft.com/office/powerpoint/2010/main" val="399102437"/>
+      </p:ext>
+    </p:extLst>
+  </p:cSld>
+  <p:clrMapOvr>
+    <a:masterClrMapping/>
+  </p:clrMapOvr>
+</p:sld>
+</file>
+
+<file path=ppt/slides/slide13.xml><?xml version="1.0" encoding="utf-8"?>
+<p:sld xmlns:a="http://schemas.openxmlformats.org/drawingml/2006/main" xmlns:r="http://schemas.openxmlformats.org/officeDocument/2006/relationships" xmlns:p="http://schemas.openxmlformats.org/presentationml/2006/main">
+  <p:cSld>
+    <p:spTree>
+      <p:nvGrpSpPr>
+        <p:cNvPr id="1" name=""/>
+        <p:cNvGrpSpPr/>
+        <p:nvPr/>
+      </p:nvGrpSpPr>
+      <p:grpSpPr>
+        <a:xfrm>
+          <a:off x="0" y="0"/>
+          <a:ext cx="0" cy="0"/>
+          <a:chOff x="0" y="0"/>
+          <a:chExt cx="0" cy="0"/>
+        </a:xfrm>
+      </p:grpSpPr>
+      <p:pic>
+        <p:nvPicPr>
+          <p:cNvPr id="2050" name="Picture 2">
+            <a:extLst>
+              <a:ext uri="{FF2B5EF4-FFF2-40B4-BE49-F238E27FC236}">
+                <a16:creationId xmlns:a16="http://schemas.microsoft.com/office/drawing/2014/main" id="{393DB2CB-37F5-681A-05B6-77CB9D1BFFC5}"/>
+              </a:ext>
+            </a:extLst>
+          </p:cNvPr>
+          <p:cNvPicPr>
+            <a:picLocks noChangeAspect="1" noChangeArrowheads="1"/>
+          </p:cNvPicPr>
+          <p:nvPr/>
+        </p:nvPicPr>
+        <p:blipFill>
+          <a:blip r:embed="rId2">
+            <a:extLst>
+              <a:ext uri="{28A0092B-C50C-407E-A947-70E740481C1C}">
+                <a14:useLocalDpi xmlns:a14="http://schemas.microsoft.com/office/drawing/2010/main" val="0"/>
+              </a:ext>
+            </a:extLst>
+          </a:blip>
+          <a:srcRect/>
+          <a:stretch>
+            <a:fillRect/>
+          </a:stretch>
+        </p:blipFill>
+        <p:spPr bwMode="auto">
+          <a:xfrm>
+            <a:off x="696000" y="818156"/>
+            <a:ext cx="10800000" cy="6039844"/>
+          </a:xfrm>
+          <a:prstGeom prst="rect">
+            <a:avLst/>
+          </a:prstGeom>
+          <a:noFill/>
+          <a:extLst>
+            <a:ext uri="{909E8E84-426E-40DD-AFC4-6F175D3DCCD1}">
+              <a14:hiddenFill xmlns:a14="http://schemas.microsoft.com/office/drawing/2010/main">
+                <a:solidFill>
+                  <a:srgbClr val="FFFFFF"/>
+                </a:solidFill>
+              </a14:hiddenFill>
+            </a:ext>
+          </a:extLst>
+        </p:spPr>
+      </p:pic>
+      <p:sp>
+        <p:nvSpPr>
+          <p:cNvPr id="4" name="직사각형 3">
+            <a:extLst>
+              <a:ext uri="{FF2B5EF4-FFF2-40B4-BE49-F238E27FC236}">
+                <a16:creationId xmlns:a16="http://schemas.microsoft.com/office/drawing/2014/main" id="{EF1BA26D-6064-2DC8-4C4E-91CF13379C5B}"/>
+              </a:ext>
+            </a:extLst>
+          </p:cNvPr>
+          <p:cNvSpPr/>
+          <p:nvPr/>
+        </p:nvSpPr>
+        <p:spPr>
+          <a:xfrm>
+            <a:off x="4375016" y="285169"/>
+            <a:ext cx="3441968" cy="923330"/>
+          </a:xfrm>
+          <a:prstGeom prst="rect">
+            <a:avLst/>
+          </a:prstGeom>
+          <a:noFill/>
+        </p:spPr>
+        <p:txBody>
+          <a:bodyPr wrap="none" lIns="91440" tIns="45720" rIns="91440" bIns="45720">
+            <a:spAutoFit/>
+          </a:bodyPr>
+          <a:lstStyle/>
+          <a:p>
+            <a:pPr algn="ctr"/>
+            <a:r>
+              <a:rPr lang="ko-KR" altLang="en-US" sz="5400" b="1" cap="none" spc="0" dirty="0">
+                <a:ln w="9525">
+                  <a:solidFill>
+                    <a:schemeClr val="bg1"/>
+                  </a:solidFill>
+                  <a:prstDash val="solid"/>
+                </a:ln>
+                <a:solidFill>
+                  <a:schemeClr val="tx1"/>
+                </a:solidFill>
+                <a:effectLst>
+                  <a:outerShdw blurRad="12700" dist="38100" dir="2700000" algn="tl" rotWithShape="0">
+                    <a:schemeClr val="bg1">
+                      <a:lumMod val="50000"/>
+                    </a:schemeClr>
+                  </a:outerShdw>
+                </a:effectLst>
+              </a:rPr>
+              <a:t>실제 수치 </a:t>
+            </a:r>
+            <a:endParaRPr lang="en-US" altLang="ko-KR" sz="5400" b="1" cap="none" spc="0" dirty="0">
+              <a:ln w="9525">
+                <a:solidFill>
+                  <a:schemeClr val="bg1"/>
+                </a:solidFill>
+                <a:prstDash val="solid"/>
+              </a:ln>
+              <a:solidFill>
+                <a:schemeClr val="tx1"/>
+              </a:solidFill>
+              <a:effectLst>
+                <a:outerShdw blurRad="12700" dist="38100" dir="2700000" algn="tl" rotWithShape="0">
+                  <a:schemeClr val="bg1">
+                    <a:lumMod val="50000"/>
+                  </a:schemeClr>
+                </a:outerShdw>
+              </a:effectLst>
+            </a:endParaRPr>
+          </a:p>
+        </p:txBody>
+      </p:sp>
+      <p:sp>
+        <p:nvSpPr>
+          <p:cNvPr id="11" name="실행 단추: 끝으로 이동 10">
+            <a:hlinkClick r:id="" action="ppaction://hlinkshowjump?jump=lastslide" highlightClick="1"/>
+            <a:extLst>
+              <a:ext uri="{FF2B5EF4-FFF2-40B4-BE49-F238E27FC236}">
+                <a16:creationId xmlns:a16="http://schemas.microsoft.com/office/drawing/2014/main" id="{88B84FCF-A279-0F81-573A-FBBDCF1809FA}"/>
+              </a:ext>
+            </a:extLst>
+          </p:cNvPr>
+          <p:cNvSpPr/>
+          <p:nvPr/>
+        </p:nvSpPr>
+        <p:spPr>
+          <a:xfrm>
+            <a:off x="10842171" y="447869"/>
+            <a:ext cx="382556" cy="370287"/>
+          </a:xfrm>
+          <a:prstGeom prst="actionButtonEnd">
+            <a:avLst/>
+          </a:prstGeom>
+        </p:spPr>
+        <p:style>
+          <a:lnRef idx="2">
+            <a:schemeClr val="accent1">
+              <a:shade val="50000"/>
+            </a:schemeClr>
+          </a:lnRef>
+          <a:fillRef idx="1">
+            <a:schemeClr val="accent1"/>
+          </a:fillRef>
+          <a:effectRef idx="0">
+            <a:schemeClr val="accent1"/>
+          </a:effectRef>
+          <a:fontRef idx="minor">
+            <a:schemeClr val="lt1"/>
+          </a:fontRef>
+        </p:style>
+        <p:txBody>
+          <a:bodyPr rtlCol="0" anchor="ctr"/>
+          <a:lstStyle/>
+          <a:p>
+            <a:pPr algn="ctr"/>
+            <a:endParaRPr lang="ko-KR" altLang="en-US"/>
+          </a:p>
+        </p:txBody>
+      </p:sp>
+    </p:spTree>
+    <p:extLst>
+      <p:ext uri="{BB962C8B-B14F-4D97-AF65-F5344CB8AC3E}">
+        <p14:creationId xmlns:p14="http://schemas.microsoft.com/office/powerpoint/2010/main" val="3315468992"/>
+      </p:ext>
+    </p:extLst>
+  </p:cSld>
+  <p:clrMapOvr>
+    <a:masterClrMapping/>
+  </p:clrMapOvr>
+</p:sld>
+</file>
+
+<file path=ppt/slides/slide14.xml><?xml version="1.0" encoding="utf-8"?>
+<p:sld xmlns:a="http://schemas.openxmlformats.org/drawingml/2006/main" xmlns:r="http://schemas.openxmlformats.org/officeDocument/2006/relationships" xmlns:p="http://schemas.openxmlformats.org/presentationml/2006/main">
+  <p:cSld>
+    <p:spTree>
+      <p:nvGrpSpPr>
+        <p:cNvPr id="1" name=""/>
+        <p:cNvGrpSpPr/>
+        <p:nvPr/>
+      </p:nvGrpSpPr>
+      <p:grpSpPr>
+        <a:xfrm>
+          <a:off x="0" y="0"/>
+          <a:ext cx="0" cy="0"/>
+          <a:chOff x="0" y="0"/>
+          <a:chExt cx="0" cy="0"/>
+        </a:xfrm>
+      </p:grpSpPr>
+      <p:pic>
+        <p:nvPicPr>
+          <p:cNvPr id="1028" name="Picture 4">
+            <a:extLst>
+              <a:ext uri="{FF2B5EF4-FFF2-40B4-BE49-F238E27FC236}">
+                <a16:creationId xmlns:a16="http://schemas.microsoft.com/office/drawing/2014/main" id="{68E28143-A548-F6D1-32A3-E75D7DC5C34E}"/>
+              </a:ext>
+            </a:extLst>
+          </p:cNvPr>
+          <p:cNvPicPr>
+            <a:picLocks noChangeAspect="1" noChangeArrowheads="1"/>
+          </p:cNvPicPr>
+          <p:nvPr/>
+        </p:nvPicPr>
+        <p:blipFill>
+          <a:blip r:embed="rId2">
+            <a:extLst>
+              <a:ext uri="{28A0092B-C50C-407E-A947-70E740481C1C}">
+                <a14:useLocalDpi xmlns:a14="http://schemas.microsoft.com/office/drawing/2010/main" val="0"/>
+              </a:ext>
+            </a:extLst>
+          </a:blip>
+          <a:srcRect/>
+          <a:stretch>
+            <a:fillRect/>
+          </a:stretch>
+        </p:blipFill>
+        <p:spPr bwMode="auto">
+          <a:xfrm>
+            <a:off x="582807" y="645483"/>
+            <a:ext cx="10800000" cy="6212517"/>
+          </a:xfrm>
+          <a:prstGeom prst="rect">
+            <a:avLst/>
+          </a:prstGeom>
+          <a:noFill/>
+          <a:extLst>
+            <a:ext uri="{909E8E84-426E-40DD-AFC4-6F175D3DCCD1}">
+              <a14:hiddenFill xmlns:a14="http://schemas.microsoft.com/office/drawing/2010/main">
+                <a:solidFill>
+                  <a:srgbClr val="FFFFFF"/>
+                </a:solidFill>
+              </a14:hiddenFill>
+            </a:ext>
+          </a:extLst>
+        </p:spPr>
+      </p:pic>
+      <p:sp>
+        <p:nvSpPr>
+          <p:cNvPr id="4" name="직사각형 3">
+            <a:extLst>
+              <a:ext uri="{FF2B5EF4-FFF2-40B4-BE49-F238E27FC236}">
+                <a16:creationId xmlns:a16="http://schemas.microsoft.com/office/drawing/2014/main" id="{4E67D11D-408A-2C7E-E248-2220351C4E54}"/>
+              </a:ext>
+            </a:extLst>
+          </p:cNvPr>
+          <p:cNvSpPr/>
+          <p:nvPr/>
+        </p:nvSpPr>
+        <p:spPr>
+          <a:xfrm>
+            <a:off x="3569325" y="183818"/>
+            <a:ext cx="4826963" cy="923330"/>
+          </a:xfrm>
+          <a:prstGeom prst="rect">
+            <a:avLst/>
+          </a:prstGeom>
+          <a:noFill/>
+        </p:spPr>
+        <p:txBody>
+          <a:bodyPr wrap="none" lIns="91440" tIns="45720" rIns="91440" bIns="45720">
+            <a:spAutoFit/>
+          </a:bodyPr>
+          <a:lstStyle/>
+          <a:p>
+            <a:pPr algn="ctr"/>
+            <a:r>
+              <a:rPr lang="ko-KR" altLang="en-US" sz="5400" b="1" dirty="0">
+                <a:ln w="9525">
+                  <a:solidFill>
+                    <a:schemeClr val="bg1"/>
+                  </a:solidFill>
+                  <a:prstDash val="solid"/>
+                </a:ln>
+                <a:effectLst>
+                  <a:outerShdw blurRad="12700" dist="38100" dir="2700000" algn="tl" rotWithShape="0">
+                    <a:schemeClr val="bg1">
+                      <a:lumMod val="50000"/>
+                    </a:schemeClr>
+                  </a:outerShdw>
+                </a:effectLst>
+              </a:rPr>
+              <a:t>정규화 된 수치</a:t>
+            </a:r>
+            <a:endParaRPr lang="en-US" altLang="ko-KR" sz="5400" b="1" cap="none" spc="0" dirty="0">
+              <a:ln w="9525">
+                <a:solidFill>
+                  <a:schemeClr val="bg1"/>
+                </a:solidFill>
+                <a:prstDash val="solid"/>
+              </a:ln>
+              <a:solidFill>
+                <a:schemeClr val="tx1"/>
+              </a:solidFill>
+              <a:effectLst>
+                <a:outerShdw blurRad="12700" dist="38100" dir="2700000" algn="tl" rotWithShape="0">
+                  <a:schemeClr val="bg1">
+                    <a:lumMod val="50000"/>
+                  </a:schemeClr>
+                </a:outerShdw>
+              </a:effectLst>
+            </a:endParaRPr>
+          </a:p>
+        </p:txBody>
+      </p:sp>
+    </p:spTree>
+    <p:extLst>
+      <p:ext uri="{BB962C8B-B14F-4D97-AF65-F5344CB8AC3E}">
+        <p14:creationId xmlns:p14="http://schemas.microsoft.com/office/powerpoint/2010/main" val="4293258091"/>
+      </p:ext>
+    </p:extLst>
+  </p:cSld>
+  <p:clrMapOvr>
+    <a:masterClrMapping/>
+  </p:clrMapOvr>
+</p:sld>
+</file>
+
+<file path=ppt/slides/slide15.xml><?xml version="1.0" encoding="utf-8"?>
+<p:sld xmlns:a="http://schemas.openxmlformats.org/drawingml/2006/main" xmlns:r="http://schemas.openxmlformats.org/officeDocument/2006/relationships" xmlns:p="http://schemas.openxmlformats.org/presentationml/2006/main">
+  <p:cSld>
+    <p:bg>
+      <p:bgPr>
+        <a:solidFill>
+          <a:schemeClr val="bg1"/>
+        </a:solidFill>
+        <a:effectLst/>
+      </p:bgPr>
+    </p:bg>
+    <p:spTree>
+      <p:nvGrpSpPr>
+        <p:cNvPr id="1" name=""/>
+        <p:cNvGrpSpPr/>
+        <p:nvPr/>
+      </p:nvGrpSpPr>
+      <p:grpSpPr>
+        <a:xfrm>
+          <a:off x="0" y="0"/>
+          <a:ext cx="0" cy="0"/>
+          <a:chOff x="0" y="0"/>
+          <a:chExt cx="0" cy="0"/>
+        </a:xfrm>
+      </p:grpSpPr>
+      <p:sp useBgFill="1">
+        <p:nvSpPr>
+          <p:cNvPr id="13" name="Rectangle 12">
+            <a:extLst>
+              <a:ext uri="{FF2B5EF4-FFF2-40B4-BE49-F238E27FC236}">
+                <a16:creationId xmlns:a16="http://schemas.microsoft.com/office/drawing/2014/main" id="{BACC6370-2D7E-4714-9D71-7542949D7D5D}"/>
+              </a:ext>
+              <a:ext uri="{C183D7F6-B498-43B3-948B-1728B52AA6E4}">
+                <adec:decorative xmlns:adec="http://schemas.microsoft.com/office/drawing/2017/decorative" val="1"/>
+              </a:ext>
+            </a:extLst>
+          </p:cNvPr>
+          <p:cNvSpPr>
+            <a:spLocks noGrp="1" noRot="1" noChangeAspect="1" noMove="1" noResize="1" noEditPoints="1" noAdjustHandles="1" noChangeArrowheads="1" noChangeShapeType="1" noTextEdit="1"/>
+          </p:cNvSpPr>
+          <p:nvPr>
+            <p:extLst>
+              <p:ext uri="{386F3935-93C4-4BCD-93E2-E3B085C9AB24}">
+                <p16:designElem xmlns:p16="http://schemas.microsoft.com/office/powerpoint/2015/main" val="1"/>
+              </p:ext>
+            </p:extLst>
+          </p:nvPr>
+        </p:nvSpPr>
+        <p:spPr>
+          <a:xfrm>
+            <a:off x="0" y="0"/>
+            <a:ext cx="12192000" cy="6858000"/>
+          </a:xfrm>
+          <a:prstGeom prst="rect">
+            <a:avLst/>
+          </a:prstGeom>
+          <a:ln w="12700" cap="flat" cmpd="sng" algn="ctr">
+            <a:noFill/>
+            <a:prstDash val="solid"/>
+            <a:miter lim="800000"/>
+          </a:ln>
+          <a:effectLst/>
+          <a:extLst>
+            <a:ext uri="{91240B29-F687-4F45-9708-019B960494DF}">
+              <a14:hiddenLine xmlns:a14="http://schemas.microsoft.com/office/drawing/2010/main" w="12700" cap="flat" cmpd="sng" algn="ctr">
+                <a:solidFill>
+                  <a:schemeClr val="accent1">
+                    <a:shade val="50000"/>
+                  </a:schemeClr>
+                </a:solidFill>
+                <a:prstDash val="solid"/>
+                <a:miter lim="800000"/>
+              </a14:hiddenLine>
+            </a:ext>
+          </a:extLst>
+        </p:spPr>
+        <p:style>
+          <a:lnRef idx="2">
+            <a:schemeClr val="accent1">
+              <a:shade val="50000"/>
+            </a:schemeClr>
+          </a:lnRef>
+          <a:fillRef idx="1">
+            <a:schemeClr val="accent1"/>
+          </a:fillRef>
+          <a:effectRef idx="0">
+            <a:schemeClr val="accent1"/>
+          </a:effectRef>
+          <a:fontRef idx="minor">
+            <a:schemeClr val="lt1"/>
+          </a:fontRef>
+        </p:style>
+        <p:txBody>
+          <a:bodyPr rtlCol="0" anchor="ctr"/>
+          <a:lstStyle/>
+          <a:p>
+            <a:pPr algn="ctr"/>
+            <a:endParaRPr lang="en-US"/>
+          </a:p>
+        </p:txBody>
+      </p:sp>
+      <p:sp>
+        <p:nvSpPr>
+          <p:cNvPr id="15" name="Rectangle 14">
+            <a:extLst>
+              <a:ext uri="{FF2B5EF4-FFF2-40B4-BE49-F238E27FC236}">
+                <a16:creationId xmlns:a16="http://schemas.microsoft.com/office/drawing/2014/main" id="{F68B3F68-107C-434F-AA38-110D5EA91B85}"/>
+              </a:ext>
+              <a:ext uri="{C183D7F6-B498-43B3-948B-1728B52AA6E4}">
+                <adec:decorative xmlns:adec="http://schemas.microsoft.com/office/drawing/2017/decorative" val="1"/>
+              </a:ext>
+            </a:extLst>
+          </p:cNvPr>
+          <p:cNvSpPr>
+            <a:spLocks noGrp="1" noRot="1" noChangeAspect="1" noMove="1" noResize="1" noEditPoints="1" noAdjustHandles="1" noChangeArrowheads="1" noChangeShapeType="1" noTextEdit="1"/>
+          </p:cNvSpPr>
+          <p:nvPr>
+            <p:extLst>
+              <p:ext uri="{386F3935-93C4-4BCD-93E2-E3B085C9AB24}">
+                <p16:designElem xmlns:p16="http://schemas.microsoft.com/office/powerpoint/2015/main" val="1"/>
+              </p:ext>
+            </p:extLst>
+          </p:nvPr>
+        </p:nvSpPr>
+        <p:spPr>
+          <a:xfrm flipH="1">
+            <a:off x="2" y="0"/>
+            <a:ext cx="12191998" cy="1575955"/>
+          </a:xfrm>
+          <a:prstGeom prst="rect">
+            <a:avLst/>
+          </a:prstGeom>
+          <a:gradFill>
+            <a:gsLst>
+              <a:gs pos="0">
+                <a:srgbClr val="000000">
+                  <a:alpha val="96000"/>
+                </a:srgbClr>
+              </a:gs>
+              <a:gs pos="100000">
+                <a:schemeClr val="accent1">
+                  <a:lumMod val="75000"/>
+                </a:schemeClr>
+              </a:gs>
+            </a:gsLst>
+            <a:lin ang="8400000" scaled="0"/>
+          </a:gradFill>
+          <a:ln>
+            <a:noFill/>
+          </a:ln>
+        </p:spPr>
+        <p:style>
+          <a:lnRef idx="2">
+            <a:schemeClr val="accent1">
+              <a:shade val="50000"/>
+            </a:schemeClr>
+          </a:lnRef>
+          <a:fillRef idx="1">
+            <a:schemeClr val="accent1"/>
+          </a:fillRef>
+          <a:effectRef idx="0">
+            <a:schemeClr val="accent1"/>
+          </a:effectRef>
+          <a:fontRef idx="minor">
+            <a:schemeClr val="lt1"/>
+          </a:fontRef>
+        </p:style>
+        <p:txBody>
+          <a:bodyPr rtlCol="0" anchor="ctr"/>
+          <a:lstStyle/>
+          <a:p>
+            <a:pPr algn="ctr"/>
+            <a:endParaRPr lang="en-US"/>
+          </a:p>
+        </p:txBody>
+      </p:sp>
+      <p:sp>
+        <p:nvSpPr>
+          <p:cNvPr id="17" name="Rectangle 16">
+            <a:extLst>
+              <a:ext uri="{FF2B5EF4-FFF2-40B4-BE49-F238E27FC236}">
+                <a16:creationId xmlns:a16="http://schemas.microsoft.com/office/drawing/2014/main" id="{AAD0DBB9-1A4B-4391-81D4-CB19F9AB918A}"/>
+              </a:ext>
+              <a:ext uri="{C183D7F6-B498-43B3-948B-1728B52AA6E4}">
+                <adec:decorative xmlns:adec="http://schemas.microsoft.com/office/drawing/2017/decorative" val="1"/>
+              </a:ext>
+            </a:extLst>
+          </p:cNvPr>
+          <p:cNvSpPr>
+            <a:spLocks noGrp="1" noRot="1" noChangeAspect="1" noMove="1" noResize="1" noEditPoints="1" noAdjustHandles="1" noChangeArrowheads="1" noChangeShapeType="1" noTextEdit="1"/>
+          </p:cNvSpPr>
+          <p:nvPr>
+            <p:extLst>
+              <p:ext uri="{386F3935-93C4-4BCD-93E2-E3B085C9AB24}">
+                <p16:designElem xmlns:p16="http://schemas.microsoft.com/office/powerpoint/2015/main" val="1"/>
+              </p:ext>
+            </p:extLst>
+          </p:nvPr>
+        </p:nvSpPr>
+        <p:spPr>
+          <a:xfrm rot="10800000" flipH="1">
+            <a:off x="8128857" y="0"/>
+            <a:ext cx="4063143" cy="1576412"/>
+          </a:xfrm>
+          <a:prstGeom prst="rect">
+            <a:avLst/>
+          </a:prstGeom>
+          <a:gradFill>
+            <a:gsLst>
+              <a:gs pos="19000">
+                <a:schemeClr val="accent1">
+                  <a:lumMod val="50000"/>
+                  <a:alpha val="68000"/>
+                </a:schemeClr>
+              </a:gs>
+              <a:gs pos="100000">
+                <a:schemeClr val="accent1">
+                  <a:alpha val="79000"/>
+                </a:schemeClr>
+              </a:gs>
+            </a:gsLst>
+            <a:lin ang="19200000" scaled="0"/>
+          </a:gradFill>
+          <a:ln>
+            <a:noFill/>
+          </a:ln>
+        </p:spPr>
+        <p:style>
+          <a:lnRef idx="2">
+            <a:schemeClr val="accent1">
+              <a:shade val="50000"/>
+            </a:schemeClr>
+          </a:lnRef>
+          <a:fillRef idx="1">
+            <a:schemeClr val="accent1"/>
+          </a:fillRef>
+          <a:effectRef idx="0">
+            <a:schemeClr val="accent1"/>
+          </a:effectRef>
+          <a:fontRef idx="minor">
+            <a:schemeClr val="lt1"/>
+          </a:fontRef>
+        </p:style>
+        <p:txBody>
+          <a:bodyPr rtlCol="0" anchor="ctr"/>
+          <a:lstStyle/>
+          <a:p>
+            <a:pPr algn="ctr"/>
+            <a:endParaRPr lang="en-US"/>
+          </a:p>
+        </p:txBody>
+      </p:sp>
+      <p:sp>
+        <p:nvSpPr>
+          <p:cNvPr id="19" name="Rectangle 18">
+            <a:extLst>
+              <a:ext uri="{FF2B5EF4-FFF2-40B4-BE49-F238E27FC236}">
+                <a16:creationId xmlns:a16="http://schemas.microsoft.com/office/drawing/2014/main" id="{063BBA22-50EA-4C4D-BE05-F1CE4E63AA56}"/>
+              </a:ext>
+              <a:ext uri="{C183D7F6-B498-43B3-948B-1728B52AA6E4}">
+                <adec:decorative xmlns:adec="http://schemas.microsoft.com/office/drawing/2017/decorative" val="1"/>
+              </a:ext>
+            </a:extLst>
+          </p:cNvPr>
+          <p:cNvSpPr>
+            <a:spLocks noGrp="1" noRot="1" noChangeAspect="1" noMove="1" noResize="1" noEditPoints="1" noAdjustHandles="1" noChangeArrowheads="1" noChangeShapeType="1" noTextEdit="1"/>
+          </p:cNvSpPr>
+          <p:nvPr>
+            <p:extLst>
+              <p:ext uri="{386F3935-93C4-4BCD-93E2-E3B085C9AB24}">
+                <p16:designElem xmlns:p16="http://schemas.microsoft.com/office/powerpoint/2015/main" val="1"/>
+              </p:ext>
+            </p:extLst>
+          </p:nvPr>
+        </p:nvSpPr>
+        <p:spPr>
+          <a:xfrm rot="5400000">
+            <a:off x="5307777" y="-5307778"/>
+            <a:ext cx="1576446" cy="12192002"/>
+          </a:xfrm>
+          <a:prstGeom prst="rect">
+            <a:avLst/>
+          </a:prstGeom>
+          <a:gradFill>
+            <a:gsLst>
+              <a:gs pos="23000">
+                <a:schemeClr val="accent1">
+                  <a:alpha val="0"/>
+                </a:schemeClr>
+              </a:gs>
+              <a:gs pos="99000">
+                <a:srgbClr val="000000">
+                  <a:alpha val="74000"/>
+                </a:srgbClr>
+              </a:gs>
+            </a:gsLst>
+            <a:lin ang="20400000" scaled="0"/>
+          </a:gradFill>
+          <a:ln>
+            <a:noFill/>
+          </a:ln>
+        </p:spPr>
+        <p:style>
+          <a:lnRef idx="2">
+            <a:schemeClr val="accent1">
+              <a:shade val="50000"/>
+            </a:schemeClr>
+          </a:lnRef>
+          <a:fillRef idx="1">
+            <a:schemeClr val="accent1"/>
+          </a:fillRef>
+          <a:effectRef idx="0">
+            <a:schemeClr val="accent1"/>
+          </a:effectRef>
+          <a:fontRef idx="minor">
+            <a:schemeClr val="lt1"/>
+          </a:fontRef>
+        </p:style>
+        <p:txBody>
+          <a:bodyPr rtlCol="0" anchor="ctr"/>
+          <a:lstStyle/>
+          <a:p>
+            <a:pPr algn="ctr"/>
+            <a:endParaRPr lang="en-US" dirty="0"/>
+          </a:p>
+        </p:txBody>
+      </p:sp>
+      <p:sp>
+        <p:nvSpPr>
+          <p:cNvPr id="7" name="TextBox 6">
+            <a:extLst>
+              <a:ext uri="{FF2B5EF4-FFF2-40B4-BE49-F238E27FC236}">
+                <a16:creationId xmlns:a16="http://schemas.microsoft.com/office/drawing/2014/main" id="{850BD45A-EC9E-C730-1645-4E446A6FAF52}"/>
+              </a:ext>
+            </a:extLst>
+          </p:cNvPr>
+          <p:cNvSpPr txBox="1"/>
+          <p:nvPr/>
+        </p:nvSpPr>
+        <p:spPr>
+          <a:xfrm>
+            <a:off x="390522" y="316512"/>
+            <a:ext cx="10044023" cy="877729"/>
+          </a:xfrm>
+          <a:prstGeom prst="rect">
+            <a:avLst/>
+          </a:prstGeom>
+        </p:spPr>
+        <p:txBody>
+          <a:bodyPr vert="horz" lIns="91440" tIns="45720" rIns="91440" bIns="45720" rtlCol="0" anchor="ctr">
+            <a:normAutofit/>
+          </a:bodyPr>
+          <a:lstStyle/>
+          <a:p>
+            <a:pPr latinLnBrk="0">
+              <a:lnSpc>
+                <a:spcPct val="90000"/>
+              </a:lnSpc>
+              <a:spcBef>
+                <a:spcPct val="0"/>
+              </a:spcBef>
+              <a:spcAft>
+                <a:spcPts val="600"/>
+              </a:spcAft>
+            </a:pPr>
+            <a:r>
+              <a:rPr lang="ko-KR" altLang="en-US" sz="4000" dirty="0">
+                <a:solidFill>
+                  <a:srgbClr val="FFFFFF"/>
+                </a:solidFill>
+                <a:latin typeface="+mj-lt"/>
+                <a:ea typeface="+mj-ea"/>
+                <a:cs typeface="+mj-cs"/>
+              </a:rPr>
+              <a:t>결론</a:t>
+            </a:r>
+            <a:endParaRPr lang="ko-KR" altLang="en-US" sz="4000" kern="1200" dirty="0">
+              <a:solidFill>
+                <a:srgbClr val="FFFFFF"/>
+              </a:solidFill>
+              <a:latin typeface="+mj-lt"/>
+              <a:ea typeface="+mj-ea"/>
+              <a:cs typeface="+mj-cs"/>
+            </a:endParaRPr>
+          </a:p>
+        </p:txBody>
+      </p:sp>
+      <mc:AlternateContent xmlns:mc="http://schemas.openxmlformats.org/markup-compatibility/2006">
+        <mc:Choice xmlns:p14="http://schemas.microsoft.com/office/powerpoint/2010/main" Requires="p14">
+          <p:contentPart p14:bwMode="auto" r:id="rId2">
+            <p14:nvContentPartPr>
+              <p14:cNvPr id="10" name="잉크 9">
+                <a:extLst>
+                  <a:ext uri="{FF2B5EF4-FFF2-40B4-BE49-F238E27FC236}">
+                    <a16:creationId xmlns:a16="http://schemas.microsoft.com/office/drawing/2014/main" id="{E8E04C21-B957-CA0A-C712-795599A321F0}"/>
+                  </a:ext>
+                </a:extLst>
+              </p14:cNvPr>
+              <p14:cNvContentPartPr/>
+              <p14:nvPr/>
+            </p14:nvContentPartPr>
+            <p14:xfrm>
+              <a:off x="-133112" y="4500441"/>
+              <a:ext cx="360" cy="360"/>
+            </p14:xfrm>
+          </p:contentPart>
+        </mc:Choice>
+        <mc:Fallback>
+          <p:pic>
+            <p:nvPicPr>
+              <p:cNvPr id="10" name="잉크 9">
+                <a:extLst>
+                  <a:ext uri="{FF2B5EF4-FFF2-40B4-BE49-F238E27FC236}">
+                    <a16:creationId xmlns:a16="http://schemas.microsoft.com/office/drawing/2014/main" id="{E8E04C21-B957-CA0A-C712-795599A321F0}"/>
+                  </a:ext>
+                </a:extLst>
+              </p:cNvPr>
+              <p:cNvPicPr/>
+              <p:nvPr/>
+            </p:nvPicPr>
+            <p:blipFill>
+              <a:blip r:embed="rId3"/>
+              <a:stretch>
+                <a:fillRect/>
+              </a:stretch>
+            </p:blipFill>
+            <p:spPr>
+              <a:xfrm>
+                <a:off x="-187112" y="4392441"/>
+                <a:ext cx="108000" cy="216000"/>
+              </a:xfrm>
+              <a:prstGeom prst="rect">
+                <a:avLst/>
+              </a:prstGeom>
+            </p:spPr>
+          </p:pic>
+        </mc:Fallback>
+      </mc:AlternateContent>
+      <p:sp>
+        <p:nvSpPr>
+          <p:cNvPr id="3" name="TextBox 2">
+            <a:extLst>
+              <a:ext uri="{FF2B5EF4-FFF2-40B4-BE49-F238E27FC236}">
+                <a16:creationId xmlns:a16="http://schemas.microsoft.com/office/drawing/2014/main" id="{17420ECB-8CA9-4FDB-7B19-639114B74AC4}"/>
+              </a:ext>
+            </a:extLst>
+          </p:cNvPr>
+          <p:cNvSpPr txBox="1"/>
+          <p:nvPr/>
+        </p:nvSpPr>
+        <p:spPr>
+          <a:xfrm>
+            <a:off x="317241" y="1996751"/>
+            <a:ext cx="8882743" cy="1200329"/>
+          </a:xfrm>
+          <a:prstGeom prst="rect">
+            <a:avLst/>
+          </a:prstGeom>
+          <a:noFill/>
+        </p:spPr>
+        <p:txBody>
+          <a:bodyPr wrap="square" rtlCol="0">
+            <a:spAutoFit/>
+          </a:bodyPr>
+          <a:lstStyle/>
+          <a:p>
+            <a:pPr marL="342900" indent="-342900">
+              <a:buFont typeface="+mj-lt"/>
+              <a:buAutoNum type="arabicPeriod"/>
+            </a:pPr>
+            <a:r>
+              <a:rPr lang="ko-KR" altLang="en-US" dirty="0"/>
+              <a:t>검사를 </a:t>
+            </a:r>
+            <a:r>
+              <a:rPr lang="ko-KR" altLang="en-US" dirty="0" err="1"/>
+              <a:t>많이할수록</a:t>
+            </a:r>
+            <a:r>
+              <a:rPr lang="ko-KR" altLang="en-US" dirty="0"/>
+              <a:t> </a:t>
+            </a:r>
+            <a:r>
+              <a:rPr lang="ko-KR" altLang="en-US" dirty="0" err="1"/>
+              <a:t>사망률이낮아진다</a:t>
+            </a:r>
+            <a:endParaRPr lang="en-US" altLang="ko-KR" dirty="0"/>
+          </a:p>
+          <a:p>
+            <a:r>
+              <a:rPr lang="ko-KR" altLang="en-US" dirty="0"/>
+              <a:t>검사를 </a:t>
+            </a:r>
+            <a:r>
+              <a:rPr lang="ko-KR" altLang="en-US" dirty="0" err="1"/>
+              <a:t>많이하는나라는</a:t>
+            </a:r>
+            <a:r>
+              <a:rPr lang="ko-KR" altLang="en-US" dirty="0"/>
+              <a:t> 대체로 </a:t>
+            </a:r>
+            <a:r>
+              <a:rPr lang="ko-KR" altLang="en-US" dirty="0" err="1"/>
+              <a:t>선진국가이고</a:t>
+            </a:r>
+            <a:r>
+              <a:rPr lang="ko-KR" altLang="en-US" dirty="0"/>
+              <a:t> 의료시스템이 </a:t>
+            </a:r>
+            <a:r>
+              <a:rPr lang="ko-KR" altLang="en-US" dirty="0" err="1"/>
+              <a:t>잘되있기</a:t>
+            </a:r>
+            <a:r>
+              <a:rPr lang="ko-KR" altLang="en-US" dirty="0"/>
+              <a:t> </a:t>
+            </a:r>
+            <a:r>
+              <a:rPr lang="ko-KR" altLang="en-US" dirty="0" err="1"/>
+              <a:t>떄문인거같다</a:t>
+            </a:r>
+            <a:r>
+              <a:rPr lang="en-US" altLang="ko-KR" dirty="0"/>
+              <a:t>.</a:t>
+            </a:r>
+          </a:p>
+          <a:p>
+            <a:endParaRPr lang="en-US" altLang="ko-KR" dirty="0"/>
+          </a:p>
+          <a:p>
+            <a:r>
+              <a:rPr lang="en-US" altLang="ko-KR" dirty="0"/>
+              <a:t>2.  </a:t>
+            </a:r>
+            <a:r>
+              <a:rPr lang="ko-KR" altLang="en-US" dirty="0" err="1"/>
+              <a:t>ㅇㅈ</a:t>
+            </a:r>
+            <a:endParaRPr lang="ko-KR" altLang="en-US" dirty="0"/>
+          </a:p>
+        </p:txBody>
+      </p:sp>
+    </p:spTree>
+    <p:extLst>
+      <p:ext uri="{BB962C8B-B14F-4D97-AF65-F5344CB8AC3E}">
+        <p14:creationId xmlns:p14="http://schemas.microsoft.com/office/powerpoint/2010/main" val="689749517"/>
+      </p:ext>
+    </p:extLst>
+  </p:cSld>
+  <p:clrMapOvr>
+    <a:masterClrMapping/>
+  </p:clrMapOvr>
+</p:sld>
+</file>
+
+<file path=ppt/slides/slide16.xml><?xml version="1.0" encoding="utf-8"?>
+<p:sld xmlns:a="http://schemas.openxmlformats.org/drawingml/2006/main" xmlns:r="http://schemas.openxmlformats.org/officeDocument/2006/relationships" xmlns:p="http://schemas.openxmlformats.org/presentationml/2006/main">
+  <p:cSld>
+    <p:spTree>
+      <p:nvGrpSpPr>
+        <p:cNvPr id="1" name=""/>
+        <p:cNvGrpSpPr/>
+        <p:nvPr/>
+      </p:nvGrpSpPr>
+      <p:grpSpPr>
+        <a:xfrm>
+          <a:off x="0" y="0"/>
+          <a:ext cx="0" cy="0"/>
+          <a:chOff x="0" y="0"/>
+          <a:chExt cx="0" cy="0"/>
+        </a:xfrm>
+      </p:grpSpPr>
+      <p:sp>
+        <p:nvSpPr>
+          <p:cNvPr id="2" name="제목 1">
+            <a:extLst>
+              <a:ext uri="{FF2B5EF4-FFF2-40B4-BE49-F238E27FC236}">
+                <a16:creationId xmlns:a16="http://schemas.microsoft.com/office/drawing/2014/main" id="{B5935D6E-F4B0-AFC3-19B5-EC083CF01E5E}"/>
+              </a:ext>
+            </a:extLst>
+          </p:cNvPr>
+          <p:cNvSpPr>
+            <a:spLocks noGrp="1"/>
+          </p:cNvSpPr>
+          <p:nvPr>
+            <p:ph type="title"/>
+          </p:nvPr>
+        </p:nvSpPr>
+        <p:spPr/>
+        <p:txBody>
+          <a:bodyPr/>
+          <a:lstStyle/>
+          <a:p>
+            <a:endParaRPr lang="ko-KR" altLang="en-US"/>
+          </a:p>
+        </p:txBody>
+      </p:sp>
+      <p:sp>
+        <p:nvSpPr>
+          <p:cNvPr id="3" name="내용 개체 틀 2">
+            <a:extLst>
+              <a:ext uri="{FF2B5EF4-FFF2-40B4-BE49-F238E27FC236}">
+                <a16:creationId xmlns:a16="http://schemas.microsoft.com/office/drawing/2014/main" id="{738C6E78-A9DD-1870-C8A1-1C1FB003F139}"/>
+              </a:ext>
+            </a:extLst>
+          </p:cNvPr>
+          <p:cNvSpPr>
+            <a:spLocks noGrp="1"/>
+          </p:cNvSpPr>
+          <p:nvPr>
+            <p:ph idx="1"/>
+          </p:nvPr>
+        </p:nvSpPr>
+        <p:spPr/>
+        <p:txBody>
+          <a:bodyPr/>
+          <a:lstStyle/>
+          <a:p>
+            <a:endParaRPr lang="ko-KR" altLang="en-US"/>
+          </a:p>
+        </p:txBody>
+      </p:sp>
+    </p:spTree>
+    <p:extLst>
+      <p:ext uri="{BB962C8B-B14F-4D97-AF65-F5344CB8AC3E}">
+        <p14:creationId xmlns:p14="http://schemas.microsoft.com/office/powerpoint/2010/main" val="127023617"/>
+      </p:ext>
+    </p:extLst>
+  </p:cSld>
+  <p:clrMapOvr>
+    <a:masterClrMapping/>
+  </p:clrMapOvr>
+</p:sld>
+</file>
+
+<file path=ppt/slides/slide17.xml><?xml version="1.0" encoding="utf-8"?>
+<p:sld xmlns:a="http://schemas.openxmlformats.org/drawingml/2006/main" xmlns:r="http://schemas.openxmlformats.org/officeDocument/2006/relationships" xmlns:p="http://schemas.openxmlformats.org/presentationml/2006/main">
+  <p:cSld>
+    <p:spTree>
+      <p:nvGrpSpPr>
+        <p:cNvPr id="1" name=""/>
+        <p:cNvGrpSpPr/>
+        <p:nvPr/>
+      </p:nvGrpSpPr>
+      <p:grpSpPr>
+        <a:xfrm>
+          <a:off x="0" y="0"/>
+          <a:ext cx="0" cy="0"/>
+          <a:chOff x="0" y="0"/>
+          <a:chExt cx="0" cy="0"/>
+        </a:xfrm>
+      </p:grpSpPr>
+      <p:sp>
+        <p:nvSpPr>
           <p:cNvPr id="2" name="제목 1">
             <a:extLst>
               <a:ext uri="{FF2B5EF4-FFF2-40B4-BE49-F238E27FC236}">
@@ -8189,6 +10739,190 @@
     <p:extLst>
       <p:ext uri="{BB962C8B-B14F-4D97-AF65-F5344CB8AC3E}">
         <p14:creationId xmlns:p14="http://schemas.microsoft.com/office/powerpoint/2010/main" val="47733392"/>
+      </p:ext>
+    </p:extLst>
+  </p:cSld>
+  <p:clrMapOvr>
+    <a:masterClrMapping/>
+  </p:clrMapOvr>
+</p:sld>
+</file>
+
+<file path=ppt/slides/slide18.xml><?xml version="1.0" encoding="utf-8"?>
+<p:sld xmlns:a="http://schemas.openxmlformats.org/drawingml/2006/main" xmlns:r="http://schemas.openxmlformats.org/officeDocument/2006/relationships" xmlns:p="http://schemas.openxmlformats.org/presentationml/2006/main">
+  <p:cSld>
+    <p:spTree>
+      <p:nvGrpSpPr>
+        <p:cNvPr id="1" name=""/>
+        <p:cNvGrpSpPr/>
+        <p:nvPr/>
+      </p:nvGrpSpPr>
+      <p:grpSpPr>
+        <a:xfrm>
+          <a:off x="0" y="0"/>
+          <a:ext cx="0" cy="0"/>
+          <a:chOff x="0" y="0"/>
+          <a:chExt cx="0" cy="0"/>
+        </a:xfrm>
+      </p:grpSpPr>
+      <p:sp>
+        <p:nvSpPr>
+          <p:cNvPr id="4" name="실행 단추: 뒤로 또는 앞으로 이동 3">
+            <a:hlinkClick r:id="" action="ppaction://hlinkshowjump?jump=lastslideviewed" highlightClick="1"/>
+            <a:extLst>
+              <a:ext uri="{FF2B5EF4-FFF2-40B4-BE49-F238E27FC236}">
+                <a16:creationId xmlns:a16="http://schemas.microsoft.com/office/drawing/2014/main" id="{3A6FE045-9BDC-C86E-BE39-E1081BD5B834}"/>
+              </a:ext>
+            </a:extLst>
+          </p:cNvPr>
+          <p:cNvSpPr/>
+          <p:nvPr/>
+        </p:nvSpPr>
+        <p:spPr>
+          <a:xfrm>
+            <a:off x="11557518" y="6214188"/>
+            <a:ext cx="634482" cy="643812"/>
+          </a:xfrm>
+          <a:prstGeom prst="actionButtonBackPrevious">
+            <a:avLst/>
+          </a:prstGeom>
+        </p:spPr>
+        <p:style>
+          <a:lnRef idx="2">
+            <a:schemeClr val="accent1">
+              <a:shade val="50000"/>
+            </a:schemeClr>
+          </a:lnRef>
+          <a:fillRef idx="1">
+            <a:schemeClr val="accent1"/>
+          </a:fillRef>
+          <a:effectRef idx="0">
+            <a:schemeClr val="accent1"/>
+          </a:effectRef>
+          <a:fontRef idx="minor">
+            <a:schemeClr val="lt1"/>
+          </a:fontRef>
+        </p:style>
+        <p:txBody>
+          <a:bodyPr rtlCol="0" anchor="ctr"/>
+          <a:lstStyle/>
+          <a:p>
+            <a:pPr algn="ctr"/>
+            <a:endParaRPr lang="ko-KR" altLang="en-US"/>
+          </a:p>
+        </p:txBody>
+      </p:sp>
+    </p:spTree>
+    <p:extLst>
+      <p:ext uri="{BB962C8B-B14F-4D97-AF65-F5344CB8AC3E}">
+        <p14:creationId xmlns:p14="http://schemas.microsoft.com/office/powerpoint/2010/main" val="1125603181"/>
+      </p:ext>
+    </p:extLst>
+  </p:cSld>
+  <p:clrMapOvr>
+    <a:masterClrMapping/>
+  </p:clrMapOvr>
+</p:sld>
+</file>
+
+<file path=ppt/slides/slide19.xml><?xml version="1.0" encoding="utf-8"?>
+<p:sld xmlns:a="http://schemas.openxmlformats.org/drawingml/2006/main" xmlns:r="http://schemas.openxmlformats.org/officeDocument/2006/relationships" xmlns:p="http://schemas.openxmlformats.org/presentationml/2006/main">
+  <p:cSld>
+    <p:spTree>
+      <p:nvGrpSpPr>
+        <p:cNvPr id="1" name=""/>
+        <p:cNvGrpSpPr/>
+        <p:nvPr/>
+      </p:nvGrpSpPr>
+      <p:grpSpPr>
+        <a:xfrm>
+          <a:off x="0" y="0"/>
+          <a:ext cx="0" cy="0"/>
+          <a:chOff x="0" y="0"/>
+          <a:chExt cx="0" cy="0"/>
+        </a:xfrm>
+      </p:grpSpPr>
+      <p:sp>
+        <p:nvSpPr>
+          <p:cNvPr id="6" name="실행 단추: 뒤로 또는 앞으로 이동 5">
+            <a:hlinkClick r:id="" action="ppaction://hlinkshowjump?jump=lastslideviewed" highlightClick="1"/>
+            <a:extLst>
+              <a:ext uri="{FF2B5EF4-FFF2-40B4-BE49-F238E27FC236}">
+                <a16:creationId xmlns:a16="http://schemas.microsoft.com/office/drawing/2014/main" id="{59BDBBC8-D386-D908-ED1D-792A6C85E29D}"/>
+              </a:ext>
+            </a:extLst>
+          </p:cNvPr>
+          <p:cNvSpPr/>
+          <p:nvPr/>
+        </p:nvSpPr>
+        <p:spPr>
+          <a:xfrm>
+            <a:off x="11557518" y="6214188"/>
+            <a:ext cx="634482" cy="643812"/>
+          </a:xfrm>
+          <a:prstGeom prst="actionButtonBackPrevious">
+            <a:avLst/>
+          </a:prstGeom>
+        </p:spPr>
+        <p:style>
+          <a:lnRef idx="2">
+            <a:schemeClr val="accent1">
+              <a:shade val="50000"/>
+            </a:schemeClr>
+          </a:lnRef>
+          <a:fillRef idx="1">
+            <a:schemeClr val="accent1"/>
+          </a:fillRef>
+          <a:effectRef idx="0">
+            <a:schemeClr val="accent1"/>
+          </a:effectRef>
+          <a:fontRef idx="minor">
+            <a:schemeClr val="lt1"/>
+          </a:fontRef>
+        </p:style>
+        <p:txBody>
+          <a:bodyPr rtlCol="0" anchor="ctr"/>
+          <a:lstStyle/>
+          <a:p>
+            <a:pPr algn="ctr"/>
+            <a:endParaRPr lang="ko-KR" altLang="en-US"/>
+          </a:p>
+        </p:txBody>
+      </p:sp>
+      <p:pic>
+        <p:nvPicPr>
+          <p:cNvPr id="8" name="그림 7">
+            <a:extLst>
+              <a:ext uri="{FF2B5EF4-FFF2-40B4-BE49-F238E27FC236}">
+                <a16:creationId xmlns:a16="http://schemas.microsoft.com/office/drawing/2014/main" id="{233C7132-A2C6-7BF6-8BDE-7D87E7FCC889}"/>
+              </a:ext>
+            </a:extLst>
+          </p:cNvPr>
+          <p:cNvPicPr>
+            <a:picLocks noChangeAspect="1"/>
+          </p:cNvPicPr>
+          <p:nvPr/>
+        </p:nvPicPr>
+        <p:blipFill>
+          <a:blip r:embed="rId2"/>
+          <a:stretch>
+            <a:fillRect/>
+          </a:stretch>
+        </p:blipFill>
+        <p:spPr>
+          <a:xfrm>
+            <a:off x="847853" y="973368"/>
+            <a:ext cx="10365666" cy="4401065"/>
+          </a:xfrm>
+          <a:prstGeom prst="rect">
+            <a:avLst/>
+          </a:prstGeom>
+        </p:spPr>
+      </p:pic>
+    </p:spTree>
+    <p:extLst>
+      <p:ext uri="{BB962C8B-B14F-4D97-AF65-F5344CB8AC3E}">
+        <p14:creationId xmlns:p14="http://schemas.microsoft.com/office/powerpoint/2010/main" val="2494210523"/>
       </p:ext>
     </p:extLst>
   </p:cSld>
@@ -10318,36 +13052,6 @@
           </a:p>
         </p:txBody>
       </p:sp>
-      <p:pic>
-        <p:nvPicPr>
-          <p:cNvPr id="9" name="그림 8">
-            <a:extLst>
-              <a:ext uri="{FF2B5EF4-FFF2-40B4-BE49-F238E27FC236}">
-                <a16:creationId xmlns:a16="http://schemas.microsoft.com/office/drawing/2014/main" id="{89243C18-7154-8A35-C94D-5BB514206C74}"/>
-              </a:ext>
-            </a:extLst>
-          </p:cNvPr>
-          <p:cNvPicPr>
-            <a:picLocks noChangeAspect="1"/>
-          </p:cNvPicPr>
-          <p:nvPr/>
-        </p:nvPicPr>
-        <p:blipFill>
-          <a:blip r:embed="rId4"/>
-          <a:stretch>
-            <a:fillRect/>
-          </a:stretch>
-        </p:blipFill>
-        <p:spPr>
-          <a:xfrm>
-            <a:off x="27251" y="2586975"/>
-            <a:ext cx="10493649" cy="2583404"/>
-          </a:xfrm>
-          <a:prstGeom prst="rect">
-            <a:avLst/>
-          </a:prstGeom>
-        </p:spPr>
-      </p:pic>
       <p:sp>
         <p:nvSpPr>
           <p:cNvPr id="10" name="화살표: 아래쪽 9">
@@ -10409,7 +13113,7 @@
           <p:nvPr/>
         </p:nvPicPr>
         <p:blipFill>
-          <a:blip r:embed="rId5"/>
+          <a:blip r:embed="rId4"/>
           <a:stretch>
             <a:fillRect/>
           </a:stretch>
@@ -10418,6 +13122,36 @@
           <a:xfrm>
             <a:off x="10153478" y="2742329"/>
             <a:ext cx="2122498" cy="2428050"/>
+          </a:xfrm>
+          <a:prstGeom prst="rect">
+            <a:avLst/>
+          </a:prstGeom>
+        </p:spPr>
+      </p:pic>
+      <p:pic>
+        <p:nvPicPr>
+          <p:cNvPr id="5" name="그림 4">
+            <a:extLst>
+              <a:ext uri="{FF2B5EF4-FFF2-40B4-BE49-F238E27FC236}">
+                <a16:creationId xmlns:a16="http://schemas.microsoft.com/office/drawing/2014/main" id="{43A70A70-BC39-4D45-3A13-BF6B87638DD7}"/>
+              </a:ext>
+            </a:extLst>
+          </p:cNvPr>
+          <p:cNvPicPr>
+            <a:picLocks noChangeAspect="1"/>
+          </p:cNvPicPr>
+          <p:nvPr/>
+        </p:nvPicPr>
+        <p:blipFill>
+          <a:blip r:embed="rId5"/>
+          <a:stretch>
+            <a:fillRect/>
+          </a:stretch>
+        </p:blipFill>
+        <p:spPr>
+          <a:xfrm>
+            <a:off x="197701" y="2975629"/>
+            <a:ext cx="9662997" cy="2194750"/>
           </a:xfrm>
           <a:prstGeom prst="rect">
             <a:avLst/>
@@ -10438,6 +13172,564 @@
 </file>
 
 <file path=ppt/slides/slide6.xml><?xml version="1.0" encoding="utf-8"?>
+<p:sld xmlns:a="http://schemas.openxmlformats.org/drawingml/2006/main" xmlns:r="http://schemas.openxmlformats.org/officeDocument/2006/relationships" xmlns:p="http://schemas.openxmlformats.org/presentationml/2006/main">
+  <p:cSld>
+    <p:spTree>
+      <p:nvGrpSpPr>
+        <p:cNvPr id="1" name=""/>
+        <p:cNvGrpSpPr/>
+        <p:nvPr/>
+      </p:nvGrpSpPr>
+      <p:grpSpPr>
+        <a:xfrm>
+          <a:off x="0" y="0"/>
+          <a:ext cx="0" cy="0"/>
+          <a:chOff x="0" y="0"/>
+          <a:chExt cx="0" cy="0"/>
+        </a:xfrm>
+      </p:grpSpPr>
+      <p:pic>
+        <p:nvPicPr>
+          <p:cNvPr id="5" name="그림 4">
+            <a:extLst>
+              <a:ext uri="{FF2B5EF4-FFF2-40B4-BE49-F238E27FC236}">
+                <a16:creationId xmlns:a16="http://schemas.microsoft.com/office/drawing/2014/main" id="{5770AD30-AF37-E131-7B3A-096DCAD99635}"/>
+              </a:ext>
+            </a:extLst>
+          </p:cNvPr>
+          <p:cNvPicPr>
+            <a:picLocks noChangeAspect="1"/>
+          </p:cNvPicPr>
+          <p:nvPr/>
+        </p:nvPicPr>
+        <p:blipFill>
+          <a:blip r:embed="rId2"/>
+          <a:stretch>
+            <a:fillRect/>
+          </a:stretch>
+        </p:blipFill>
+        <p:spPr>
+          <a:xfrm>
+            <a:off x="0" y="681133"/>
+            <a:ext cx="4503810" cy="3215919"/>
+          </a:xfrm>
+          <a:prstGeom prst="rect">
+            <a:avLst/>
+          </a:prstGeom>
+        </p:spPr>
+      </p:pic>
+      <p:pic>
+        <p:nvPicPr>
+          <p:cNvPr id="7" name="그림 6">
+            <a:extLst>
+              <a:ext uri="{FF2B5EF4-FFF2-40B4-BE49-F238E27FC236}">
+                <a16:creationId xmlns:a16="http://schemas.microsoft.com/office/drawing/2014/main" id="{9795E530-7741-3D3F-5A44-0B3A713ADF1C}"/>
+              </a:ext>
+            </a:extLst>
+          </p:cNvPr>
+          <p:cNvPicPr>
+            <a:picLocks noChangeAspect="1"/>
+          </p:cNvPicPr>
+          <p:nvPr/>
+        </p:nvPicPr>
+        <p:blipFill>
+          <a:blip r:embed="rId3"/>
+          <a:stretch>
+            <a:fillRect/>
+          </a:stretch>
+        </p:blipFill>
+        <p:spPr>
+          <a:xfrm>
+            <a:off x="0" y="3897052"/>
+            <a:ext cx="5669771" cy="2949196"/>
+          </a:xfrm>
+          <a:prstGeom prst="rect">
+            <a:avLst/>
+          </a:prstGeom>
+        </p:spPr>
+      </p:pic>
+      <p:pic>
+        <p:nvPicPr>
+          <p:cNvPr id="9" name="그림 8">
+            <a:extLst>
+              <a:ext uri="{FF2B5EF4-FFF2-40B4-BE49-F238E27FC236}">
+                <a16:creationId xmlns:a16="http://schemas.microsoft.com/office/drawing/2014/main" id="{E03C3169-E2F6-AC19-1ED2-91CC34561642}"/>
+              </a:ext>
+            </a:extLst>
+          </p:cNvPr>
+          <p:cNvPicPr>
+            <a:picLocks noChangeAspect="1"/>
+          </p:cNvPicPr>
+          <p:nvPr/>
+        </p:nvPicPr>
+        <p:blipFill>
+          <a:blip r:embed="rId4"/>
+          <a:stretch>
+            <a:fillRect/>
+          </a:stretch>
+        </p:blipFill>
+        <p:spPr>
+          <a:xfrm>
+            <a:off x="3848433" y="1665917"/>
+            <a:ext cx="1821338" cy="2316681"/>
+          </a:xfrm>
+          <a:prstGeom prst="rect">
+            <a:avLst/>
+          </a:prstGeom>
+        </p:spPr>
+      </p:pic>
+      <p:pic>
+        <p:nvPicPr>
+          <p:cNvPr id="11" name="그림 10">
+            <a:extLst>
+              <a:ext uri="{FF2B5EF4-FFF2-40B4-BE49-F238E27FC236}">
+                <a16:creationId xmlns:a16="http://schemas.microsoft.com/office/drawing/2014/main" id="{EE05A889-184F-BD56-039E-F30390B1C5C3}"/>
+              </a:ext>
+            </a:extLst>
+          </p:cNvPr>
+          <p:cNvPicPr>
+            <a:picLocks noChangeAspect="1"/>
+          </p:cNvPicPr>
+          <p:nvPr/>
+        </p:nvPicPr>
+        <p:blipFill>
+          <a:blip r:embed="rId5"/>
+          <a:stretch>
+            <a:fillRect/>
+          </a:stretch>
+        </p:blipFill>
+        <p:spPr>
+          <a:xfrm>
+            <a:off x="5669771" y="681133"/>
+            <a:ext cx="2987299" cy="1249788"/>
+          </a:xfrm>
+          <a:prstGeom prst="rect">
+            <a:avLst/>
+          </a:prstGeom>
+        </p:spPr>
+      </p:pic>
+      <p:pic>
+        <p:nvPicPr>
+          <p:cNvPr id="13" name="그림 12">
+            <a:extLst>
+              <a:ext uri="{FF2B5EF4-FFF2-40B4-BE49-F238E27FC236}">
+                <a16:creationId xmlns:a16="http://schemas.microsoft.com/office/drawing/2014/main" id="{06E7DCE9-9803-A9BD-578C-8DD73BC36A83}"/>
+              </a:ext>
+            </a:extLst>
+          </p:cNvPr>
+          <p:cNvPicPr>
+            <a:picLocks noChangeAspect="1"/>
+          </p:cNvPicPr>
+          <p:nvPr/>
+        </p:nvPicPr>
+        <p:blipFill>
+          <a:blip r:embed="rId6"/>
+          <a:stretch>
+            <a:fillRect/>
+          </a:stretch>
+        </p:blipFill>
+        <p:spPr>
+          <a:xfrm>
+            <a:off x="5669771" y="1930921"/>
+            <a:ext cx="4389500" cy="3124471"/>
+          </a:xfrm>
+          <a:prstGeom prst="rect">
+            <a:avLst/>
+          </a:prstGeom>
+        </p:spPr>
+      </p:pic>
+      <mc:AlternateContent xmlns:mc="http://schemas.openxmlformats.org/markup-compatibility/2006">
+        <mc:Choice xmlns:p14="http://schemas.microsoft.com/office/powerpoint/2010/main" Requires="p14">
+          <p:contentPart p14:bwMode="auto" r:id="rId7">
+            <p14:nvContentPartPr>
+              <p14:cNvPr id="16" name="잉크 15">
+                <a:extLst>
+                  <a:ext uri="{FF2B5EF4-FFF2-40B4-BE49-F238E27FC236}">
+                    <a16:creationId xmlns:a16="http://schemas.microsoft.com/office/drawing/2014/main" id="{A02A5630-69A3-203B-2D4A-2C16E15F0A18}"/>
+                  </a:ext>
+                </a:extLst>
+              </p14:cNvPr>
+              <p14:cNvContentPartPr/>
+              <p14:nvPr/>
+            </p14:nvContentPartPr>
+            <p14:xfrm>
+              <a:off x="75780" y="736903"/>
+              <a:ext cx="1181160" cy="59760"/>
+            </p14:xfrm>
+          </p:contentPart>
+        </mc:Choice>
+        <mc:Fallback>
+          <p:pic>
+            <p:nvPicPr>
+              <p:cNvPr id="16" name="잉크 15">
+                <a:extLst>
+                  <a:ext uri="{FF2B5EF4-FFF2-40B4-BE49-F238E27FC236}">
+                    <a16:creationId xmlns:a16="http://schemas.microsoft.com/office/drawing/2014/main" id="{A02A5630-69A3-203B-2D4A-2C16E15F0A18}"/>
+                  </a:ext>
+                </a:extLst>
+              </p:cNvPr>
+              <p:cNvPicPr/>
+              <p:nvPr/>
+            </p:nvPicPr>
+            <p:blipFill>
+              <a:blip r:embed="rId8"/>
+              <a:stretch>
+                <a:fillRect/>
+              </a:stretch>
+            </p:blipFill>
+            <p:spPr>
+              <a:xfrm>
+                <a:off x="22140" y="629263"/>
+                <a:ext cx="1288800" cy="275400"/>
+              </a:xfrm>
+              <a:prstGeom prst="rect">
+                <a:avLst/>
+              </a:prstGeom>
+            </p:spPr>
+          </p:pic>
+        </mc:Fallback>
+      </mc:AlternateContent>
+      <mc:AlternateContent xmlns:mc="http://schemas.openxmlformats.org/markup-compatibility/2006">
+        <mc:Choice xmlns:p14="http://schemas.microsoft.com/office/powerpoint/2010/main" Requires="p14">
+          <p:contentPart p14:bwMode="auto" r:id="rId9">
+            <p14:nvContentPartPr>
+              <p14:cNvPr id="17" name="잉크 16">
+                <a:extLst>
+                  <a:ext uri="{FF2B5EF4-FFF2-40B4-BE49-F238E27FC236}">
+                    <a16:creationId xmlns:a16="http://schemas.microsoft.com/office/drawing/2014/main" id="{9D81B7E4-D1AA-5F23-1C3E-54EBF8A0E0EE}"/>
+                  </a:ext>
+                </a:extLst>
+              </p14:cNvPr>
+              <p14:cNvContentPartPr/>
+              <p14:nvPr/>
+            </p14:nvContentPartPr>
+            <p14:xfrm>
+              <a:off x="56730" y="2433703"/>
+              <a:ext cx="726480" cy="68760"/>
+            </p14:xfrm>
+          </p:contentPart>
+        </mc:Choice>
+        <mc:Fallback>
+          <p:pic>
+            <p:nvPicPr>
+              <p:cNvPr id="17" name="잉크 16">
+                <a:extLst>
+                  <a:ext uri="{FF2B5EF4-FFF2-40B4-BE49-F238E27FC236}">
+                    <a16:creationId xmlns:a16="http://schemas.microsoft.com/office/drawing/2014/main" id="{9D81B7E4-D1AA-5F23-1C3E-54EBF8A0E0EE}"/>
+                  </a:ext>
+                </a:extLst>
+              </p:cNvPr>
+              <p:cNvPicPr/>
+              <p:nvPr/>
+            </p:nvPicPr>
+            <p:blipFill>
+              <a:blip r:embed="rId10"/>
+              <a:stretch>
+                <a:fillRect/>
+              </a:stretch>
+            </p:blipFill>
+            <p:spPr>
+              <a:xfrm>
+                <a:off x="3090" y="2325703"/>
+                <a:ext cx="834120" cy="284400"/>
+              </a:xfrm>
+              <a:prstGeom prst="rect">
+                <a:avLst/>
+              </a:prstGeom>
+            </p:spPr>
+          </p:pic>
+        </mc:Fallback>
+      </mc:AlternateContent>
+      <mc:AlternateContent xmlns:mc="http://schemas.openxmlformats.org/markup-compatibility/2006">
+        <mc:Choice xmlns:p14="http://schemas.microsoft.com/office/powerpoint/2010/main" Requires="p14">
+          <p:contentPart p14:bwMode="auto" r:id="rId11">
+            <p14:nvContentPartPr>
+              <p14:cNvPr id="18" name="잉크 17">
+                <a:extLst>
+                  <a:ext uri="{FF2B5EF4-FFF2-40B4-BE49-F238E27FC236}">
+                    <a16:creationId xmlns:a16="http://schemas.microsoft.com/office/drawing/2014/main" id="{D45AFB87-E303-00D6-4E2E-D3BB3101929F}"/>
+                  </a:ext>
+                </a:extLst>
+              </p14:cNvPr>
+              <p14:cNvContentPartPr/>
+              <p14:nvPr/>
+            </p14:nvContentPartPr>
+            <p14:xfrm>
+              <a:off x="66810" y="3232903"/>
+              <a:ext cx="870120" cy="20160"/>
+            </p14:xfrm>
+          </p:contentPart>
+        </mc:Choice>
+        <mc:Fallback>
+          <p:pic>
+            <p:nvPicPr>
+              <p:cNvPr id="18" name="잉크 17">
+                <a:extLst>
+                  <a:ext uri="{FF2B5EF4-FFF2-40B4-BE49-F238E27FC236}">
+                    <a16:creationId xmlns:a16="http://schemas.microsoft.com/office/drawing/2014/main" id="{D45AFB87-E303-00D6-4E2E-D3BB3101929F}"/>
+                  </a:ext>
+                </a:extLst>
+              </p:cNvPr>
+              <p:cNvPicPr/>
+              <p:nvPr/>
+            </p:nvPicPr>
+            <p:blipFill>
+              <a:blip r:embed="rId12"/>
+              <a:stretch>
+                <a:fillRect/>
+              </a:stretch>
+            </p:blipFill>
+            <p:spPr>
+              <a:xfrm>
+                <a:off x="12810" y="3124903"/>
+                <a:ext cx="977760" cy="235800"/>
+              </a:xfrm>
+              <a:prstGeom prst="rect">
+                <a:avLst/>
+              </a:prstGeom>
+            </p:spPr>
+          </p:pic>
+        </mc:Fallback>
+      </mc:AlternateContent>
+      <mc:AlternateContent xmlns:mc="http://schemas.openxmlformats.org/markup-compatibility/2006">
+        <mc:Choice xmlns:p14="http://schemas.microsoft.com/office/powerpoint/2010/main" Requires="p14">
+          <p:contentPart p14:bwMode="auto" r:id="rId13">
+            <p14:nvContentPartPr>
+              <p14:cNvPr id="21" name="잉크 20">
+                <a:extLst>
+                  <a:ext uri="{FF2B5EF4-FFF2-40B4-BE49-F238E27FC236}">
+                    <a16:creationId xmlns:a16="http://schemas.microsoft.com/office/drawing/2014/main" id="{4D07735E-15BC-CB9A-B81D-C58A88DC643F}"/>
+                  </a:ext>
+                </a:extLst>
+              </p14:cNvPr>
+              <p14:cNvContentPartPr/>
+              <p14:nvPr/>
+            </p14:nvContentPartPr>
+            <p14:xfrm>
+              <a:off x="1199730" y="3947143"/>
+              <a:ext cx="1281960" cy="58320"/>
+            </p14:xfrm>
+          </p:contentPart>
+        </mc:Choice>
+        <mc:Fallback>
+          <p:pic>
+            <p:nvPicPr>
+              <p:cNvPr id="21" name="잉크 20">
+                <a:extLst>
+                  <a:ext uri="{FF2B5EF4-FFF2-40B4-BE49-F238E27FC236}">
+                    <a16:creationId xmlns:a16="http://schemas.microsoft.com/office/drawing/2014/main" id="{4D07735E-15BC-CB9A-B81D-C58A88DC643F}"/>
+                  </a:ext>
+                </a:extLst>
+              </p:cNvPr>
+              <p:cNvPicPr/>
+              <p:nvPr/>
+            </p:nvPicPr>
+            <p:blipFill>
+              <a:blip r:embed="rId14"/>
+              <a:stretch>
+                <a:fillRect/>
+              </a:stretch>
+            </p:blipFill>
+            <p:spPr>
+              <a:xfrm>
+                <a:off x="1146090" y="3839143"/>
+                <a:ext cx="1389600" cy="273960"/>
+              </a:xfrm>
+              <a:prstGeom prst="rect">
+                <a:avLst/>
+              </a:prstGeom>
+            </p:spPr>
+          </p:pic>
+        </mc:Fallback>
+      </mc:AlternateContent>
+      <p:sp>
+        <p:nvSpPr>
+          <p:cNvPr id="23" name="TextBox 22">
+            <a:extLst>
+              <a:ext uri="{FF2B5EF4-FFF2-40B4-BE49-F238E27FC236}">
+                <a16:creationId xmlns:a16="http://schemas.microsoft.com/office/drawing/2014/main" id="{2E980473-0C94-084A-9807-650CBE64EDD9}"/>
+              </a:ext>
+            </a:extLst>
+          </p:cNvPr>
+          <p:cNvSpPr txBox="1"/>
+          <p:nvPr/>
+        </p:nvSpPr>
+        <p:spPr>
+          <a:xfrm>
+            <a:off x="2423025" y="5493851"/>
+            <a:ext cx="2381004" cy="369332"/>
+          </a:xfrm>
+          <a:prstGeom prst="rect">
+            <a:avLst/>
+          </a:prstGeom>
+          <a:noFill/>
+        </p:spPr>
+        <p:txBody>
+          <a:bodyPr wrap="square" rtlCol="0">
+            <a:spAutoFit/>
+          </a:bodyPr>
+          <a:lstStyle/>
+          <a:p>
+            <a:r>
+              <a:rPr lang="en-US" altLang="ko-KR" dirty="0"/>
+              <a:t>Random </a:t>
+            </a:r>
+            <a:r>
+              <a:rPr lang="ko-KR" altLang="en-US" dirty="0"/>
+              <a:t>추출</a:t>
+            </a:r>
+          </a:p>
+        </p:txBody>
+      </p:sp>
+      <p:sp>
+        <p:nvSpPr>
+          <p:cNvPr id="24" name="TextBox 23">
+            <a:extLst>
+              <a:ext uri="{FF2B5EF4-FFF2-40B4-BE49-F238E27FC236}">
+                <a16:creationId xmlns:a16="http://schemas.microsoft.com/office/drawing/2014/main" id="{6088BEED-555B-7E0F-923F-E7B318C9745E}"/>
+              </a:ext>
+            </a:extLst>
+          </p:cNvPr>
+          <p:cNvSpPr txBox="1"/>
+          <p:nvPr/>
+        </p:nvSpPr>
+        <p:spPr>
+          <a:xfrm>
+            <a:off x="2004255" y="4110133"/>
+            <a:ext cx="3986970" cy="369332"/>
+          </a:xfrm>
+          <a:prstGeom prst="rect">
+            <a:avLst/>
+          </a:prstGeom>
+          <a:noFill/>
+        </p:spPr>
+        <p:txBody>
+          <a:bodyPr wrap="square" rtlCol="0">
+            <a:spAutoFit/>
+          </a:bodyPr>
+          <a:lstStyle/>
+          <a:p>
+            <a:r>
+              <a:rPr lang="en-US" altLang="ko-KR" dirty="0"/>
+              <a:t>(</a:t>
+            </a:r>
+            <a:r>
+              <a:rPr lang="ko-KR" altLang="en-US" dirty="0" err="1"/>
+              <a:t>편차가너무커</a:t>
+            </a:r>
+            <a:r>
+              <a:rPr lang="ko-KR" altLang="en-US" dirty="0"/>
+              <a:t> </a:t>
+            </a:r>
+            <a:r>
+              <a:rPr lang="ko-KR" altLang="en-US" dirty="0" err="1"/>
+              <a:t>큰수는</a:t>
+            </a:r>
+            <a:r>
+              <a:rPr lang="ko-KR" altLang="en-US" dirty="0"/>
+              <a:t> </a:t>
+            </a:r>
+            <a:r>
+              <a:rPr lang="ko-KR" altLang="en-US" dirty="0" err="1"/>
+              <a:t>확줄이는</a:t>
+            </a:r>
+            <a:r>
+              <a:rPr lang="en-US" altLang="ko-KR" dirty="0"/>
+              <a:t>)</a:t>
+            </a:r>
+            <a:endParaRPr lang="ko-KR" altLang="en-US" dirty="0"/>
+          </a:p>
+        </p:txBody>
+      </p:sp>
+      <p:sp>
+        <p:nvSpPr>
+          <p:cNvPr id="25" name="TextBox 24">
+            <a:extLst>
+              <a:ext uri="{FF2B5EF4-FFF2-40B4-BE49-F238E27FC236}">
+                <a16:creationId xmlns:a16="http://schemas.microsoft.com/office/drawing/2014/main" id="{4317BE6F-962F-BEB9-63EE-7C8BF6D743DB}"/>
+              </a:ext>
+            </a:extLst>
+          </p:cNvPr>
+          <p:cNvSpPr txBox="1"/>
+          <p:nvPr/>
+        </p:nvSpPr>
+        <p:spPr>
+          <a:xfrm>
+            <a:off x="3798539" y="98720"/>
+            <a:ext cx="3986970" cy="553998"/>
+          </a:xfrm>
+          <a:prstGeom prst="rect">
+            <a:avLst/>
+          </a:prstGeom>
+          <a:noFill/>
+        </p:spPr>
+        <p:txBody>
+          <a:bodyPr wrap="square" rtlCol="0">
+            <a:spAutoFit/>
+          </a:bodyPr>
+          <a:lstStyle/>
+          <a:p>
+            <a:r>
+              <a:rPr lang="ko-KR" altLang="en-US" sz="3000" dirty="0"/>
+              <a:t>사용할 함수들</a:t>
+            </a:r>
+          </a:p>
+        </p:txBody>
+      </p:sp>
+      <p:sp>
+        <p:nvSpPr>
+          <p:cNvPr id="26" name="TextBox 25">
+            <a:extLst>
+              <a:ext uri="{FF2B5EF4-FFF2-40B4-BE49-F238E27FC236}">
+                <a16:creationId xmlns:a16="http://schemas.microsoft.com/office/drawing/2014/main" id="{332B0737-9EC4-05D4-10B6-1C9A8A9A752E}"/>
+              </a:ext>
+            </a:extLst>
+          </p:cNvPr>
+          <p:cNvSpPr txBox="1"/>
+          <p:nvPr/>
+        </p:nvSpPr>
+        <p:spPr>
+          <a:xfrm>
+            <a:off x="840184" y="2162191"/>
+            <a:ext cx="3735473" cy="369332"/>
+          </a:xfrm>
+          <a:prstGeom prst="rect">
+            <a:avLst/>
+          </a:prstGeom>
+          <a:noFill/>
+        </p:spPr>
+        <p:txBody>
+          <a:bodyPr wrap="square" rtlCol="0">
+            <a:spAutoFit/>
+          </a:bodyPr>
+          <a:lstStyle/>
+          <a:p>
+            <a:r>
+              <a:rPr lang="ko-KR" altLang="en-US" dirty="0"/>
+              <a:t>이 데이터에 </a:t>
+            </a:r>
+            <a:r>
+              <a:rPr lang="ko-KR" altLang="en-US" dirty="0" err="1"/>
+              <a:t>활용하기어려웠다</a:t>
+            </a:r>
+            <a:endParaRPr lang="ko-KR" altLang="en-US" dirty="0"/>
+          </a:p>
+        </p:txBody>
+      </p:sp>
+    </p:spTree>
+    <p:extLst>
+      <p:ext uri="{BB962C8B-B14F-4D97-AF65-F5344CB8AC3E}">
+        <p14:creationId xmlns:p14="http://schemas.microsoft.com/office/powerpoint/2010/main" val="2552765364"/>
+      </p:ext>
+    </p:extLst>
+  </p:cSld>
+  <p:clrMapOvr>
+    <a:masterClrMapping/>
+  </p:clrMapOvr>
+</p:sld>
+</file>
+
+<file path=ppt/slides/slide7.xml><?xml version="1.0" encoding="utf-8"?>
 <p:sld xmlns:a="http://schemas.openxmlformats.org/drawingml/2006/main" xmlns:r="http://schemas.openxmlformats.org/officeDocument/2006/relationships" xmlns:p="http://schemas.openxmlformats.org/presentationml/2006/main">
   <p:cSld>
     <p:bg>
@@ -10764,6 +14056,36 @@
           </a:p>
         </p:txBody>
       </p:sp>
+      <p:pic>
+        <p:nvPicPr>
+          <p:cNvPr id="2" name="그림 1">
+            <a:extLst>
+              <a:ext uri="{FF2B5EF4-FFF2-40B4-BE49-F238E27FC236}">
+                <a16:creationId xmlns:a16="http://schemas.microsoft.com/office/drawing/2014/main" id="{88C2B170-E1E3-3C69-4FAA-79BC5AA879E6}"/>
+              </a:ext>
+            </a:extLst>
+          </p:cNvPr>
+          <p:cNvPicPr>
+            <a:picLocks noChangeAspect="1"/>
+          </p:cNvPicPr>
+          <p:nvPr/>
+        </p:nvPicPr>
+        <p:blipFill>
+          <a:blip r:embed="rId2"/>
+          <a:stretch>
+            <a:fillRect/>
+          </a:stretch>
+        </p:blipFill>
+        <p:spPr>
+          <a:xfrm>
+            <a:off x="5814075" y="1766083"/>
+            <a:ext cx="5932246" cy="4932238"/>
+          </a:xfrm>
+          <a:prstGeom prst="rect">
+            <a:avLst/>
+          </a:prstGeom>
+        </p:spPr>
+      </p:pic>
       <p:sp>
         <p:nvSpPr>
           <p:cNvPr id="7" name="TextBox 6">
@@ -10811,7 +14133,29 @@
                 <a:ea typeface="+mj-ea"/>
                 <a:cs typeface="+mj-cs"/>
               </a:rPr>
-              <a:t>데이터분석</a:t>
+              <a:t>데이터분석 </a:t>
+            </a:r>
+            <a:r>
+              <a:rPr lang="en-US" altLang="ko-KR" sz="4000" dirty="0">
+                <a:solidFill>
+                  <a:srgbClr val="FFFFFF"/>
+                </a:solidFill>
+                <a:latin typeface="+mj-lt"/>
+                <a:ea typeface="+mj-ea"/>
+                <a:cs typeface="+mj-cs"/>
+              </a:rPr>
+              <a:t>/ </a:t>
+            </a:r>
+            <a:r>
+              <a:rPr lang="ko-KR" altLang="en-US" sz="4000" dirty="0">
+                <a:solidFill>
+                  <a:srgbClr val="FFFFFF"/>
+                </a:solidFill>
+                <a:latin typeface="+mj-lt"/>
+                <a:ea typeface="+mj-ea"/>
+                <a:cs typeface="+mj-cs"/>
+              </a:rPr>
+              <a:t>시각화</a:t>
             </a:r>
             <a:endParaRPr lang="ko-KR" altLang="en-US" sz="4000" kern="1200" dirty="0">
               <a:solidFill>
@@ -10824,168 +14168,121 @@
           </a:p>
         </p:txBody>
       </p:sp>
-    </p:spTree>
-    <p:extLst>
-      <p:ext uri="{BB962C8B-B14F-4D97-AF65-F5344CB8AC3E}">
-        <p14:creationId xmlns:p14="http://schemas.microsoft.com/office/powerpoint/2010/main" val="3498940435"/>
-      </p:ext>
-    </p:extLst>
-  </p:cSld>
-  <p:clrMapOvr>
-    <a:masterClrMapping/>
-  </p:clrMapOvr>
-</p:sld>
-</file>
-
-<file path=ppt/slides/slide7.xml><?xml version="1.0" encoding="utf-8"?>
-<p:sld xmlns:a="http://schemas.openxmlformats.org/drawingml/2006/main" xmlns:r="http://schemas.openxmlformats.org/officeDocument/2006/relationships" xmlns:p="http://schemas.openxmlformats.org/presentationml/2006/main">
-  <p:cSld>
-    <p:bg>
-      <p:bgPr>
-        <a:solidFill>
-          <a:schemeClr val="bg1"/>
-        </a:solidFill>
-        <a:effectLst/>
-      </p:bgPr>
-    </p:bg>
-    <p:spTree>
-      <p:nvGrpSpPr>
-        <p:cNvPr id="1" name=""/>
-        <p:cNvGrpSpPr/>
-        <p:nvPr/>
-      </p:nvGrpSpPr>
-      <p:grpSpPr>
-        <a:xfrm>
-          <a:off x="0" y="0"/>
-          <a:ext cx="0" cy="0"/>
-          <a:chOff x="0" y="0"/>
-          <a:chExt cx="0" cy="0"/>
-        </a:xfrm>
-      </p:grpSpPr>
-      <p:sp useBgFill="1">
-        <p:nvSpPr>
-          <p:cNvPr id="13" name="Rectangle 12">
-            <a:extLst>
-              <a:ext uri="{FF2B5EF4-FFF2-40B4-BE49-F238E27FC236}">
-                <a16:creationId xmlns:a16="http://schemas.microsoft.com/office/drawing/2014/main" id="{BACC6370-2D7E-4714-9D71-7542949D7D5D}"/>
-              </a:ext>
-              <a:ext uri="{C183D7F6-B498-43B3-948B-1728B52AA6E4}">
-                <adec:decorative xmlns:adec="http://schemas.microsoft.com/office/drawing/2017/decorative" val="1"/>
-              </a:ext>
-            </a:extLst>
-          </p:cNvPr>
-          <p:cNvSpPr>
-            <a:spLocks noGrp="1" noRot="1" noChangeAspect="1" noMove="1" noResize="1" noEditPoints="1" noAdjustHandles="1" noChangeArrowheads="1" noChangeShapeType="1" noTextEdit="1"/>
-          </p:cNvSpPr>
-          <p:nvPr>
-            <p:extLst>
-              <p:ext uri="{386F3935-93C4-4BCD-93E2-E3B085C9AB24}">
-                <p16:designElem xmlns:p16="http://schemas.microsoft.com/office/powerpoint/2015/main" val="1"/>
-              </p:ext>
-            </p:extLst>
-          </p:nvPr>
-        </p:nvSpPr>
+      <p:pic>
+        <p:nvPicPr>
+          <p:cNvPr id="4" name="그림 3">
+            <a:extLst>
+              <a:ext uri="{FF2B5EF4-FFF2-40B4-BE49-F238E27FC236}">
+                <a16:creationId xmlns:a16="http://schemas.microsoft.com/office/drawing/2014/main" id="{CB4C91CB-4A08-04C7-C51D-F9F0EE0BBF6A}"/>
+              </a:ext>
+            </a:extLst>
+          </p:cNvPr>
+          <p:cNvPicPr>
+            <a:picLocks noChangeAspect="1"/>
+          </p:cNvPicPr>
+          <p:nvPr/>
+        </p:nvPicPr>
+        <p:blipFill>
+          <a:blip r:embed="rId3"/>
+          <a:stretch>
+            <a:fillRect/>
+          </a:stretch>
+        </p:blipFill>
         <p:spPr>
           <a:xfrm>
-            <a:off x="0" y="0"/>
-            <a:ext cx="12192000" cy="6858000"/>
+            <a:off x="796147" y="2048164"/>
+            <a:ext cx="3284505" cy="602032"/>
           </a:xfrm>
           <a:prstGeom prst="rect">
             <a:avLst/>
           </a:prstGeom>
-          <a:ln w="12700" cap="flat" cmpd="sng" algn="ctr">
-            <a:noFill/>
-            <a:prstDash val="solid"/>
-            <a:miter lim="800000"/>
-          </a:ln>
-          <a:effectLst/>
-          <a:extLst>
-            <a:ext uri="{91240B29-F687-4F45-9708-019B960494DF}">
-              <a14:hiddenLine xmlns:a14="http://schemas.microsoft.com/office/drawing/2010/main" w="12700" cap="flat" cmpd="sng" algn="ctr">
-                <a:solidFill>
-                  <a:schemeClr val="accent1">
-                    <a:shade val="50000"/>
-                  </a:schemeClr>
-                </a:solidFill>
-                <a:prstDash val="solid"/>
-                <a:miter lim="800000"/>
-              </a14:hiddenLine>
-            </a:ext>
-          </a:extLst>
         </p:spPr>
-        <p:style>
-          <a:lnRef idx="2">
-            <a:schemeClr val="accent1">
-              <a:shade val="50000"/>
-            </a:schemeClr>
-          </a:lnRef>
-          <a:fillRef idx="1">
-            <a:schemeClr val="accent1"/>
-          </a:fillRef>
-          <a:effectRef idx="0">
-            <a:schemeClr val="accent1"/>
-          </a:effectRef>
-          <a:fontRef idx="minor">
-            <a:schemeClr val="lt1"/>
-          </a:fontRef>
-        </p:style>
-        <p:txBody>
-          <a:bodyPr rtlCol="0" anchor="ctr"/>
-          <a:lstStyle/>
-          <a:p>
-            <a:pPr algn="ctr"/>
-            <a:endParaRPr lang="en-US"/>
-          </a:p>
-        </p:txBody>
-      </p:sp>
-      <p:sp>
-        <p:nvSpPr>
-          <p:cNvPr id="15" name="Rectangle 14">
-            <a:extLst>
-              <a:ext uri="{FF2B5EF4-FFF2-40B4-BE49-F238E27FC236}">
-                <a16:creationId xmlns:a16="http://schemas.microsoft.com/office/drawing/2014/main" id="{F68B3F68-107C-434F-AA38-110D5EA91B85}"/>
-              </a:ext>
-              <a:ext uri="{C183D7F6-B498-43B3-948B-1728B52AA6E4}">
-                <adec:decorative xmlns:adec="http://schemas.microsoft.com/office/drawing/2017/decorative" val="1"/>
-              </a:ext>
-            </a:extLst>
-          </p:cNvPr>
-          <p:cNvSpPr>
-            <a:spLocks noGrp="1" noRot="1" noChangeAspect="1" noMove="1" noResize="1" noEditPoints="1" noAdjustHandles="1" noChangeArrowheads="1" noChangeShapeType="1" noTextEdit="1"/>
-          </p:cNvSpPr>
-          <p:nvPr>
-            <p:extLst>
-              <p:ext uri="{386F3935-93C4-4BCD-93E2-E3B085C9AB24}">
-                <p16:designElem xmlns:p16="http://schemas.microsoft.com/office/powerpoint/2015/main" val="1"/>
-              </p:ext>
-            </p:extLst>
-          </p:nvPr>
-        </p:nvSpPr>
+      </p:pic>
+      <p:pic>
+        <p:nvPicPr>
+          <p:cNvPr id="5" name="그림 4">
+            <a:extLst>
+              <a:ext uri="{FF2B5EF4-FFF2-40B4-BE49-F238E27FC236}">
+                <a16:creationId xmlns:a16="http://schemas.microsoft.com/office/drawing/2014/main" id="{FC102435-9132-4EFD-6E8F-0D43CE993974}"/>
+              </a:ext>
+            </a:extLst>
+          </p:cNvPr>
+          <p:cNvPicPr>
+            <a:picLocks noChangeAspect="1"/>
+          </p:cNvPicPr>
+          <p:nvPr/>
+        </p:nvPicPr>
+        <p:blipFill>
+          <a:blip r:embed="rId4"/>
+          <a:stretch>
+            <a:fillRect/>
+          </a:stretch>
+        </p:blipFill>
         <p:spPr>
-          <a:xfrm flipH="1">
-            <a:off x="2" y="0"/>
-            <a:ext cx="12191998" cy="1575955"/>
+          <a:xfrm>
+            <a:off x="129023" y="2650196"/>
+            <a:ext cx="5966977" cy="182896"/>
           </a:xfrm>
           <a:prstGeom prst="rect">
             <a:avLst/>
           </a:prstGeom>
-          <a:gradFill>
-            <a:gsLst>
-              <a:gs pos="0">
-                <a:srgbClr val="000000">
-                  <a:alpha val="96000"/>
-                </a:srgbClr>
-              </a:gs>
-              <a:gs pos="100000">
-                <a:schemeClr val="accent1">
-                  <a:lumMod val="75000"/>
-                </a:schemeClr>
-              </a:gs>
-            </a:gsLst>
-            <a:lin ang="8400000" scaled="0"/>
-          </a:gradFill>
-          <a:ln>
-            <a:noFill/>
+        </p:spPr>
+      </p:pic>
+      <p:pic>
+        <p:nvPicPr>
+          <p:cNvPr id="6" name="그림 5">
+            <a:extLst>
+              <a:ext uri="{FF2B5EF4-FFF2-40B4-BE49-F238E27FC236}">
+                <a16:creationId xmlns:a16="http://schemas.microsoft.com/office/drawing/2014/main" id="{4C918567-CA70-3A72-9260-82C6497A6C48}"/>
+              </a:ext>
+            </a:extLst>
+          </p:cNvPr>
+          <p:cNvPicPr>
+            <a:picLocks noChangeAspect="1"/>
+          </p:cNvPicPr>
+          <p:nvPr/>
+        </p:nvPicPr>
+        <p:blipFill>
+          <a:blip r:embed="rId5"/>
+          <a:stretch>
+            <a:fillRect/>
+          </a:stretch>
+        </p:blipFill>
+        <p:spPr>
+          <a:xfrm>
+            <a:off x="129023" y="3252228"/>
+            <a:ext cx="5366671" cy="3109229"/>
+          </a:xfrm>
+          <a:prstGeom prst="rect">
+            <a:avLst/>
+          </a:prstGeom>
+        </p:spPr>
+      </p:pic>
+      <p:sp>
+        <p:nvSpPr>
+          <p:cNvPr id="9" name="직사각형 8">
+            <a:extLst>
+              <a:ext uri="{FF2B5EF4-FFF2-40B4-BE49-F238E27FC236}">
+                <a16:creationId xmlns:a16="http://schemas.microsoft.com/office/drawing/2014/main" id="{B0F9C95F-B007-AA1E-D2CD-BD5495F64ADE}"/>
+              </a:ext>
+            </a:extLst>
+          </p:cNvPr>
+          <p:cNvSpPr/>
+          <p:nvPr/>
+        </p:nvSpPr>
+        <p:spPr>
+          <a:xfrm>
+            <a:off x="8490857" y="3620278"/>
+            <a:ext cx="2341984" cy="2202024"/>
+          </a:xfrm>
+          <a:prstGeom prst="rect">
+            <a:avLst/>
+          </a:prstGeom>
+          <a:noFill/>
+          <a:ln w="63500">
+            <a:solidFill>
+              <a:srgbClr val="FFFF00"/>
+            </a:solidFill>
           </a:ln>
         </p:spPr>
         <p:style>
@@ -11009,225 +14306,65 @@
           <a:lstStyle/>
           <a:p>
             <a:pPr algn="ctr"/>
-            <a:endParaRPr lang="en-US"/>
+            <a:endParaRPr lang="ko-KR" altLang="en-US" dirty="0"/>
           </a:p>
         </p:txBody>
       </p:sp>
-      <p:sp>
-        <p:nvSpPr>
-          <p:cNvPr id="17" name="Rectangle 16">
-            <a:extLst>
-              <a:ext uri="{FF2B5EF4-FFF2-40B4-BE49-F238E27FC236}">
-                <a16:creationId xmlns:a16="http://schemas.microsoft.com/office/drawing/2014/main" id="{AAD0DBB9-1A4B-4391-81D4-CB19F9AB918A}"/>
-              </a:ext>
-              <a:ext uri="{C183D7F6-B498-43B3-948B-1728B52AA6E4}">
-                <adec:decorative xmlns:adec="http://schemas.microsoft.com/office/drawing/2017/decorative" val="1"/>
-              </a:ext>
-            </a:extLst>
-          </p:cNvPr>
-          <p:cNvSpPr>
-            <a:spLocks noGrp="1" noRot="1" noChangeAspect="1" noMove="1" noResize="1" noEditPoints="1" noAdjustHandles="1" noChangeArrowheads="1" noChangeShapeType="1" noTextEdit="1"/>
-          </p:cNvSpPr>
-          <p:nvPr>
-            <p:extLst>
-              <p:ext uri="{386F3935-93C4-4BCD-93E2-E3B085C9AB24}">
-                <p16:designElem xmlns:p16="http://schemas.microsoft.com/office/powerpoint/2015/main" val="1"/>
-              </p:ext>
-            </p:extLst>
-          </p:nvPr>
-        </p:nvSpPr>
-        <p:spPr>
-          <a:xfrm rot="10800000" flipH="1">
-            <a:off x="8128857" y="0"/>
-            <a:ext cx="4063143" cy="1576412"/>
-          </a:xfrm>
-          <a:prstGeom prst="rect">
-            <a:avLst/>
-          </a:prstGeom>
-          <a:gradFill>
-            <a:gsLst>
-              <a:gs pos="19000">
-                <a:schemeClr val="accent1">
-                  <a:lumMod val="50000"/>
-                  <a:alpha val="68000"/>
-                </a:schemeClr>
-              </a:gs>
-              <a:gs pos="100000">
-                <a:schemeClr val="accent1">
-                  <a:alpha val="79000"/>
-                </a:schemeClr>
-              </a:gs>
-            </a:gsLst>
-            <a:lin ang="19200000" scaled="0"/>
-          </a:gradFill>
-          <a:ln>
-            <a:noFill/>
-          </a:ln>
-        </p:spPr>
-        <p:style>
-          <a:lnRef idx="2">
-            <a:schemeClr val="accent1">
-              <a:shade val="50000"/>
-            </a:schemeClr>
-          </a:lnRef>
-          <a:fillRef idx="1">
-            <a:schemeClr val="accent1"/>
-          </a:fillRef>
-          <a:effectRef idx="0">
-            <a:schemeClr val="accent1"/>
-          </a:effectRef>
-          <a:fontRef idx="minor">
-            <a:schemeClr val="lt1"/>
-          </a:fontRef>
-        </p:style>
-        <p:txBody>
-          <a:bodyPr rtlCol="0" anchor="ctr"/>
-          <a:lstStyle/>
-          <a:p>
-            <a:pPr algn="ctr"/>
-            <a:endParaRPr lang="en-US"/>
-          </a:p>
-        </p:txBody>
-      </p:sp>
-      <p:sp>
-        <p:nvSpPr>
-          <p:cNvPr id="19" name="Rectangle 18">
-            <a:extLst>
-              <a:ext uri="{FF2B5EF4-FFF2-40B4-BE49-F238E27FC236}">
-                <a16:creationId xmlns:a16="http://schemas.microsoft.com/office/drawing/2014/main" id="{063BBA22-50EA-4C4D-BE05-F1CE4E63AA56}"/>
-              </a:ext>
-              <a:ext uri="{C183D7F6-B498-43B3-948B-1728B52AA6E4}">
-                <adec:decorative xmlns:adec="http://schemas.microsoft.com/office/drawing/2017/decorative" val="1"/>
-              </a:ext>
-            </a:extLst>
-          </p:cNvPr>
-          <p:cNvSpPr>
-            <a:spLocks noGrp="1" noRot="1" noChangeAspect="1" noMove="1" noResize="1" noEditPoints="1" noAdjustHandles="1" noChangeArrowheads="1" noChangeShapeType="1" noTextEdit="1"/>
-          </p:cNvSpPr>
-          <p:nvPr>
-            <p:extLst>
-              <p:ext uri="{386F3935-93C4-4BCD-93E2-E3B085C9AB24}">
-                <p16:designElem xmlns:p16="http://schemas.microsoft.com/office/powerpoint/2015/main" val="1"/>
-              </p:ext>
-            </p:extLst>
-          </p:nvPr>
-        </p:nvSpPr>
-        <p:spPr>
-          <a:xfrm rot="5400000">
-            <a:off x="5307777" y="-5307778"/>
-            <a:ext cx="1576446" cy="12192002"/>
-          </a:xfrm>
-          <a:prstGeom prst="rect">
-            <a:avLst/>
-          </a:prstGeom>
-          <a:gradFill>
-            <a:gsLst>
-              <a:gs pos="23000">
-                <a:schemeClr val="accent1">
-                  <a:alpha val="0"/>
-                </a:schemeClr>
-              </a:gs>
-              <a:gs pos="99000">
-                <a:srgbClr val="000000">
-                  <a:alpha val="74000"/>
-                </a:srgbClr>
-              </a:gs>
-            </a:gsLst>
-            <a:lin ang="20400000" scaled="0"/>
-          </a:gradFill>
-          <a:ln>
-            <a:noFill/>
-          </a:ln>
-        </p:spPr>
-        <p:style>
-          <a:lnRef idx="2">
-            <a:schemeClr val="accent1">
-              <a:shade val="50000"/>
-            </a:schemeClr>
-          </a:lnRef>
-          <a:fillRef idx="1">
-            <a:schemeClr val="accent1"/>
-          </a:fillRef>
-          <a:effectRef idx="0">
-            <a:schemeClr val="accent1"/>
-          </a:effectRef>
-          <a:fontRef idx="minor">
-            <a:schemeClr val="lt1"/>
-          </a:fontRef>
-        </p:style>
-        <p:txBody>
-          <a:bodyPr rtlCol="0" anchor="ctr"/>
-          <a:lstStyle/>
-          <a:p>
-            <a:pPr algn="ctr"/>
-            <a:endParaRPr lang="en-US" dirty="0"/>
-          </a:p>
-        </p:txBody>
-      </p:sp>
-      <p:sp>
-        <p:nvSpPr>
-          <p:cNvPr id="7" name="TextBox 6">
-            <a:extLst>
-              <a:ext uri="{FF2B5EF4-FFF2-40B4-BE49-F238E27FC236}">
-                <a16:creationId xmlns:a16="http://schemas.microsoft.com/office/drawing/2014/main" id="{850BD45A-EC9E-C730-1645-4E446A6FAF52}"/>
-              </a:ext>
-            </a:extLst>
-          </p:cNvPr>
-          <p:cNvSpPr txBox="1"/>
-          <p:nvPr/>
-        </p:nvSpPr>
-        <p:spPr>
-          <a:xfrm>
-            <a:off x="390522" y="316512"/>
-            <a:ext cx="10044023" cy="877729"/>
-          </a:xfrm>
-          <a:prstGeom prst="rect">
-            <a:avLst/>
-          </a:prstGeom>
-        </p:spPr>
-        <p:txBody>
-          <a:bodyPr vert="horz" lIns="91440" tIns="45720" rIns="91440" bIns="45720" rtlCol="0" anchor="ctr">
-            <a:normAutofit/>
-          </a:bodyPr>
-          <a:lstStyle/>
-          <a:p>
-            <a:pPr latinLnBrk="0">
-              <a:lnSpc>
-                <a:spcPct val="90000"/>
-              </a:lnSpc>
-              <a:spcBef>
-                <a:spcPct val="0"/>
-              </a:spcBef>
-              <a:spcAft>
-                <a:spcPts val="600"/>
-              </a:spcAft>
-            </a:pPr>
-            <a:r>
-              <a:rPr lang="ko-KR" altLang="en-US" sz="4000" dirty="0">
-                <a:solidFill>
-                  <a:srgbClr val="FFFFFF"/>
-                </a:solidFill>
-                <a:latin typeface="+mj-lt"/>
-                <a:ea typeface="+mj-ea"/>
-                <a:cs typeface="+mj-cs"/>
-              </a:rPr>
-              <a:t>시각화</a:t>
-            </a:r>
-            <a:endParaRPr lang="ko-KR" altLang="en-US" sz="4000" kern="1200" dirty="0">
-              <a:solidFill>
-                <a:srgbClr val="FFFFFF"/>
-              </a:solidFill>
-              <a:latin typeface="+mj-lt"/>
-              <a:ea typeface="+mj-ea"/>
-              <a:cs typeface="+mj-cs"/>
-            </a:endParaRPr>
-          </a:p>
-        </p:txBody>
-      </p:sp>
+      <mc:AlternateContent xmlns:mc="http://schemas.openxmlformats.org/markup-compatibility/2006">
+        <mc:Choice xmlns:p14="http://schemas.microsoft.com/office/powerpoint/2010/main" Requires="p14">
+          <p:contentPart p14:bwMode="auto" r:id="rId6">
+            <p14:nvContentPartPr>
+              <p14:cNvPr id="10" name="잉크 9">
+                <a:extLst>
+                  <a:ext uri="{FF2B5EF4-FFF2-40B4-BE49-F238E27FC236}">
+                    <a16:creationId xmlns:a16="http://schemas.microsoft.com/office/drawing/2014/main" id="{E8E04C21-B957-CA0A-C712-795599A321F0}"/>
+                  </a:ext>
+                </a:extLst>
+              </p14:cNvPr>
+              <p14:cNvContentPartPr/>
+              <p14:nvPr/>
+            </p14:nvContentPartPr>
+            <p14:xfrm>
+              <a:off x="-133112" y="4500441"/>
+              <a:ext cx="360" cy="360"/>
+            </p14:xfrm>
+          </p:contentPart>
+        </mc:Choice>
+        <mc:Fallback>
+          <p:pic>
+            <p:nvPicPr>
+              <p:cNvPr id="10" name="잉크 9">
+                <a:extLst>
+                  <a:ext uri="{FF2B5EF4-FFF2-40B4-BE49-F238E27FC236}">
+                    <a16:creationId xmlns:a16="http://schemas.microsoft.com/office/drawing/2014/main" id="{E8E04C21-B957-CA0A-C712-795599A321F0}"/>
+                  </a:ext>
+                </a:extLst>
+              </p:cNvPr>
+              <p:cNvPicPr/>
+              <p:nvPr/>
+            </p:nvPicPr>
+            <p:blipFill>
+              <a:blip r:embed="rId7"/>
+              <a:stretch>
+                <a:fillRect/>
+              </a:stretch>
+            </p:blipFill>
+            <p:spPr>
+              <a:xfrm>
+                <a:off x="-187112" y="4392441"/>
+                <a:ext cx="108000" cy="216000"/>
+              </a:xfrm>
+              <a:prstGeom prst="rect">
+                <a:avLst/>
+              </a:prstGeom>
+            </p:spPr>
+          </p:pic>
+        </mc:Fallback>
+      </mc:AlternateContent>
     </p:spTree>
     <p:extLst>
       <p:ext uri="{BB962C8B-B14F-4D97-AF65-F5344CB8AC3E}">
-        <p14:creationId xmlns:p14="http://schemas.microsoft.com/office/powerpoint/2010/main" val="1264985717"/>
+        <p14:creationId xmlns:p14="http://schemas.microsoft.com/office/powerpoint/2010/main" val="1432558978"/>
       </p:ext>
     </p:extLst>
   </p:cSld>
@@ -11254,60 +14391,151 @@
           <a:chExt cx="0" cy="0"/>
         </a:xfrm>
       </p:grpSpPr>
-      <p:sp>
-        <p:nvSpPr>
-          <p:cNvPr id="2" name="제목 1">
-            <a:extLst>
-              <a:ext uri="{FF2B5EF4-FFF2-40B4-BE49-F238E27FC236}">
-                <a16:creationId xmlns:a16="http://schemas.microsoft.com/office/drawing/2014/main" id="{800E5261-7BCF-5D65-71C3-EA4211E53C93}"/>
-              </a:ext>
-            </a:extLst>
-          </p:cNvPr>
-          <p:cNvSpPr>
-            <a:spLocks noGrp="1"/>
-          </p:cNvSpPr>
-          <p:nvPr>
-            <p:ph type="title"/>
-          </p:nvPr>
-        </p:nvSpPr>
-        <p:spPr/>
-        <p:txBody>
-          <a:bodyPr/>
-          <a:lstStyle/>
-          <a:p>
-            <a:endParaRPr lang="ko-KR" altLang="en-US"/>
-          </a:p>
-        </p:txBody>
-      </p:sp>
-      <p:sp>
-        <p:nvSpPr>
-          <p:cNvPr id="3" name="내용 개체 틀 2">
-            <a:extLst>
-              <a:ext uri="{FF2B5EF4-FFF2-40B4-BE49-F238E27FC236}">
-                <a16:creationId xmlns:a16="http://schemas.microsoft.com/office/drawing/2014/main" id="{0FFCA0FA-2912-8D8F-2592-5FE53277CB27}"/>
-              </a:ext>
-            </a:extLst>
-          </p:cNvPr>
-          <p:cNvSpPr>
-            <a:spLocks noGrp="1"/>
-          </p:cNvSpPr>
-          <p:nvPr>
-            <p:ph idx="1"/>
-          </p:nvPr>
-        </p:nvSpPr>
-        <p:spPr/>
-        <p:txBody>
-          <a:bodyPr/>
-          <a:lstStyle/>
-          <a:p>
-            <a:endParaRPr lang="ko-KR" altLang="en-US"/>
-          </a:p>
-        </p:txBody>
-      </p:sp>
+      <p:pic>
+        <p:nvPicPr>
+          <p:cNvPr id="4" name="그림 3">
+            <a:extLst>
+              <a:ext uri="{FF2B5EF4-FFF2-40B4-BE49-F238E27FC236}">
+                <a16:creationId xmlns:a16="http://schemas.microsoft.com/office/drawing/2014/main" id="{C0727D52-F22D-E883-D179-3449F9EAF7D2}"/>
+              </a:ext>
+            </a:extLst>
+          </p:cNvPr>
+          <p:cNvPicPr>
+            <a:picLocks noChangeAspect="1"/>
+          </p:cNvPicPr>
+          <p:nvPr/>
+        </p:nvPicPr>
+        <p:blipFill>
+          <a:blip r:embed="rId2"/>
+          <a:stretch>
+            <a:fillRect/>
+          </a:stretch>
+        </p:blipFill>
+        <p:spPr>
+          <a:xfrm>
+            <a:off x="6847240" y="798371"/>
+            <a:ext cx="5465975" cy="5261258"/>
+          </a:xfrm>
+          <a:prstGeom prst="rect">
+            <a:avLst/>
+          </a:prstGeom>
+        </p:spPr>
+      </p:pic>
+      <p:pic>
+        <p:nvPicPr>
+          <p:cNvPr id="6" name="그림 5">
+            <a:extLst>
+              <a:ext uri="{FF2B5EF4-FFF2-40B4-BE49-F238E27FC236}">
+                <a16:creationId xmlns:a16="http://schemas.microsoft.com/office/drawing/2014/main" id="{46D2F162-7C11-F9B3-2F56-07637160B0CB}"/>
+              </a:ext>
+            </a:extLst>
+          </p:cNvPr>
+          <p:cNvPicPr>
+            <a:picLocks noChangeAspect="1"/>
+          </p:cNvPicPr>
+          <p:nvPr/>
+        </p:nvPicPr>
+        <p:blipFill>
+          <a:blip r:embed="rId3"/>
+          <a:stretch>
+            <a:fillRect/>
+          </a:stretch>
+        </p:blipFill>
+        <p:spPr>
+          <a:xfrm>
+            <a:off x="0" y="2280201"/>
+            <a:ext cx="6939420" cy="1935648"/>
+          </a:xfrm>
+          <a:prstGeom prst="rect">
+            <a:avLst/>
+          </a:prstGeom>
+        </p:spPr>
+      </p:pic>
+      <p:pic>
+        <p:nvPicPr>
+          <p:cNvPr id="8" name="그림 7">
+            <a:extLst>
+              <a:ext uri="{FF2B5EF4-FFF2-40B4-BE49-F238E27FC236}">
+                <a16:creationId xmlns:a16="http://schemas.microsoft.com/office/drawing/2014/main" id="{A53B4BC9-090E-BA3A-957B-D36C78FA4DA3}"/>
+              </a:ext>
+            </a:extLst>
+          </p:cNvPr>
+          <p:cNvPicPr>
+            <a:picLocks noChangeAspect="1"/>
+          </p:cNvPicPr>
+          <p:nvPr/>
+        </p:nvPicPr>
+        <p:blipFill>
+          <a:blip r:embed="rId4"/>
+          <a:stretch>
+            <a:fillRect/>
+          </a:stretch>
+        </p:blipFill>
+        <p:spPr>
+          <a:xfrm>
+            <a:off x="66675" y="4215849"/>
+            <a:ext cx="4717189" cy="403895"/>
+          </a:xfrm>
+          <a:prstGeom prst="rect">
+            <a:avLst/>
+          </a:prstGeom>
+        </p:spPr>
+      </p:pic>
+      <mc:AlternateContent xmlns:mc="http://schemas.openxmlformats.org/markup-compatibility/2006">
+        <mc:Choice xmlns:p14="http://schemas.microsoft.com/office/powerpoint/2010/main" Requires="p14">
+          <p:contentPart p14:bwMode="auto" r:id="rId5">
+            <p14:nvContentPartPr>
+              <p14:cNvPr id="9" name="잉크 8">
+                <a:extLst>
+                  <a:ext uri="{FF2B5EF4-FFF2-40B4-BE49-F238E27FC236}">
+                    <a16:creationId xmlns:a16="http://schemas.microsoft.com/office/drawing/2014/main" id="{9059BFCC-A7A7-9F0E-8176-C84CC87125C3}"/>
+                  </a:ext>
+                </a:extLst>
+              </p14:cNvPr>
+              <p14:cNvContentPartPr/>
+              <p14:nvPr/>
+            </p14:nvContentPartPr>
+            <p14:xfrm>
+              <a:off x="522088" y="3619881"/>
+              <a:ext cx="223920" cy="360"/>
+            </p14:xfrm>
+          </p:contentPart>
+        </mc:Choice>
+        <mc:Fallback>
+          <p:pic>
+            <p:nvPicPr>
+              <p:cNvPr id="9" name="잉크 8">
+                <a:extLst>
+                  <a:ext uri="{FF2B5EF4-FFF2-40B4-BE49-F238E27FC236}">
+                    <a16:creationId xmlns:a16="http://schemas.microsoft.com/office/drawing/2014/main" id="{9059BFCC-A7A7-9F0E-8176-C84CC87125C3}"/>
+                  </a:ext>
+                </a:extLst>
+              </p:cNvPr>
+              <p:cNvPicPr/>
+              <p:nvPr/>
+            </p:nvPicPr>
+            <p:blipFill>
+              <a:blip r:embed="rId6"/>
+              <a:stretch>
+                <a:fillRect/>
+              </a:stretch>
+            </p:blipFill>
+            <p:spPr>
+              <a:xfrm>
+                <a:off x="468448" y="3512241"/>
+                <a:ext cx="331560" cy="216000"/>
+              </a:xfrm>
+              <a:prstGeom prst="rect">
+                <a:avLst/>
+              </a:prstGeom>
+            </p:spPr>
+          </p:pic>
+        </mc:Fallback>
+      </mc:AlternateContent>
     </p:spTree>
     <p:extLst>
       <p:ext uri="{BB962C8B-B14F-4D97-AF65-F5344CB8AC3E}">
-        <p14:creationId xmlns:p14="http://schemas.microsoft.com/office/powerpoint/2010/main" val="4293258091"/>
+        <p14:creationId xmlns:p14="http://schemas.microsoft.com/office/powerpoint/2010/main" val="549253138"/>
       </p:ext>
     </p:extLst>
   </p:cSld>
@@ -11334,60 +14562,211 @@
           <a:chExt cx="0" cy="0"/>
         </a:xfrm>
       </p:grpSpPr>
+      <p:pic>
+        <p:nvPicPr>
+          <p:cNvPr id="6" name="그림 5">
+            <a:extLst>
+              <a:ext uri="{FF2B5EF4-FFF2-40B4-BE49-F238E27FC236}">
+                <a16:creationId xmlns:a16="http://schemas.microsoft.com/office/drawing/2014/main" id="{4F3ED296-3A1E-8AB5-88B9-9DB56152CD7D}"/>
+              </a:ext>
+            </a:extLst>
+          </p:cNvPr>
+          <p:cNvPicPr>
+            <a:picLocks noChangeAspect="1"/>
+          </p:cNvPicPr>
+          <p:nvPr/>
+        </p:nvPicPr>
+        <p:blipFill>
+          <a:blip r:embed="rId2"/>
+          <a:stretch>
+            <a:fillRect/>
+          </a:stretch>
+        </p:blipFill>
+        <p:spPr>
+          <a:xfrm>
+            <a:off x="8105776" y="-227397"/>
+            <a:ext cx="3852164" cy="7085397"/>
+          </a:xfrm>
+          <a:prstGeom prst="rect">
+            <a:avLst/>
+          </a:prstGeom>
+        </p:spPr>
+      </p:pic>
+      <p:pic>
+        <p:nvPicPr>
+          <p:cNvPr id="8" name="그림 7">
+            <a:extLst>
+              <a:ext uri="{FF2B5EF4-FFF2-40B4-BE49-F238E27FC236}">
+                <a16:creationId xmlns:a16="http://schemas.microsoft.com/office/drawing/2014/main" id="{7067BABA-AE4E-5512-4BA3-9B094270240C}"/>
+              </a:ext>
+            </a:extLst>
+          </p:cNvPr>
+          <p:cNvPicPr>
+            <a:picLocks noChangeAspect="1"/>
+          </p:cNvPicPr>
+          <p:nvPr/>
+        </p:nvPicPr>
+        <p:blipFill>
+          <a:blip r:embed="rId3"/>
+          <a:stretch>
+            <a:fillRect/>
+          </a:stretch>
+        </p:blipFill>
+        <p:spPr>
+          <a:xfrm>
+            <a:off x="1140548" y="2120141"/>
+            <a:ext cx="6340389" cy="2827265"/>
+          </a:xfrm>
+          <a:prstGeom prst="rect">
+            <a:avLst/>
+          </a:prstGeom>
+        </p:spPr>
+      </p:pic>
       <p:sp>
         <p:nvSpPr>
-          <p:cNvPr id="2" name="제목 1">
-            <a:extLst>
-              <a:ext uri="{FF2B5EF4-FFF2-40B4-BE49-F238E27FC236}">
-                <a16:creationId xmlns:a16="http://schemas.microsoft.com/office/drawing/2014/main" id="{6D92C2E5-02B9-7FAF-596A-A8D622885A59}"/>
-              </a:ext>
-            </a:extLst>
-          </p:cNvPr>
-          <p:cNvSpPr>
-            <a:spLocks noGrp="1"/>
-          </p:cNvSpPr>
-          <p:nvPr>
-            <p:ph type="title"/>
-          </p:nvPr>
+          <p:cNvPr id="9" name="TextBox 8">
+            <a:extLst>
+              <a:ext uri="{FF2B5EF4-FFF2-40B4-BE49-F238E27FC236}">
+                <a16:creationId xmlns:a16="http://schemas.microsoft.com/office/drawing/2014/main" id="{A1812FF9-CA54-5085-6339-53867333CADF}"/>
+              </a:ext>
+            </a:extLst>
+          </p:cNvPr>
+          <p:cNvSpPr txBox="1"/>
+          <p:nvPr/>
         </p:nvSpPr>
-        <p:spPr/>
+        <p:spPr>
+          <a:xfrm>
+            <a:off x="7667194" y="1599117"/>
+            <a:ext cx="877163" cy="369332"/>
+          </a:xfrm>
+          <a:prstGeom prst="rect">
+            <a:avLst/>
+          </a:prstGeom>
+          <a:noFill/>
+        </p:spPr>
         <p:txBody>
-          <a:bodyPr/>
+          <a:bodyPr wrap="none" rtlCol="0">
+            <a:spAutoFit/>
+          </a:bodyPr>
           <a:lstStyle/>
           <a:p>
-            <a:endParaRPr lang="ko-KR" altLang="en-US"/>
+            <a:r>
+              <a:rPr lang="ko-KR" altLang="en-US" dirty="0"/>
+              <a:t>사망률</a:t>
+            </a:r>
           </a:p>
         </p:txBody>
       </p:sp>
       <p:sp>
         <p:nvSpPr>
-          <p:cNvPr id="3" name="내용 개체 틀 2">
-            <a:extLst>
-              <a:ext uri="{FF2B5EF4-FFF2-40B4-BE49-F238E27FC236}">
-                <a16:creationId xmlns:a16="http://schemas.microsoft.com/office/drawing/2014/main" id="{14822710-A72E-9F1F-A32B-3DE1F20EE448}"/>
-              </a:ext>
-            </a:extLst>
-          </p:cNvPr>
-          <p:cNvSpPr>
-            <a:spLocks noGrp="1"/>
-          </p:cNvSpPr>
-          <p:nvPr>
-            <p:ph idx="1"/>
-          </p:nvPr>
+          <p:cNvPr id="10" name="TextBox 9">
+            <a:extLst>
+              <a:ext uri="{FF2B5EF4-FFF2-40B4-BE49-F238E27FC236}">
+                <a16:creationId xmlns:a16="http://schemas.microsoft.com/office/drawing/2014/main" id="{1A2D5D4F-2256-87B3-FF55-D095CE30CC25}"/>
+              </a:ext>
+            </a:extLst>
+          </p:cNvPr>
+          <p:cNvSpPr txBox="1"/>
+          <p:nvPr/>
         </p:nvSpPr>
-        <p:spPr/>
+        <p:spPr>
+          <a:xfrm>
+            <a:off x="9652728" y="3294619"/>
+            <a:ext cx="877163" cy="369332"/>
+          </a:xfrm>
+          <a:prstGeom prst="rect">
+            <a:avLst/>
+          </a:prstGeom>
+          <a:noFill/>
+        </p:spPr>
         <p:txBody>
-          <a:bodyPr/>
+          <a:bodyPr wrap="none" rtlCol="0">
+            <a:spAutoFit/>
+          </a:bodyPr>
           <a:lstStyle/>
           <a:p>
-            <a:endParaRPr lang="ko-KR" altLang="en-US"/>
+            <a:r>
+              <a:rPr lang="ko-KR" altLang="en-US" dirty="0" err="1"/>
+              <a:t>검사률</a:t>
+            </a:r>
+            <a:endParaRPr lang="ko-KR" altLang="en-US" dirty="0"/>
+          </a:p>
+        </p:txBody>
+      </p:sp>
+      <p:sp>
+        <p:nvSpPr>
+          <p:cNvPr id="11" name="TextBox 10">
+            <a:extLst>
+              <a:ext uri="{FF2B5EF4-FFF2-40B4-BE49-F238E27FC236}">
+                <a16:creationId xmlns:a16="http://schemas.microsoft.com/office/drawing/2014/main" id="{9235CEF8-9E32-4062-A3D7-57911EF90342}"/>
+              </a:ext>
+            </a:extLst>
+          </p:cNvPr>
+          <p:cNvSpPr txBox="1"/>
+          <p:nvPr/>
+        </p:nvSpPr>
+        <p:spPr>
+          <a:xfrm>
+            <a:off x="7667194" y="5074217"/>
+            <a:ext cx="877163" cy="369332"/>
+          </a:xfrm>
+          <a:prstGeom prst="rect">
+            <a:avLst/>
+          </a:prstGeom>
+          <a:noFill/>
+        </p:spPr>
+        <p:txBody>
+          <a:bodyPr wrap="none" rtlCol="0">
+            <a:spAutoFit/>
+          </a:bodyPr>
+          <a:lstStyle/>
+          <a:p>
+            <a:r>
+              <a:rPr lang="ko-KR" altLang="en-US" dirty="0"/>
+              <a:t>감염률</a:t>
+            </a:r>
+          </a:p>
+        </p:txBody>
+      </p:sp>
+      <p:sp>
+        <p:nvSpPr>
+          <p:cNvPr id="12" name="TextBox 11">
+            <a:extLst>
+              <a:ext uri="{FF2B5EF4-FFF2-40B4-BE49-F238E27FC236}">
+                <a16:creationId xmlns:a16="http://schemas.microsoft.com/office/drawing/2014/main" id="{178ACF80-C02D-3CEA-3387-C950D1CEEB9F}"/>
+              </a:ext>
+            </a:extLst>
+          </p:cNvPr>
+          <p:cNvSpPr txBox="1"/>
+          <p:nvPr/>
+        </p:nvSpPr>
+        <p:spPr>
+          <a:xfrm>
+            <a:off x="9671144" y="6293417"/>
+            <a:ext cx="1107996" cy="369332"/>
+          </a:xfrm>
+          <a:prstGeom prst="rect">
+            <a:avLst/>
+          </a:prstGeom>
+          <a:noFill/>
+        </p:spPr>
+        <p:txBody>
+          <a:bodyPr wrap="none" rtlCol="0">
+            <a:spAutoFit/>
+          </a:bodyPr>
+          <a:lstStyle/>
+          <a:p>
+            <a:r>
+              <a:rPr lang="ko-KR" altLang="en-US" dirty="0"/>
+              <a:t>인구밀도</a:t>
+            </a:r>
           </a:p>
         </p:txBody>
       </p:sp>
     </p:spTree>
     <p:extLst>
       <p:ext uri="{BB962C8B-B14F-4D97-AF65-F5344CB8AC3E}">
-        <p14:creationId xmlns:p14="http://schemas.microsoft.com/office/powerpoint/2010/main" val="3315468992"/>
+        <p14:creationId xmlns:p14="http://schemas.microsoft.com/office/powerpoint/2010/main" val="2460219594"/>
       </p:ext>
     </p:extLst>
   </p:cSld>

--- a/jhoon/코로나데이터 발표자료.pptx
+++ b/jhoon/코로나데이터 발표자료.pptx
@@ -5,7 +5,7 @@
     <p:sldMasterId id="2147483648" r:id="rId1"/>
   </p:sldMasterIdLst>
   <p:notesMasterIdLst>
-    <p:notesMasterId r:id="rId21"/>
+    <p:notesMasterId r:id="rId22"/>
   </p:notesMasterIdLst>
   <p:sldIdLst>
     <p:sldId id="256" r:id="rId2"/>
@@ -17,16 +17,17 @@
     <p:sldId id="272" r:id="rId8"/>
     <p:sldId id="273" r:id="rId9"/>
     <p:sldId id="274" r:id="rId10"/>
-    <p:sldId id="276" r:id="rId11"/>
-    <p:sldId id="275" r:id="rId12"/>
+    <p:sldId id="275" r:id="rId11"/>
+    <p:sldId id="276" r:id="rId12"/>
     <p:sldId id="277" r:id="rId13"/>
     <p:sldId id="259" r:id="rId14"/>
     <p:sldId id="262" r:id="rId15"/>
     <p:sldId id="279" r:id="rId16"/>
-    <p:sldId id="260" r:id="rId17"/>
-    <p:sldId id="257" r:id="rId18"/>
+    <p:sldId id="281" r:id="rId17"/>
+    <p:sldId id="260" r:id="rId18"/>
     <p:sldId id="280" r:id="rId19"/>
-    <p:sldId id="278" r:id="rId20"/>
+    <p:sldId id="282" r:id="rId20"/>
+    <p:sldId id="278" r:id="rId21"/>
   </p:sldIdLst>
   <p:sldSz cx="12192000" cy="6858000"/>
   <p:notesSz cx="6858000" cy="9144000"/>
@@ -3794,6 +3795,35 @@
 </inkml:ink>
 </file>
 
+<file path=ppt/ink/ink11.xml><?xml version="1.0" encoding="utf-8"?>
+<inkml:ink xmlns:inkml="http://www.w3.org/2003/InkML">
+  <inkml:definitions>
+    <inkml:context xml:id="ctx0">
+      <inkml:inkSource xml:id="inkSrc0">
+        <inkml:traceFormat>
+          <inkml:channel name="X" type="integer" min="-2.14748E9" max="2.14748E9" units="cm"/>
+          <inkml:channel name="Y" type="integer" min="-2.14748E9" max="2.14748E9" units="cm"/>
+        </inkml:traceFormat>
+        <inkml:channelProperties>
+          <inkml:channelProperty channel="X" name="resolution" value="1000" units="1/cm"/>
+          <inkml:channelProperty channel="Y" name="resolution" value="1000" units="1/cm"/>
+        </inkml:channelProperties>
+      </inkml:inkSource>
+      <inkml:timestamp xml:id="ts0" timeString="2023-03-02T00:52:58.833"/>
+    </inkml:context>
+    <inkml:brush xml:id="br0">
+      <inkml:brushProperty name="width" value="0.3" units="cm"/>
+      <inkml:brushProperty name="height" value="0.6" units="cm"/>
+      <inkml:brushProperty name="color" value="#FFFC00"/>
+      <inkml:brushProperty name="tip" value="rectangle"/>
+      <inkml:brushProperty name="rasterOp" value="maskPen"/>
+      <inkml:brushProperty name="ignorePressure" value="1"/>
+    </inkml:brush>
+  </inkml:definitions>
+  <inkml:trace contextRef="#ctx0" brushRef="#br0">0 0,'0'0</inkml:trace>
+</inkml:ink>
+</file>
+
 <file path=ppt/ink/ink2.xml><?xml version="1.0" encoding="utf-8"?>
 <inkml:ink xmlns:inkml="http://www.w3.org/2003/InkML">
   <inkml:definitions>
@@ -8259,42 +8289,12 @@
           <a:chExt cx="0" cy="0"/>
         </a:xfrm>
       </p:grpSpPr>
-      <p:pic>
-        <p:nvPicPr>
-          <p:cNvPr id="5" name="그림 4">
-            <a:extLst>
-              <a:ext uri="{FF2B5EF4-FFF2-40B4-BE49-F238E27FC236}">
-                <a16:creationId xmlns:a16="http://schemas.microsoft.com/office/drawing/2014/main" id="{E2DFE718-CF2C-3110-77F8-420B1E19A17F}"/>
-              </a:ext>
-            </a:extLst>
-          </p:cNvPr>
-          <p:cNvPicPr>
-            <a:picLocks noChangeAspect="1"/>
-          </p:cNvPicPr>
-          <p:nvPr/>
-        </p:nvPicPr>
-        <p:blipFill>
-          <a:blip r:embed="rId2"/>
-          <a:stretch>
-            <a:fillRect/>
-          </a:stretch>
-        </p:blipFill>
-        <p:spPr>
-          <a:xfrm>
-            <a:off x="587576" y="1165655"/>
-            <a:ext cx="11016848" cy="5692345"/>
-          </a:xfrm>
-          <a:prstGeom prst="rect">
-            <a:avLst/>
-          </a:prstGeom>
-        </p:spPr>
-      </p:pic>
       <p:sp>
         <p:nvSpPr>
-          <p:cNvPr id="6" name="직사각형 5">
-            <a:extLst>
-              <a:ext uri="{FF2B5EF4-FFF2-40B4-BE49-F238E27FC236}">
-                <a16:creationId xmlns:a16="http://schemas.microsoft.com/office/drawing/2014/main" id="{F8BAA320-15E3-F5C8-8969-202160F292B3}"/>
+          <p:cNvPr id="7" name="직사각형 6">
+            <a:extLst>
+              <a:ext uri="{FF2B5EF4-FFF2-40B4-BE49-F238E27FC236}">
+                <a16:creationId xmlns:a16="http://schemas.microsoft.com/office/drawing/2014/main" id="{2C2BD47F-1AC0-6169-81F3-939098BAD3ED}"/>
               </a:ext>
             </a:extLst>
           </p:cNvPr>
@@ -8303,232 +8303,8 @@
         </p:nvSpPr>
         <p:spPr>
           <a:xfrm>
-            <a:off x="7475829" y="1300290"/>
-            <a:ext cx="1194559" cy="400110"/>
-          </a:xfrm>
-          <a:prstGeom prst="rect">
-            <a:avLst/>
-          </a:prstGeom>
-          <a:noFill/>
-        </p:spPr>
-        <p:txBody>
-          <a:bodyPr wrap="none" lIns="91440" tIns="45720" rIns="91440" bIns="45720">
-            <a:spAutoFit/>
-          </a:bodyPr>
-          <a:lstStyle/>
-          <a:p>
-            <a:pPr algn="ctr"/>
-            <a:r>
-              <a:rPr lang="ko-KR" altLang="en-US" sz="2000" b="0" cap="none" spc="0" dirty="0">
-                <a:ln w="0"/>
-                <a:solidFill>
-                  <a:srgbClr val="FF0000"/>
-                </a:solidFill>
-                <a:effectLst>
-                  <a:outerShdw blurRad="38100" dist="19050" dir="2700000" algn="tl" rotWithShape="0">
-                    <a:schemeClr val="dk1">
-                      <a:alpha val="40000"/>
-                    </a:schemeClr>
-                  </a:outerShdw>
-                </a:effectLst>
-              </a:rPr>
-              <a:t>상위</a:t>
-            </a:r>
-            <a:r>
-              <a:rPr lang="en-US" altLang="ko-KR" sz="2000" b="0" cap="none" spc="0" dirty="0">
-                <a:ln w="0"/>
-                <a:solidFill>
-                  <a:srgbClr val="FF0000"/>
-                </a:solidFill>
-                <a:effectLst>
-                  <a:outerShdw blurRad="38100" dist="19050" dir="2700000" algn="tl" rotWithShape="0">
-                    <a:schemeClr val="dk1">
-                      <a:alpha val="40000"/>
-                    </a:schemeClr>
-                  </a:outerShdw>
-                </a:effectLst>
-              </a:rPr>
-              <a:t>33%</a:t>
-            </a:r>
-          </a:p>
-        </p:txBody>
-      </p:sp>
-      <p:sp>
-        <p:nvSpPr>
-          <p:cNvPr id="7" name="직사각형 6">
-            <a:extLst>
-              <a:ext uri="{FF2B5EF4-FFF2-40B4-BE49-F238E27FC236}">
-                <a16:creationId xmlns:a16="http://schemas.microsoft.com/office/drawing/2014/main" id="{63BF0E24-494E-8894-D4FB-84691C058CB4}"/>
-              </a:ext>
-            </a:extLst>
-          </p:cNvPr>
-          <p:cNvSpPr/>
-          <p:nvPr/>
-        </p:nvSpPr>
-        <p:spPr>
-          <a:xfrm>
-            <a:off x="7475829" y="1575292"/>
-            <a:ext cx="1194559" cy="400110"/>
-          </a:xfrm>
-          <a:prstGeom prst="rect">
-            <a:avLst/>
-          </a:prstGeom>
-          <a:noFill/>
-        </p:spPr>
-        <p:txBody>
-          <a:bodyPr wrap="none" lIns="91440" tIns="45720" rIns="91440" bIns="45720">
-            <a:spAutoFit/>
-          </a:bodyPr>
-          <a:lstStyle/>
-          <a:p>
-            <a:pPr algn="ctr"/>
-            <a:r>
-              <a:rPr lang="ko-KR" altLang="en-US" sz="2000" dirty="0">
-                <a:ln w="0"/>
-                <a:solidFill>
-                  <a:srgbClr val="FFFF00"/>
-                </a:solidFill>
-                <a:effectLst>
-                  <a:outerShdw blurRad="38100" dist="19050" dir="2700000" algn="tl" rotWithShape="0">
-                    <a:schemeClr val="dk1">
-                      <a:alpha val="40000"/>
-                    </a:schemeClr>
-                  </a:outerShdw>
-                </a:effectLst>
-              </a:rPr>
-              <a:t>중</a:t>
-            </a:r>
-            <a:r>
-              <a:rPr lang="ko-KR" altLang="en-US" sz="2000" b="0" cap="none" spc="0" dirty="0">
-                <a:ln w="0"/>
-                <a:solidFill>
-                  <a:srgbClr val="FFFF00"/>
-                </a:solidFill>
-                <a:effectLst>
-                  <a:outerShdw blurRad="38100" dist="19050" dir="2700000" algn="tl" rotWithShape="0">
-                    <a:schemeClr val="dk1">
-                      <a:alpha val="40000"/>
-                    </a:schemeClr>
-                  </a:outerShdw>
-                </a:effectLst>
-              </a:rPr>
-              <a:t>위</a:t>
-            </a:r>
-            <a:r>
-              <a:rPr lang="en-US" altLang="ko-KR" sz="2000" b="0" cap="none" spc="0" dirty="0">
-                <a:ln w="0"/>
-                <a:solidFill>
-                  <a:srgbClr val="FFFF00"/>
-                </a:solidFill>
-                <a:effectLst>
-                  <a:outerShdw blurRad="38100" dist="19050" dir="2700000" algn="tl" rotWithShape="0">
-                    <a:schemeClr val="dk1">
-                      <a:alpha val="40000"/>
-                    </a:schemeClr>
-                  </a:outerShdw>
-                </a:effectLst>
-              </a:rPr>
-              <a:t>33%</a:t>
-            </a:r>
-          </a:p>
-        </p:txBody>
-      </p:sp>
-      <p:sp>
-        <p:nvSpPr>
-          <p:cNvPr id="8" name="직사각형 7">
-            <a:extLst>
-              <a:ext uri="{FF2B5EF4-FFF2-40B4-BE49-F238E27FC236}">
-                <a16:creationId xmlns:a16="http://schemas.microsoft.com/office/drawing/2014/main" id="{3409560F-787F-72AF-F5A2-4DD75B3C2A9D}"/>
-              </a:ext>
-            </a:extLst>
-          </p:cNvPr>
-          <p:cNvSpPr/>
-          <p:nvPr/>
-        </p:nvSpPr>
-        <p:spPr>
-          <a:xfrm>
-            <a:off x="7475829" y="1850294"/>
-            <a:ext cx="1194559" cy="400110"/>
-          </a:xfrm>
-          <a:prstGeom prst="rect">
-            <a:avLst/>
-          </a:prstGeom>
-          <a:noFill/>
-        </p:spPr>
-        <p:txBody>
-          <a:bodyPr wrap="none" lIns="91440" tIns="45720" rIns="91440" bIns="45720">
-            <a:spAutoFit/>
-          </a:bodyPr>
-          <a:lstStyle/>
-          <a:p>
-            <a:pPr algn="ctr"/>
-            <a:r>
-              <a:rPr lang="ko-KR" altLang="en-US" sz="2000" dirty="0">
-                <a:ln w="0"/>
-                <a:solidFill>
-                  <a:srgbClr val="0070C0"/>
-                </a:solidFill>
-                <a:effectLst>
-                  <a:outerShdw blurRad="38100" dist="19050" dir="2700000" algn="tl" rotWithShape="0">
-                    <a:schemeClr val="dk1">
-                      <a:alpha val="40000"/>
-                    </a:schemeClr>
-                  </a:outerShdw>
-                </a:effectLst>
-              </a:rPr>
-              <a:t>하</a:t>
-            </a:r>
-            <a:r>
-              <a:rPr lang="ko-KR" altLang="en-US" sz="2000" b="0" cap="none" spc="0" dirty="0">
-                <a:ln w="0"/>
-                <a:solidFill>
-                  <a:srgbClr val="0070C0"/>
-                </a:solidFill>
-                <a:effectLst>
-                  <a:outerShdw blurRad="38100" dist="19050" dir="2700000" algn="tl" rotWithShape="0">
-                    <a:schemeClr val="dk1">
-                      <a:alpha val="40000"/>
-                    </a:schemeClr>
-                  </a:outerShdw>
-                </a:effectLst>
-              </a:rPr>
-              <a:t>위</a:t>
-            </a:r>
-            <a:r>
-              <a:rPr lang="en-US" altLang="ko-KR" sz="2000" b="0" cap="none" spc="0" dirty="0">
-                <a:ln w="0"/>
-                <a:solidFill>
-                  <a:srgbClr val="0070C0"/>
-                </a:solidFill>
-                <a:effectLst>
-                  <a:outerShdw blurRad="38100" dist="19050" dir="2700000" algn="tl" rotWithShape="0">
-                    <a:schemeClr val="dk1">
-                      <a:alpha val="40000"/>
-                    </a:schemeClr>
-                  </a:outerShdw>
-                </a:effectLst>
-              </a:rPr>
-              <a:t>33%</a:t>
-            </a:r>
-          </a:p>
-        </p:txBody>
-      </p:sp>
-      <p:sp>
-        <p:nvSpPr>
-          <p:cNvPr id="9" name="직사각형 8">
-            <a:extLst>
-              <a:ext uri="{FF2B5EF4-FFF2-40B4-BE49-F238E27FC236}">
-                <a16:creationId xmlns:a16="http://schemas.microsoft.com/office/drawing/2014/main" id="{891EBF99-84B5-C39F-BDBE-7782C9F67669}"/>
-              </a:ext>
-            </a:extLst>
-          </p:cNvPr>
-          <p:cNvSpPr/>
-          <p:nvPr/>
-        </p:nvSpPr>
-        <p:spPr>
-          <a:xfrm>
-            <a:off x="3825742" y="117218"/>
-            <a:ext cx="4583306" cy="923330"/>
+            <a:off x="3071497" y="-12325"/>
+            <a:ext cx="6050054" cy="923330"/>
           </a:xfrm>
           <a:prstGeom prst="rect">
             <a:avLst/>
@@ -8561,10 +8337,10 @@
                   </a:outerShdw>
                 </a:effectLst>
               </a:rPr>
-              <a:t>사망률 </a:t>
-            </a:r>
-            <a:r>
-              <a:rPr lang="ko-KR" altLang="en-US" sz="5400" b="1" cap="none" spc="0" dirty="0" err="1">
+              <a:t>감염률 </a:t>
+            </a:r>
+            <a:r>
+              <a:rPr lang="en-US" altLang="ko-KR" sz="5400" b="1" cap="none" spc="0" dirty="0">
                 <a:ln w="9525">
                   <a:solidFill>
                     <a:schemeClr val="bg1"/>
@@ -8582,7 +8358,28 @@
                   </a:outerShdw>
                 </a:effectLst>
               </a:rPr>
-              <a:t>검사률</a:t>
+              <a:t>-</a:t>
+            </a:r>
+            <a:r>
+              <a:rPr lang="ko-KR" altLang="en-US" sz="5400" b="1" cap="none" spc="0" dirty="0">
+                <a:ln w="9525">
+                  <a:solidFill>
+                    <a:schemeClr val="bg1"/>
+                  </a:solidFill>
+                  <a:prstDash val="solid"/>
+                </a:ln>
+                <a:solidFill>
+                  <a:schemeClr val="tx1"/>
+                </a:solidFill>
+                <a:effectLst>
+                  <a:outerShdw blurRad="12700" dist="38100" dir="2700000" algn="tl" rotWithShape="0">
+                    <a:schemeClr val="bg1">
+                      <a:lumMod val="50000"/>
+                    </a:schemeClr>
+                  </a:outerShdw>
+                </a:effectLst>
+              </a:rPr>
+              <a:t> 인구밀도 </a:t>
             </a:r>
             <a:endParaRPr lang="en-US" altLang="ko-KR" sz="5400" b="1" cap="none" spc="0" dirty="0">
               <a:ln w="9525">
@@ -8607,11 +8404,425 @@
       </p:sp>
       <p:sp>
         <p:nvSpPr>
-          <p:cNvPr id="10" name="실행 단추: 끝으로 이동 9">
+          <p:cNvPr id="11" name="직사각형 10">
+            <a:extLst>
+              <a:ext uri="{FF2B5EF4-FFF2-40B4-BE49-F238E27FC236}">
+                <a16:creationId xmlns:a16="http://schemas.microsoft.com/office/drawing/2014/main" id="{BFA7F627-52CB-D3B9-BD81-D423D0B8101A}"/>
+              </a:ext>
+            </a:extLst>
+          </p:cNvPr>
+          <p:cNvSpPr/>
+          <p:nvPr/>
+        </p:nvSpPr>
+        <p:spPr>
+          <a:xfrm>
+            <a:off x="3750451" y="1895738"/>
+            <a:ext cx="1194559" cy="400110"/>
+          </a:xfrm>
+          <a:prstGeom prst="rect">
+            <a:avLst/>
+          </a:prstGeom>
+          <a:noFill/>
+        </p:spPr>
+        <p:txBody>
+          <a:bodyPr wrap="none" lIns="91440" tIns="45720" rIns="91440" bIns="45720">
+            <a:spAutoFit/>
+          </a:bodyPr>
+          <a:lstStyle/>
+          <a:p>
+            <a:pPr algn="ctr"/>
+            <a:r>
+              <a:rPr lang="ko-KR" altLang="en-US" sz="2000" dirty="0">
+                <a:ln w="0"/>
+                <a:solidFill>
+                  <a:srgbClr val="FFFF00"/>
+                </a:solidFill>
+                <a:effectLst>
+                  <a:outerShdw blurRad="38100" dist="19050" dir="2700000" algn="tl" rotWithShape="0">
+                    <a:schemeClr val="dk1">
+                      <a:alpha val="40000"/>
+                    </a:schemeClr>
+                  </a:outerShdw>
+                </a:effectLst>
+              </a:rPr>
+              <a:t>중</a:t>
+            </a:r>
+            <a:r>
+              <a:rPr lang="ko-KR" altLang="en-US" sz="2000" b="0" cap="none" spc="0" dirty="0">
+                <a:ln w="0"/>
+                <a:solidFill>
+                  <a:srgbClr val="FFFF00"/>
+                </a:solidFill>
+                <a:effectLst>
+                  <a:outerShdw blurRad="38100" dist="19050" dir="2700000" algn="tl" rotWithShape="0">
+                    <a:schemeClr val="dk1">
+                      <a:alpha val="40000"/>
+                    </a:schemeClr>
+                  </a:outerShdw>
+                </a:effectLst>
+              </a:rPr>
+              <a:t>위</a:t>
+            </a:r>
+            <a:r>
+              <a:rPr lang="en-US" altLang="ko-KR" sz="2000" b="0" cap="none" spc="0" dirty="0">
+                <a:ln w="0"/>
+                <a:solidFill>
+                  <a:srgbClr val="FFFF00"/>
+                </a:solidFill>
+                <a:effectLst>
+                  <a:outerShdw blurRad="38100" dist="19050" dir="2700000" algn="tl" rotWithShape="0">
+                    <a:schemeClr val="dk1">
+                      <a:alpha val="40000"/>
+                    </a:schemeClr>
+                  </a:outerShdw>
+                </a:effectLst>
+              </a:rPr>
+              <a:t>33%</a:t>
+            </a:r>
+          </a:p>
+        </p:txBody>
+      </p:sp>
+      <p:sp>
+        <p:nvSpPr>
+          <p:cNvPr id="12" name="직사각형 11">
+            <a:extLst>
+              <a:ext uri="{FF2B5EF4-FFF2-40B4-BE49-F238E27FC236}">
+                <a16:creationId xmlns:a16="http://schemas.microsoft.com/office/drawing/2014/main" id="{31479CA2-8280-1916-4F58-63B87159D11B}"/>
+              </a:ext>
+            </a:extLst>
+          </p:cNvPr>
+          <p:cNvSpPr/>
+          <p:nvPr/>
+        </p:nvSpPr>
+        <p:spPr>
+          <a:xfrm>
+            <a:off x="4082479" y="2195527"/>
+            <a:ext cx="1194559" cy="400110"/>
+          </a:xfrm>
+          <a:prstGeom prst="rect">
+            <a:avLst/>
+          </a:prstGeom>
+          <a:noFill/>
+        </p:spPr>
+        <p:txBody>
+          <a:bodyPr wrap="none" lIns="91440" tIns="45720" rIns="91440" bIns="45720">
+            <a:spAutoFit/>
+          </a:bodyPr>
+          <a:lstStyle/>
+          <a:p>
+            <a:pPr algn="ctr"/>
+            <a:r>
+              <a:rPr lang="ko-KR" altLang="en-US" sz="2000" dirty="0">
+                <a:ln w="0"/>
+                <a:solidFill>
+                  <a:srgbClr val="0070C0"/>
+                </a:solidFill>
+                <a:effectLst>
+                  <a:outerShdw blurRad="38100" dist="19050" dir="2700000" algn="tl" rotWithShape="0">
+                    <a:schemeClr val="dk1">
+                      <a:alpha val="40000"/>
+                    </a:schemeClr>
+                  </a:outerShdw>
+                </a:effectLst>
+              </a:rPr>
+              <a:t>하</a:t>
+            </a:r>
+            <a:r>
+              <a:rPr lang="ko-KR" altLang="en-US" sz="2000" b="0" cap="none" spc="0" dirty="0">
+                <a:ln w="0"/>
+                <a:solidFill>
+                  <a:srgbClr val="0070C0"/>
+                </a:solidFill>
+                <a:effectLst>
+                  <a:outerShdw blurRad="38100" dist="19050" dir="2700000" algn="tl" rotWithShape="0">
+                    <a:schemeClr val="dk1">
+                      <a:alpha val="40000"/>
+                    </a:schemeClr>
+                  </a:outerShdw>
+                </a:effectLst>
+              </a:rPr>
+              <a:t>위</a:t>
+            </a:r>
+            <a:r>
+              <a:rPr lang="en-US" altLang="ko-KR" sz="2000" b="0" cap="none" spc="0" dirty="0">
+                <a:ln w="0"/>
+                <a:solidFill>
+                  <a:srgbClr val="0070C0"/>
+                </a:solidFill>
+                <a:effectLst>
+                  <a:outerShdw blurRad="38100" dist="19050" dir="2700000" algn="tl" rotWithShape="0">
+                    <a:schemeClr val="dk1">
+                      <a:alpha val="40000"/>
+                    </a:schemeClr>
+                  </a:outerShdw>
+                </a:effectLst>
+              </a:rPr>
+              <a:t>33%</a:t>
+            </a:r>
+          </a:p>
+        </p:txBody>
+      </p:sp>
+      <p:pic>
+        <p:nvPicPr>
+          <p:cNvPr id="13" name="그림 12">
+            <a:extLst>
+              <a:ext uri="{FF2B5EF4-FFF2-40B4-BE49-F238E27FC236}">
+                <a16:creationId xmlns:a16="http://schemas.microsoft.com/office/drawing/2014/main" id="{59B76742-8800-C076-6BAA-7A57376DC6CC}"/>
+              </a:ext>
+            </a:extLst>
+          </p:cNvPr>
+          <p:cNvPicPr>
+            <a:picLocks noChangeAspect="1"/>
+          </p:cNvPicPr>
+          <p:nvPr/>
+        </p:nvPicPr>
+        <p:blipFill>
+          <a:blip r:embed="rId2"/>
+          <a:stretch>
+            <a:fillRect/>
+          </a:stretch>
+        </p:blipFill>
+        <p:spPr>
+          <a:xfrm>
+            <a:off x="714053" y="1043752"/>
+            <a:ext cx="10763893" cy="5817320"/>
+          </a:xfrm>
+          <a:prstGeom prst="rect">
+            <a:avLst/>
+          </a:prstGeom>
+        </p:spPr>
+      </p:pic>
+      <p:sp>
+        <p:nvSpPr>
+          <p:cNvPr id="15" name="직사각형 14">
+            <a:extLst>
+              <a:ext uri="{FF2B5EF4-FFF2-40B4-BE49-F238E27FC236}">
+                <a16:creationId xmlns:a16="http://schemas.microsoft.com/office/drawing/2014/main" id="{11A1D76A-475D-B105-6ED5-AD9807C6582C}"/>
+              </a:ext>
+            </a:extLst>
+          </p:cNvPr>
+          <p:cNvSpPr/>
+          <p:nvPr/>
+        </p:nvSpPr>
+        <p:spPr>
+          <a:xfrm>
+            <a:off x="7919443" y="1612476"/>
+            <a:ext cx="1452039" cy="369332"/>
+          </a:xfrm>
+          <a:prstGeom prst="rect">
+            <a:avLst/>
+          </a:prstGeom>
+          <a:noFill/>
+        </p:spPr>
+        <p:txBody>
+          <a:bodyPr wrap="square" lIns="91440" tIns="45720" rIns="91440" bIns="45720">
+            <a:spAutoFit/>
+          </a:bodyPr>
+          <a:lstStyle/>
+          <a:p>
+            <a:pPr algn="ctr"/>
+            <a:r>
+              <a:rPr lang="ko-KR" altLang="en-US" b="0" cap="none" spc="0" dirty="0">
+                <a:ln w="0"/>
+                <a:solidFill>
+                  <a:srgbClr val="FF0000"/>
+                </a:solidFill>
+                <a:effectLst>
+                  <a:outerShdw blurRad="38100" dist="19050" dir="2700000" algn="tl" rotWithShape="0">
+                    <a:schemeClr val="dk1">
+                      <a:alpha val="40000"/>
+                    </a:schemeClr>
+                  </a:outerShdw>
+                </a:effectLst>
+              </a:rPr>
+              <a:t>상위</a:t>
+            </a:r>
+            <a:r>
+              <a:rPr lang="en-US" altLang="ko-KR" b="0" cap="none" spc="0" dirty="0">
+                <a:ln w="0"/>
+                <a:solidFill>
+                  <a:srgbClr val="FF0000"/>
+                </a:solidFill>
+                <a:effectLst>
+                  <a:outerShdw blurRad="38100" dist="19050" dir="2700000" algn="tl" rotWithShape="0">
+                    <a:schemeClr val="dk1">
+                      <a:alpha val="40000"/>
+                    </a:schemeClr>
+                  </a:outerShdw>
+                </a:effectLst>
+              </a:rPr>
+              <a:t>33%</a:t>
+            </a:r>
+          </a:p>
+        </p:txBody>
+      </p:sp>
+      <p:sp>
+        <p:nvSpPr>
+          <p:cNvPr id="16" name="직사각형 15">
+            <a:extLst>
+              <a:ext uri="{FF2B5EF4-FFF2-40B4-BE49-F238E27FC236}">
+                <a16:creationId xmlns:a16="http://schemas.microsoft.com/office/drawing/2014/main" id="{5B3EB95E-466A-583E-C8B7-BDA450AE3EE9}"/>
+              </a:ext>
+            </a:extLst>
+          </p:cNvPr>
+          <p:cNvSpPr/>
+          <p:nvPr/>
+        </p:nvSpPr>
+        <p:spPr>
+          <a:xfrm>
+            <a:off x="7919444" y="1957294"/>
+            <a:ext cx="1452039" cy="369332"/>
+          </a:xfrm>
+          <a:prstGeom prst="rect">
+            <a:avLst/>
+          </a:prstGeom>
+          <a:noFill/>
+        </p:spPr>
+        <p:txBody>
+          <a:bodyPr wrap="square" lIns="91440" tIns="45720" rIns="91440" bIns="45720">
+            <a:spAutoFit/>
+          </a:bodyPr>
+          <a:lstStyle/>
+          <a:p>
+            <a:pPr algn="ctr"/>
+            <a:r>
+              <a:rPr lang="ko-KR" altLang="en-US" dirty="0">
+                <a:ln w="0"/>
+                <a:solidFill>
+                  <a:srgbClr val="FFFF00"/>
+                </a:solidFill>
+                <a:effectLst>
+                  <a:outerShdw blurRad="38100" dist="19050" dir="2700000" algn="tl" rotWithShape="0">
+                    <a:schemeClr val="dk1">
+                      <a:alpha val="40000"/>
+                    </a:schemeClr>
+                  </a:outerShdw>
+                </a:effectLst>
+              </a:rPr>
+              <a:t>중</a:t>
+            </a:r>
+            <a:r>
+              <a:rPr lang="ko-KR" altLang="en-US" b="0" cap="none" spc="0" dirty="0">
+                <a:ln w="0"/>
+                <a:solidFill>
+                  <a:srgbClr val="FFFF00"/>
+                </a:solidFill>
+                <a:effectLst>
+                  <a:outerShdw blurRad="38100" dist="19050" dir="2700000" algn="tl" rotWithShape="0">
+                    <a:schemeClr val="dk1">
+                      <a:alpha val="40000"/>
+                    </a:schemeClr>
+                  </a:outerShdw>
+                </a:effectLst>
+              </a:rPr>
+              <a:t>위</a:t>
+            </a:r>
+            <a:r>
+              <a:rPr lang="en-US" altLang="ko-KR" b="0" cap="none" spc="0" dirty="0">
+                <a:ln w="0"/>
+                <a:solidFill>
+                  <a:srgbClr val="FFFF00"/>
+                </a:solidFill>
+                <a:effectLst>
+                  <a:outerShdw blurRad="38100" dist="19050" dir="2700000" algn="tl" rotWithShape="0">
+                    <a:schemeClr val="dk1">
+                      <a:alpha val="40000"/>
+                    </a:schemeClr>
+                  </a:outerShdw>
+                </a:effectLst>
+              </a:rPr>
+              <a:t>33%</a:t>
+            </a:r>
+          </a:p>
+        </p:txBody>
+      </p:sp>
+      <p:sp>
+        <p:nvSpPr>
+          <p:cNvPr id="17" name="직사각형 16">
+            <a:extLst>
+              <a:ext uri="{FF2B5EF4-FFF2-40B4-BE49-F238E27FC236}">
+                <a16:creationId xmlns:a16="http://schemas.microsoft.com/office/drawing/2014/main" id="{15806626-9779-7453-CF33-E1EE42866AAD}"/>
+              </a:ext>
+            </a:extLst>
+          </p:cNvPr>
+          <p:cNvSpPr/>
+          <p:nvPr/>
+        </p:nvSpPr>
+        <p:spPr>
+          <a:xfrm>
+            <a:off x="7937204" y="2320510"/>
+            <a:ext cx="1452039" cy="369332"/>
+          </a:xfrm>
+          <a:prstGeom prst="rect">
+            <a:avLst/>
+          </a:prstGeom>
+          <a:noFill/>
+        </p:spPr>
+        <p:txBody>
+          <a:bodyPr wrap="square" lIns="91440" tIns="45720" rIns="91440" bIns="45720">
+            <a:spAutoFit/>
+          </a:bodyPr>
+          <a:lstStyle/>
+          <a:p>
+            <a:pPr algn="ctr"/>
+            <a:r>
+              <a:rPr lang="ko-KR" altLang="en-US" dirty="0">
+                <a:ln w="0"/>
+                <a:solidFill>
+                  <a:srgbClr val="0070C0"/>
+                </a:solidFill>
+                <a:effectLst>
+                  <a:outerShdw blurRad="38100" dist="19050" dir="2700000" algn="tl" rotWithShape="0">
+                    <a:schemeClr val="dk1">
+                      <a:alpha val="40000"/>
+                    </a:schemeClr>
+                  </a:outerShdw>
+                </a:effectLst>
+              </a:rPr>
+              <a:t>하</a:t>
+            </a:r>
+            <a:r>
+              <a:rPr lang="ko-KR" altLang="en-US" b="0" cap="none" spc="0" dirty="0">
+                <a:ln w="0"/>
+                <a:solidFill>
+                  <a:srgbClr val="0070C0"/>
+                </a:solidFill>
+                <a:effectLst>
+                  <a:outerShdw blurRad="38100" dist="19050" dir="2700000" algn="tl" rotWithShape="0">
+                    <a:schemeClr val="dk1">
+                      <a:alpha val="40000"/>
+                    </a:schemeClr>
+                  </a:outerShdw>
+                </a:effectLst>
+              </a:rPr>
+              <a:t>위</a:t>
+            </a:r>
+            <a:r>
+              <a:rPr lang="en-US" altLang="ko-KR" b="0" cap="none" spc="0" dirty="0">
+                <a:ln w="0"/>
+                <a:solidFill>
+                  <a:srgbClr val="0070C0"/>
+                </a:solidFill>
+                <a:effectLst>
+                  <a:outerShdw blurRad="38100" dist="19050" dir="2700000" algn="tl" rotWithShape="0">
+                    <a:schemeClr val="dk1">
+                      <a:alpha val="40000"/>
+                    </a:schemeClr>
+                  </a:outerShdw>
+                </a:effectLst>
+              </a:rPr>
+              <a:t>33%</a:t>
+            </a:r>
+          </a:p>
+        </p:txBody>
+      </p:sp>
+      <p:sp>
+        <p:nvSpPr>
+          <p:cNvPr id="18" name="실행 단추: 끝으로 이동 17">
             <a:hlinkClick r:id="rId3" action="ppaction://hlinksldjump" highlightClick="1"/>
             <a:extLst>
               <a:ext uri="{FF2B5EF4-FFF2-40B4-BE49-F238E27FC236}">
-                <a16:creationId xmlns:a16="http://schemas.microsoft.com/office/drawing/2014/main" id="{13F8CE39-DB74-BFE0-2359-C489BE6F6795}"/>
+                <a16:creationId xmlns:a16="http://schemas.microsoft.com/office/drawing/2014/main" id="{F17B213D-B00C-DBC9-E1AD-E7026CA7B5FC}"/>
               </a:ext>
             </a:extLst>
           </p:cNvPr>
@@ -8655,7 +8866,7 @@
     </p:spTree>
     <p:extLst>
       <p:ext uri="{BB962C8B-B14F-4D97-AF65-F5344CB8AC3E}">
-        <p14:creationId xmlns:p14="http://schemas.microsoft.com/office/powerpoint/2010/main" val="709637806"/>
+        <p14:creationId xmlns:p14="http://schemas.microsoft.com/office/powerpoint/2010/main" val="789221968"/>
       </p:ext>
     </p:extLst>
   </p:cSld>
@@ -8682,12 +8893,42 @@
           <a:chExt cx="0" cy="0"/>
         </a:xfrm>
       </p:grpSpPr>
+      <p:pic>
+        <p:nvPicPr>
+          <p:cNvPr id="5" name="그림 4">
+            <a:extLst>
+              <a:ext uri="{FF2B5EF4-FFF2-40B4-BE49-F238E27FC236}">
+                <a16:creationId xmlns:a16="http://schemas.microsoft.com/office/drawing/2014/main" id="{E2DFE718-CF2C-3110-77F8-420B1E19A17F}"/>
+              </a:ext>
+            </a:extLst>
+          </p:cNvPr>
+          <p:cNvPicPr>
+            <a:picLocks noChangeAspect="1"/>
+          </p:cNvPicPr>
+          <p:nvPr/>
+        </p:nvPicPr>
+        <p:blipFill>
+          <a:blip r:embed="rId2"/>
+          <a:stretch>
+            <a:fillRect/>
+          </a:stretch>
+        </p:blipFill>
+        <p:spPr>
+          <a:xfrm>
+            <a:off x="587576" y="1165655"/>
+            <a:ext cx="11016848" cy="5692345"/>
+          </a:xfrm>
+          <a:prstGeom prst="rect">
+            <a:avLst/>
+          </a:prstGeom>
+        </p:spPr>
+      </p:pic>
       <p:sp>
         <p:nvSpPr>
-          <p:cNvPr id="7" name="직사각형 6">
-            <a:extLst>
-              <a:ext uri="{FF2B5EF4-FFF2-40B4-BE49-F238E27FC236}">
-                <a16:creationId xmlns:a16="http://schemas.microsoft.com/office/drawing/2014/main" id="{2C2BD47F-1AC0-6169-81F3-939098BAD3ED}"/>
+          <p:cNvPr id="6" name="직사각형 5">
+            <a:extLst>
+              <a:ext uri="{FF2B5EF4-FFF2-40B4-BE49-F238E27FC236}">
+                <a16:creationId xmlns:a16="http://schemas.microsoft.com/office/drawing/2014/main" id="{F8BAA320-15E3-F5C8-8969-202160F292B3}"/>
               </a:ext>
             </a:extLst>
           </p:cNvPr>
@@ -8696,8 +8937,8 @@
         </p:nvSpPr>
         <p:spPr>
           <a:xfrm>
-            <a:off x="3336793" y="-12325"/>
-            <a:ext cx="5519460" cy="923330"/>
+            <a:off x="7475829" y="1300290"/>
+            <a:ext cx="1194559" cy="400110"/>
           </a:xfrm>
           <a:prstGeom prst="rect">
             <a:avLst/>
@@ -8711,6 +8952,272 @@
           <a:lstStyle/>
           <a:p>
             <a:pPr algn="ctr"/>
+            <a:r>
+              <a:rPr lang="ko-KR" altLang="en-US" sz="2000" b="0" cap="none" spc="0" dirty="0">
+                <a:ln w="0"/>
+                <a:solidFill>
+                  <a:srgbClr val="FF0000"/>
+                </a:solidFill>
+                <a:effectLst>
+                  <a:outerShdw blurRad="38100" dist="19050" dir="2700000" algn="tl" rotWithShape="0">
+                    <a:schemeClr val="dk1">
+                      <a:alpha val="40000"/>
+                    </a:schemeClr>
+                  </a:outerShdw>
+                </a:effectLst>
+              </a:rPr>
+              <a:t>상위</a:t>
+            </a:r>
+            <a:r>
+              <a:rPr lang="en-US" altLang="ko-KR" sz="2000" b="0" cap="none" spc="0" dirty="0">
+                <a:ln w="0"/>
+                <a:solidFill>
+                  <a:srgbClr val="FF0000"/>
+                </a:solidFill>
+                <a:effectLst>
+                  <a:outerShdw blurRad="38100" dist="19050" dir="2700000" algn="tl" rotWithShape="0">
+                    <a:schemeClr val="dk1">
+                      <a:alpha val="40000"/>
+                    </a:schemeClr>
+                  </a:outerShdw>
+                </a:effectLst>
+              </a:rPr>
+              <a:t>33%</a:t>
+            </a:r>
+          </a:p>
+        </p:txBody>
+      </p:sp>
+      <p:sp>
+        <p:nvSpPr>
+          <p:cNvPr id="7" name="직사각형 6">
+            <a:extLst>
+              <a:ext uri="{FF2B5EF4-FFF2-40B4-BE49-F238E27FC236}">
+                <a16:creationId xmlns:a16="http://schemas.microsoft.com/office/drawing/2014/main" id="{63BF0E24-494E-8894-D4FB-84691C058CB4}"/>
+              </a:ext>
+            </a:extLst>
+          </p:cNvPr>
+          <p:cNvSpPr/>
+          <p:nvPr/>
+        </p:nvSpPr>
+        <p:spPr>
+          <a:xfrm>
+            <a:off x="7475829" y="1575292"/>
+            <a:ext cx="1194559" cy="400110"/>
+          </a:xfrm>
+          <a:prstGeom prst="rect">
+            <a:avLst/>
+          </a:prstGeom>
+          <a:noFill/>
+        </p:spPr>
+        <p:txBody>
+          <a:bodyPr wrap="none" lIns="91440" tIns="45720" rIns="91440" bIns="45720">
+            <a:spAutoFit/>
+          </a:bodyPr>
+          <a:lstStyle/>
+          <a:p>
+            <a:pPr algn="ctr"/>
+            <a:r>
+              <a:rPr lang="ko-KR" altLang="en-US" sz="2000" dirty="0">
+                <a:ln w="0"/>
+                <a:solidFill>
+                  <a:srgbClr val="FFFF00"/>
+                </a:solidFill>
+                <a:effectLst>
+                  <a:outerShdw blurRad="38100" dist="19050" dir="2700000" algn="tl" rotWithShape="0">
+                    <a:schemeClr val="dk1">
+                      <a:alpha val="40000"/>
+                    </a:schemeClr>
+                  </a:outerShdw>
+                </a:effectLst>
+              </a:rPr>
+              <a:t>중</a:t>
+            </a:r>
+            <a:r>
+              <a:rPr lang="ko-KR" altLang="en-US" sz="2000" b="0" cap="none" spc="0" dirty="0">
+                <a:ln w="0"/>
+                <a:solidFill>
+                  <a:srgbClr val="FFFF00"/>
+                </a:solidFill>
+                <a:effectLst>
+                  <a:outerShdw blurRad="38100" dist="19050" dir="2700000" algn="tl" rotWithShape="0">
+                    <a:schemeClr val="dk1">
+                      <a:alpha val="40000"/>
+                    </a:schemeClr>
+                  </a:outerShdw>
+                </a:effectLst>
+              </a:rPr>
+              <a:t>위</a:t>
+            </a:r>
+            <a:r>
+              <a:rPr lang="en-US" altLang="ko-KR" sz="2000" b="0" cap="none" spc="0" dirty="0">
+                <a:ln w="0"/>
+                <a:solidFill>
+                  <a:srgbClr val="FFFF00"/>
+                </a:solidFill>
+                <a:effectLst>
+                  <a:outerShdw blurRad="38100" dist="19050" dir="2700000" algn="tl" rotWithShape="0">
+                    <a:schemeClr val="dk1">
+                      <a:alpha val="40000"/>
+                    </a:schemeClr>
+                  </a:outerShdw>
+                </a:effectLst>
+              </a:rPr>
+              <a:t>33%</a:t>
+            </a:r>
+          </a:p>
+        </p:txBody>
+      </p:sp>
+      <p:sp>
+        <p:nvSpPr>
+          <p:cNvPr id="8" name="직사각형 7">
+            <a:extLst>
+              <a:ext uri="{FF2B5EF4-FFF2-40B4-BE49-F238E27FC236}">
+                <a16:creationId xmlns:a16="http://schemas.microsoft.com/office/drawing/2014/main" id="{3409560F-787F-72AF-F5A2-4DD75B3C2A9D}"/>
+              </a:ext>
+            </a:extLst>
+          </p:cNvPr>
+          <p:cNvSpPr/>
+          <p:nvPr/>
+        </p:nvSpPr>
+        <p:spPr>
+          <a:xfrm>
+            <a:off x="7475829" y="1850294"/>
+            <a:ext cx="1194559" cy="400110"/>
+          </a:xfrm>
+          <a:prstGeom prst="rect">
+            <a:avLst/>
+          </a:prstGeom>
+          <a:noFill/>
+        </p:spPr>
+        <p:txBody>
+          <a:bodyPr wrap="none" lIns="91440" tIns="45720" rIns="91440" bIns="45720">
+            <a:spAutoFit/>
+          </a:bodyPr>
+          <a:lstStyle/>
+          <a:p>
+            <a:pPr algn="ctr"/>
+            <a:r>
+              <a:rPr lang="ko-KR" altLang="en-US" sz="2000" dirty="0">
+                <a:ln w="0"/>
+                <a:solidFill>
+                  <a:srgbClr val="0070C0"/>
+                </a:solidFill>
+                <a:effectLst>
+                  <a:outerShdw blurRad="38100" dist="19050" dir="2700000" algn="tl" rotWithShape="0">
+                    <a:schemeClr val="dk1">
+                      <a:alpha val="40000"/>
+                    </a:schemeClr>
+                  </a:outerShdw>
+                </a:effectLst>
+              </a:rPr>
+              <a:t>하</a:t>
+            </a:r>
+            <a:r>
+              <a:rPr lang="ko-KR" altLang="en-US" sz="2000" b="0" cap="none" spc="0" dirty="0">
+                <a:ln w="0"/>
+                <a:solidFill>
+                  <a:srgbClr val="0070C0"/>
+                </a:solidFill>
+                <a:effectLst>
+                  <a:outerShdw blurRad="38100" dist="19050" dir="2700000" algn="tl" rotWithShape="0">
+                    <a:schemeClr val="dk1">
+                      <a:alpha val="40000"/>
+                    </a:schemeClr>
+                  </a:outerShdw>
+                </a:effectLst>
+              </a:rPr>
+              <a:t>위</a:t>
+            </a:r>
+            <a:r>
+              <a:rPr lang="en-US" altLang="ko-KR" sz="2000" b="0" cap="none" spc="0" dirty="0">
+                <a:ln w="0"/>
+                <a:solidFill>
+                  <a:srgbClr val="0070C0"/>
+                </a:solidFill>
+                <a:effectLst>
+                  <a:outerShdw blurRad="38100" dist="19050" dir="2700000" algn="tl" rotWithShape="0">
+                    <a:schemeClr val="dk1">
+                      <a:alpha val="40000"/>
+                    </a:schemeClr>
+                  </a:outerShdw>
+                </a:effectLst>
+              </a:rPr>
+              <a:t>33%</a:t>
+            </a:r>
+          </a:p>
+        </p:txBody>
+      </p:sp>
+      <p:sp>
+        <p:nvSpPr>
+          <p:cNvPr id="9" name="직사각형 8">
+            <a:extLst>
+              <a:ext uri="{FF2B5EF4-FFF2-40B4-BE49-F238E27FC236}">
+                <a16:creationId xmlns:a16="http://schemas.microsoft.com/office/drawing/2014/main" id="{891EBF99-84B5-C39F-BDBE-7782C9F67669}"/>
+              </a:ext>
+            </a:extLst>
+          </p:cNvPr>
+          <p:cNvSpPr/>
+          <p:nvPr/>
+        </p:nvSpPr>
+        <p:spPr>
+          <a:xfrm>
+            <a:off x="3560444" y="117218"/>
+            <a:ext cx="5113900" cy="923330"/>
+          </a:xfrm>
+          <a:prstGeom prst="rect">
+            <a:avLst/>
+          </a:prstGeom>
+          <a:noFill/>
+        </p:spPr>
+        <p:txBody>
+          <a:bodyPr wrap="none" lIns="91440" tIns="45720" rIns="91440" bIns="45720">
+            <a:spAutoFit/>
+          </a:bodyPr>
+          <a:lstStyle/>
+          <a:p>
+            <a:pPr algn="ctr"/>
+            <a:r>
+              <a:rPr lang="ko-KR" altLang="en-US" sz="5400" b="1" cap="none" spc="0" dirty="0">
+                <a:ln w="9525">
+                  <a:solidFill>
+                    <a:schemeClr val="bg1"/>
+                  </a:solidFill>
+                  <a:prstDash val="solid"/>
+                </a:ln>
+                <a:solidFill>
+                  <a:schemeClr val="tx1"/>
+                </a:solidFill>
+                <a:effectLst>
+                  <a:outerShdw blurRad="12700" dist="38100" dir="2700000" algn="tl" rotWithShape="0">
+                    <a:schemeClr val="bg1">
+                      <a:lumMod val="50000"/>
+                    </a:schemeClr>
+                  </a:outerShdw>
+                </a:effectLst>
+              </a:rPr>
+              <a:t>사망률 </a:t>
+            </a:r>
+            <a:r>
+              <a:rPr lang="en-US" altLang="ko-KR" sz="5400" b="1" cap="none" spc="0" dirty="0">
+                <a:ln w="9525">
+                  <a:solidFill>
+                    <a:schemeClr val="bg1"/>
+                  </a:solidFill>
+                  <a:prstDash val="solid"/>
+                </a:ln>
+                <a:solidFill>
+                  <a:schemeClr val="tx1"/>
+                </a:solidFill>
+                <a:effectLst>
+                  <a:outerShdw blurRad="12700" dist="38100" dir="2700000" algn="tl" rotWithShape="0">
+                    <a:schemeClr val="bg1">
+                      <a:lumMod val="50000"/>
+                    </a:schemeClr>
+                  </a:outerShdw>
+                </a:effectLst>
+              </a:rPr>
+              <a:t>- </a:t>
+            </a:r>
             <a:r>
               <a:rPr lang="ko-KR" altLang="en-US" sz="5400" b="1" cap="none" spc="0" dirty="0" err="1">
                 <a:ln w="9525">
@@ -8730,28 +9237,7 @@
                   </a:outerShdw>
                 </a:effectLst>
               </a:rPr>
-              <a:t>감염율</a:t>
-            </a:r>
-            <a:r>
-              <a:rPr lang="ko-KR" altLang="en-US" sz="5400" b="1" cap="none" spc="0" dirty="0">
-                <a:ln w="9525">
-                  <a:solidFill>
-                    <a:schemeClr val="bg1"/>
-                  </a:solidFill>
-                  <a:prstDash val="solid"/>
-                </a:ln>
-                <a:solidFill>
-                  <a:schemeClr val="tx1"/>
-                </a:solidFill>
-                <a:effectLst>
-                  <a:outerShdw blurRad="12700" dist="38100" dir="2700000" algn="tl" rotWithShape="0">
-                    <a:schemeClr val="bg1">
-                      <a:lumMod val="50000"/>
-                    </a:schemeClr>
-                  </a:outerShdw>
-                </a:effectLst>
-              </a:rPr>
-              <a:t> 인구밀도 </a:t>
+              <a:t>검사율</a:t>
             </a:r>
             <a:endParaRPr lang="en-US" altLang="ko-KR" sz="5400" b="1" cap="none" spc="0" dirty="0">
               <a:ln w="9525">
@@ -8774,516 +9260,10 @@
           </a:p>
         </p:txBody>
       </p:sp>
-      <p:sp>
-        <p:nvSpPr>
-          <p:cNvPr id="11" name="직사각형 10">
-            <a:extLst>
-              <a:ext uri="{FF2B5EF4-FFF2-40B4-BE49-F238E27FC236}">
-                <a16:creationId xmlns:a16="http://schemas.microsoft.com/office/drawing/2014/main" id="{BFA7F627-52CB-D3B9-BD81-D423D0B8101A}"/>
-              </a:ext>
-            </a:extLst>
-          </p:cNvPr>
-          <p:cNvSpPr/>
-          <p:nvPr/>
-        </p:nvSpPr>
-        <p:spPr>
-          <a:xfrm>
-            <a:off x="3750451" y="1895738"/>
-            <a:ext cx="1194559" cy="400110"/>
-          </a:xfrm>
-          <a:prstGeom prst="rect">
-            <a:avLst/>
-          </a:prstGeom>
-          <a:noFill/>
-        </p:spPr>
-        <p:txBody>
-          <a:bodyPr wrap="none" lIns="91440" tIns="45720" rIns="91440" bIns="45720">
-            <a:spAutoFit/>
-          </a:bodyPr>
-          <a:lstStyle/>
-          <a:p>
-            <a:pPr algn="ctr"/>
-            <a:r>
-              <a:rPr lang="ko-KR" altLang="en-US" sz="2000" dirty="0">
-                <a:ln w="0"/>
-                <a:solidFill>
-                  <a:srgbClr val="FFFF00"/>
-                </a:solidFill>
-                <a:effectLst>
-                  <a:outerShdw blurRad="38100" dist="19050" dir="2700000" algn="tl" rotWithShape="0">
-                    <a:schemeClr val="dk1">
-                      <a:alpha val="40000"/>
-                    </a:schemeClr>
-                  </a:outerShdw>
-                </a:effectLst>
-              </a:rPr>
-              <a:t>중</a:t>
-            </a:r>
-            <a:r>
-              <a:rPr lang="ko-KR" altLang="en-US" sz="2000" b="0" cap="none" spc="0" dirty="0">
-                <a:ln w="0"/>
-                <a:solidFill>
-                  <a:srgbClr val="FFFF00"/>
-                </a:solidFill>
-                <a:effectLst>
-                  <a:outerShdw blurRad="38100" dist="19050" dir="2700000" algn="tl" rotWithShape="0">
-                    <a:schemeClr val="dk1">
-                      <a:alpha val="40000"/>
-                    </a:schemeClr>
-                  </a:outerShdw>
-                </a:effectLst>
-              </a:rPr>
-              <a:t>위</a:t>
-            </a:r>
-            <a:r>
-              <a:rPr lang="en-US" altLang="ko-KR" sz="2000" b="0" cap="none" spc="0" dirty="0">
-                <a:ln w="0"/>
-                <a:solidFill>
-                  <a:srgbClr val="FFFF00"/>
-                </a:solidFill>
-                <a:effectLst>
-                  <a:outerShdw blurRad="38100" dist="19050" dir="2700000" algn="tl" rotWithShape="0">
-                    <a:schemeClr val="dk1">
-                      <a:alpha val="40000"/>
-                    </a:schemeClr>
-                  </a:outerShdw>
-                </a:effectLst>
-              </a:rPr>
-              <a:t>33%</a:t>
-            </a:r>
-          </a:p>
-        </p:txBody>
-      </p:sp>
-      <p:sp>
-        <p:nvSpPr>
-          <p:cNvPr id="12" name="직사각형 11">
-            <a:extLst>
-              <a:ext uri="{FF2B5EF4-FFF2-40B4-BE49-F238E27FC236}">
-                <a16:creationId xmlns:a16="http://schemas.microsoft.com/office/drawing/2014/main" id="{31479CA2-8280-1916-4F58-63B87159D11B}"/>
-              </a:ext>
-            </a:extLst>
-          </p:cNvPr>
-          <p:cNvSpPr/>
-          <p:nvPr/>
-        </p:nvSpPr>
-        <p:spPr>
-          <a:xfrm>
-            <a:off x="4082479" y="2195527"/>
-            <a:ext cx="1194559" cy="400110"/>
-          </a:xfrm>
-          <a:prstGeom prst="rect">
-            <a:avLst/>
-          </a:prstGeom>
-          <a:noFill/>
-        </p:spPr>
-        <p:txBody>
-          <a:bodyPr wrap="none" lIns="91440" tIns="45720" rIns="91440" bIns="45720">
-            <a:spAutoFit/>
-          </a:bodyPr>
-          <a:lstStyle/>
-          <a:p>
-            <a:pPr algn="ctr"/>
-            <a:r>
-              <a:rPr lang="ko-KR" altLang="en-US" sz="2000" dirty="0">
-                <a:ln w="0"/>
-                <a:solidFill>
-                  <a:srgbClr val="0070C0"/>
-                </a:solidFill>
-                <a:effectLst>
-                  <a:outerShdw blurRad="38100" dist="19050" dir="2700000" algn="tl" rotWithShape="0">
-                    <a:schemeClr val="dk1">
-                      <a:alpha val="40000"/>
-                    </a:schemeClr>
-                  </a:outerShdw>
-                </a:effectLst>
-              </a:rPr>
-              <a:t>하</a:t>
-            </a:r>
-            <a:r>
-              <a:rPr lang="ko-KR" altLang="en-US" sz="2000" b="0" cap="none" spc="0" dirty="0">
-                <a:ln w="0"/>
-                <a:solidFill>
-                  <a:srgbClr val="0070C0"/>
-                </a:solidFill>
-                <a:effectLst>
-                  <a:outerShdw blurRad="38100" dist="19050" dir="2700000" algn="tl" rotWithShape="0">
-                    <a:schemeClr val="dk1">
-                      <a:alpha val="40000"/>
-                    </a:schemeClr>
-                  </a:outerShdw>
-                </a:effectLst>
-              </a:rPr>
-              <a:t>위</a:t>
-            </a:r>
-            <a:r>
-              <a:rPr lang="en-US" altLang="ko-KR" sz="2000" b="0" cap="none" spc="0" dirty="0">
-                <a:ln w="0"/>
-                <a:solidFill>
-                  <a:srgbClr val="0070C0"/>
-                </a:solidFill>
-                <a:effectLst>
-                  <a:outerShdw blurRad="38100" dist="19050" dir="2700000" algn="tl" rotWithShape="0">
-                    <a:schemeClr val="dk1">
-                      <a:alpha val="40000"/>
-                    </a:schemeClr>
-                  </a:outerShdw>
-                </a:effectLst>
-              </a:rPr>
-              <a:t>33%</a:t>
-            </a:r>
-          </a:p>
-        </p:txBody>
-      </p:sp>
-      <p:pic>
-        <p:nvPicPr>
-          <p:cNvPr id="13" name="그림 12">
-            <a:extLst>
-              <a:ext uri="{FF2B5EF4-FFF2-40B4-BE49-F238E27FC236}">
-                <a16:creationId xmlns:a16="http://schemas.microsoft.com/office/drawing/2014/main" id="{59B76742-8800-C076-6BAA-7A57376DC6CC}"/>
-              </a:ext>
-            </a:extLst>
-          </p:cNvPr>
-          <p:cNvPicPr>
-            <a:picLocks noChangeAspect="1"/>
-          </p:cNvPicPr>
-          <p:nvPr/>
-        </p:nvPicPr>
-        <p:blipFill>
-          <a:blip r:embed="rId2"/>
-          <a:stretch>
-            <a:fillRect/>
-          </a:stretch>
-        </p:blipFill>
-        <p:spPr>
-          <a:xfrm>
-            <a:off x="714053" y="1043752"/>
-            <a:ext cx="10763893" cy="5817320"/>
-          </a:xfrm>
-          <a:prstGeom prst="rect">
-            <a:avLst/>
-          </a:prstGeom>
-        </p:spPr>
-      </p:pic>
-      <p:sp>
-        <p:nvSpPr>
-          <p:cNvPr id="14" name="직사각형 13">
-            <a:extLst>
-              <a:ext uri="{FF2B5EF4-FFF2-40B4-BE49-F238E27FC236}">
-                <a16:creationId xmlns:a16="http://schemas.microsoft.com/office/drawing/2014/main" id="{0830F70F-C88C-B465-E23B-F165DD5C5B67}"/>
-              </a:ext>
-            </a:extLst>
-          </p:cNvPr>
-          <p:cNvSpPr/>
-          <p:nvPr/>
-        </p:nvSpPr>
-        <p:spPr>
-          <a:xfrm>
-            <a:off x="3336270" y="0"/>
-            <a:ext cx="5519460" cy="923330"/>
-          </a:xfrm>
-          <a:prstGeom prst="rect">
-            <a:avLst/>
-          </a:prstGeom>
-          <a:noFill/>
-        </p:spPr>
-        <p:txBody>
-          <a:bodyPr wrap="none" lIns="91440" tIns="45720" rIns="91440" bIns="45720">
-            <a:spAutoFit/>
-          </a:bodyPr>
-          <a:lstStyle/>
-          <a:p>
-            <a:pPr algn="ctr"/>
-            <a:r>
-              <a:rPr lang="ko-KR" altLang="en-US" sz="5400" b="1" cap="none" spc="0" dirty="0" err="1">
-                <a:ln w="9525">
-                  <a:solidFill>
-                    <a:schemeClr val="bg1"/>
-                  </a:solidFill>
-                  <a:prstDash val="solid"/>
-                </a:ln>
-                <a:solidFill>
-                  <a:schemeClr val="tx1"/>
-                </a:solidFill>
-                <a:effectLst>
-                  <a:outerShdw blurRad="12700" dist="38100" dir="2700000" algn="tl" rotWithShape="0">
-                    <a:schemeClr val="bg1">
-                      <a:lumMod val="50000"/>
-                    </a:schemeClr>
-                  </a:outerShdw>
-                </a:effectLst>
-              </a:rPr>
-              <a:t>감염율</a:t>
-            </a:r>
-            <a:r>
-              <a:rPr lang="ko-KR" altLang="en-US" sz="5400" b="1" cap="none" spc="0" dirty="0">
-                <a:ln w="9525">
-                  <a:solidFill>
-                    <a:schemeClr val="bg1"/>
-                  </a:solidFill>
-                  <a:prstDash val="solid"/>
-                </a:ln>
-                <a:solidFill>
-                  <a:schemeClr val="tx1"/>
-                </a:solidFill>
-                <a:effectLst>
-                  <a:outerShdw blurRad="12700" dist="38100" dir="2700000" algn="tl" rotWithShape="0">
-                    <a:schemeClr val="bg1">
-                      <a:lumMod val="50000"/>
-                    </a:schemeClr>
-                  </a:outerShdw>
-                </a:effectLst>
-              </a:rPr>
-              <a:t> 인구밀도 </a:t>
-            </a:r>
-            <a:endParaRPr lang="en-US" altLang="ko-KR" sz="5400" b="1" cap="none" spc="0" dirty="0">
-              <a:ln w="9525">
-                <a:solidFill>
-                  <a:schemeClr val="bg1"/>
-                </a:solidFill>
-                <a:prstDash val="solid"/>
-              </a:ln>
-              <a:solidFill>
-                <a:schemeClr val="tx1"/>
-              </a:solidFill>
-              <a:effectLst>
-                <a:outerShdw blurRad="12700" dist="38100" dir="2700000" algn="tl" rotWithShape="0">
-                  <a:schemeClr val="bg1">
-                    <a:lumMod val="50000"/>
-                  </a:schemeClr>
-                </a:outerShdw>
-              </a:effectLst>
-            </a:endParaRPr>
-          </a:p>
-        </p:txBody>
-      </p:sp>
-      <p:sp>
-        <p:nvSpPr>
-          <p:cNvPr id="15" name="직사각형 14">
-            <a:extLst>
-              <a:ext uri="{FF2B5EF4-FFF2-40B4-BE49-F238E27FC236}">
-                <a16:creationId xmlns:a16="http://schemas.microsoft.com/office/drawing/2014/main" id="{11A1D76A-475D-B105-6ED5-AD9807C6582C}"/>
-              </a:ext>
-            </a:extLst>
-          </p:cNvPr>
-          <p:cNvSpPr/>
-          <p:nvPr/>
-        </p:nvSpPr>
-        <p:spPr>
-          <a:xfrm>
-            <a:off x="7919443" y="1612476"/>
-            <a:ext cx="1452039" cy="369332"/>
-          </a:xfrm>
-          <a:prstGeom prst="rect">
-            <a:avLst/>
-          </a:prstGeom>
-          <a:noFill/>
-        </p:spPr>
-        <p:txBody>
-          <a:bodyPr wrap="square" lIns="91440" tIns="45720" rIns="91440" bIns="45720">
-            <a:spAutoFit/>
-          </a:bodyPr>
-          <a:lstStyle/>
-          <a:p>
-            <a:pPr algn="ctr"/>
-            <a:r>
-              <a:rPr lang="ko-KR" altLang="en-US" b="0" cap="none" spc="0" dirty="0">
-                <a:ln w="0"/>
-                <a:solidFill>
-                  <a:srgbClr val="FF0000"/>
-                </a:solidFill>
-                <a:effectLst>
-                  <a:outerShdw blurRad="38100" dist="19050" dir="2700000" algn="tl" rotWithShape="0">
-                    <a:schemeClr val="dk1">
-                      <a:alpha val="40000"/>
-                    </a:schemeClr>
-                  </a:outerShdw>
-                </a:effectLst>
-              </a:rPr>
-              <a:t>상위</a:t>
-            </a:r>
-            <a:r>
-              <a:rPr lang="en-US" altLang="ko-KR" b="0" cap="none" spc="0" dirty="0">
-                <a:ln w="0"/>
-                <a:solidFill>
-                  <a:srgbClr val="FF0000"/>
-                </a:solidFill>
-                <a:effectLst>
-                  <a:outerShdw blurRad="38100" dist="19050" dir="2700000" algn="tl" rotWithShape="0">
-                    <a:schemeClr val="dk1">
-                      <a:alpha val="40000"/>
-                    </a:schemeClr>
-                  </a:outerShdw>
-                </a:effectLst>
-              </a:rPr>
-              <a:t>33%</a:t>
-            </a:r>
-          </a:p>
-        </p:txBody>
-      </p:sp>
-      <p:sp>
-        <p:nvSpPr>
-          <p:cNvPr id="16" name="직사각형 15">
-            <a:extLst>
-              <a:ext uri="{FF2B5EF4-FFF2-40B4-BE49-F238E27FC236}">
-                <a16:creationId xmlns:a16="http://schemas.microsoft.com/office/drawing/2014/main" id="{5B3EB95E-466A-583E-C8B7-BDA450AE3EE9}"/>
-              </a:ext>
-            </a:extLst>
-          </p:cNvPr>
-          <p:cNvSpPr/>
-          <p:nvPr/>
-        </p:nvSpPr>
-        <p:spPr>
-          <a:xfrm>
-            <a:off x="7919444" y="1957294"/>
-            <a:ext cx="1452039" cy="369332"/>
-          </a:xfrm>
-          <a:prstGeom prst="rect">
-            <a:avLst/>
-          </a:prstGeom>
-          <a:noFill/>
-        </p:spPr>
-        <p:txBody>
-          <a:bodyPr wrap="square" lIns="91440" tIns="45720" rIns="91440" bIns="45720">
-            <a:spAutoFit/>
-          </a:bodyPr>
-          <a:lstStyle/>
-          <a:p>
-            <a:pPr algn="ctr"/>
-            <a:r>
-              <a:rPr lang="ko-KR" altLang="en-US" dirty="0">
-                <a:ln w="0"/>
-                <a:solidFill>
-                  <a:srgbClr val="FFFF00"/>
-                </a:solidFill>
-                <a:effectLst>
-                  <a:outerShdw blurRad="38100" dist="19050" dir="2700000" algn="tl" rotWithShape="0">
-                    <a:schemeClr val="dk1">
-                      <a:alpha val="40000"/>
-                    </a:schemeClr>
-                  </a:outerShdw>
-                </a:effectLst>
-              </a:rPr>
-              <a:t>중</a:t>
-            </a:r>
-            <a:r>
-              <a:rPr lang="ko-KR" altLang="en-US" b="0" cap="none" spc="0" dirty="0">
-                <a:ln w="0"/>
-                <a:solidFill>
-                  <a:srgbClr val="FFFF00"/>
-                </a:solidFill>
-                <a:effectLst>
-                  <a:outerShdw blurRad="38100" dist="19050" dir="2700000" algn="tl" rotWithShape="0">
-                    <a:schemeClr val="dk1">
-                      <a:alpha val="40000"/>
-                    </a:schemeClr>
-                  </a:outerShdw>
-                </a:effectLst>
-              </a:rPr>
-              <a:t>위</a:t>
-            </a:r>
-            <a:r>
-              <a:rPr lang="en-US" altLang="ko-KR" b="0" cap="none" spc="0" dirty="0">
-                <a:ln w="0"/>
-                <a:solidFill>
-                  <a:srgbClr val="FFFF00"/>
-                </a:solidFill>
-                <a:effectLst>
-                  <a:outerShdw blurRad="38100" dist="19050" dir="2700000" algn="tl" rotWithShape="0">
-                    <a:schemeClr val="dk1">
-                      <a:alpha val="40000"/>
-                    </a:schemeClr>
-                  </a:outerShdw>
-                </a:effectLst>
-              </a:rPr>
-              <a:t>33%</a:t>
-            </a:r>
-          </a:p>
-        </p:txBody>
-      </p:sp>
-      <p:sp>
-        <p:nvSpPr>
-          <p:cNvPr id="17" name="직사각형 16">
-            <a:extLst>
-              <a:ext uri="{FF2B5EF4-FFF2-40B4-BE49-F238E27FC236}">
-                <a16:creationId xmlns:a16="http://schemas.microsoft.com/office/drawing/2014/main" id="{15806626-9779-7453-CF33-E1EE42866AAD}"/>
-              </a:ext>
-            </a:extLst>
-          </p:cNvPr>
-          <p:cNvSpPr/>
-          <p:nvPr/>
-        </p:nvSpPr>
-        <p:spPr>
-          <a:xfrm>
-            <a:off x="7937204" y="2320510"/>
-            <a:ext cx="1452039" cy="369332"/>
-          </a:xfrm>
-          <a:prstGeom prst="rect">
-            <a:avLst/>
-          </a:prstGeom>
-          <a:noFill/>
-        </p:spPr>
-        <p:txBody>
-          <a:bodyPr wrap="square" lIns="91440" tIns="45720" rIns="91440" bIns="45720">
-            <a:spAutoFit/>
-          </a:bodyPr>
-          <a:lstStyle/>
-          <a:p>
-            <a:pPr algn="ctr"/>
-            <a:r>
-              <a:rPr lang="ko-KR" altLang="en-US" dirty="0">
-                <a:ln w="0"/>
-                <a:solidFill>
-                  <a:srgbClr val="0070C0"/>
-                </a:solidFill>
-                <a:effectLst>
-                  <a:outerShdw blurRad="38100" dist="19050" dir="2700000" algn="tl" rotWithShape="0">
-                    <a:schemeClr val="dk1">
-                      <a:alpha val="40000"/>
-                    </a:schemeClr>
-                  </a:outerShdw>
-                </a:effectLst>
-              </a:rPr>
-              <a:t>하</a:t>
-            </a:r>
-            <a:r>
-              <a:rPr lang="ko-KR" altLang="en-US" b="0" cap="none" spc="0" dirty="0">
-                <a:ln w="0"/>
-                <a:solidFill>
-                  <a:srgbClr val="0070C0"/>
-                </a:solidFill>
-                <a:effectLst>
-                  <a:outerShdw blurRad="38100" dist="19050" dir="2700000" algn="tl" rotWithShape="0">
-                    <a:schemeClr val="dk1">
-                      <a:alpha val="40000"/>
-                    </a:schemeClr>
-                  </a:outerShdw>
-                </a:effectLst>
-              </a:rPr>
-              <a:t>위</a:t>
-            </a:r>
-            <a:r>
-              <a:rPr lang="en-US" altLang="ko-KR" b="0" cap="none" spc="0" dirty="0">
-                <a:ln w="0"/>
-                <a:solidFill>
-                  <a:srgbClr val="0070C0"/>
-                </a:solidFill>
-                <a:effectLst>
-                  <a:outerShdw blurRad="38100" dist="19050" dir="2700000" algn="tl" rotWithShape="0">
-                    <a:schemeClr val="dk1">
-                      <a:alpha val="40000"/>
-                    </a:schemeClr>
-                  </a:outerShdw>
-                </a:effectLst>
-              </a:rPr>
-              <a:t>33%</a:t>
-            </a:r>
-          </a:p>
-        </p:txBody>
-      </p:sp>
     </p:spTree>
     <p:extLst>
       <p:ext uri="{BB962C8B-B14F-4D97-AF65-F5344CB8AC3E}">
-        <p14:creationId xmlns:p14="http://schemas.microsoft.com/office/powerpoint/2010/main" val="789221968"/>
+        <p14:creationId xmlns:p14="http://schemas.microsoft.com/office/powerpoint/2010/main" val="709637806"/>
       </p:ext>
     </p:extLst>
   </p:cSld>
@@ -9739,7 +9719,7 @@
       <p:sp>
         <p:nvSpPr>
           <p:cNvPr id="11" name="실행 단추: 끝으로 이동 10">
-            <a:hlinkClick r:id="" action="ppaction://hlinkshowjump?jump=lastslide" highlightClick="1"/>
+            <a:hlinkClick r:id="rId3" action="ppaction://hlinksldjump" highlightClick="1"/>
             <a:extLst>
               <a:ext uri="{FF2B5EF4-FFF2-40B4-BE49-F238E27FC236}">
                 <a16:creationId xmlns:a16="http://schemas.microsoft.com/office/drawing/2014/main" id="{88B84FCF-A279-0F81-573A-FBBDCF1809FA}"/>
@@ -9925,6 +9905,53 @@
                 </a:outerShdw>
               </a:effectLst>
             </a:endParaRPr>
+          </a:p>
+        </p:txBody>
+      </p:sp>
+      <p:sp>
+        <p:nvSpPr>
+          <p:cNvPr id="5" name="실행 단추: 끝으로 이동 4">
+            <a:hlinkClick r:id="" action="ppaction://hlinkshowjump?jump=lastslide" highlightClick="1"/>
+            <a:extLst>
+              <a:ext uri="{FF2B5EF4-FFF2-40B4-BE49-F238E27FC236}">
+                <a16:creationId xmlns:a16="http://schemas.microsoft.com/office/drawing/2014/main" id="{E7CC3964-8093-321C-DFFA-C2A37CFB2F2D}"/>
+              </a:ext>
+            </a:extLst>
+          </p:cNvPr>
+          <p:cNvSpPr/>
+          <p:nvPr/>
+        </p:nvSpPr>
+        <p:spPr>
+          <a:xfrm>
+            <a:off x="10730203" y="295528"/>
+            <a:ext cx="382556" cy="370287"/>
+          </a:xfrm>
+          <a:prstGeom prst="actionButtonEnd">
+            <a:avLst/>
+          </a:prstGeom>
+        </p:spPr>
+        <p:style>
+          <a:lnRef idx="2">
+            <a:schemeClr val="accent1">
+              <a:shade val="50000"/>
+            </a:schemeClr>
+          </a:lnRef>
+          <a:fillRef idx="1">
+            <a:schemeClr val="accent1"/>
+          </a:fillRef>
+          <a:effectRef idx="0">
+            <a:schemeClr val="accent1"/>
+          </a:effectRef>
+          <a:fontRef idx="minor">
+            <a:schemeClr val="lt1"/>
+          </a:fontRef>
+        </p:style>
+        <p:txBody>
+          <a:bodyPr rtlCol="0" anchor="ctr"/>
+          <a:lstStyle/>
+          <a:p>
+            <a:pPr algn="ctr"/>
+            <a:endParaRPr lang="ko-KR" altLang="en-US"/>
           </a:p>
         </p:txBody>
       </p:sp>
@@ -10393,8 +10420,8 @@
         </p:nvSpPr>
         <p:spPr>
           <a:xfrm>
-            <a:off x="317241" y="1996751"/>
-            <a:ext cx="8882743" cy="1200329"/>
+            <a:off x="282517" y="1985176"/>
+            <a:ext cx="11211144" cy="1200329"/>
           </a:xfrm>
           <a:prstGeom prst="rect">
             <a:avLst/>
@@ -10412,55 +10439,12 @@
               <a:buAutoNum type="arabicPeriod"/>
             </a:pPr>
             <a:r>
+              <a:rPr lang="ko-KR" altLang="en-US" dirty="0" err="1"/>
+              <a:t>검사율이높아질수록</a:t>
+            </a:r>
+            <a:r>
               <a:rPr lang="ko-KR" altLang="en-US" dirty="0"/>
-              <a:t>검사를 </a:t>
-            </a:r>
-            <a:r>
-              <a:rPr lang="ko-KR" altLang="en-US" dirty="0" err="1"/>
-              <a:t>많이할수록</a:t>
-            </a:r>
-            <a:r>
-              <a:rPr lang="ko-KR" altLang="en-US" dirty="0"/>
-              <a:t> </a:t>
-            </a:r>
-            <a:r>
-              <a:rPr lang="ko-KR" altLang="en-US" dirty="0" err="1"/>
-              <a:t>사망률이낮아진다</a:t>
-            </a:r>
-            <a:endParaRPr lang="en-US" altLang="ko-KR" dirty="0"/>
-          </a:p>
-          <a:p>
-            <a:r>
-              <a:rPr lang="ko-KR" altLang="en-US" dirty="0"/>
-              <a:t>검사를 </a:t>
-            </a:r>
-            <a:r>
-              <a:rPr lang="ko-KR" altLang="en-US" dirty="0" err="1"/>
-              <a:t>많이하는나라는</a:t>
-            </a:r>
-            <a:r>
-              <a:rPr lang="ko-KR" altLang="en-US" dirty="0"/>
-              <a:t> 대체로 </a:t>
-            </a:r>
-            <a:r>
-              <a:rPr lang="ko-KR" altLang="en-US" dirty="0" err="1"/>
-              <a:t>선진국가이고</a:t>
-            </a:r>
-            <a:r>
-              <a:rPr lang="ko-KR" altLang="en-US" dirty="0"/>
-              <a:t> 의료시스템이 </a:t>
-            </a:r>
-            <a:r>
-              <a:rPr lang="ko-KR" altLang="en-US" dirty="0" err="1"/>
-              <a:t>잘되있기</a:t>
-            </a:r>
-            <a:r>
-              <a:rPr lang="ko-KR" altLang="en-US" dirty="0"/>
-              <a:t> </a:t>
-            </a:r>
-            <a:r>
-              <a:rPr lang="ko-KR" altLang="en-US" dirty="0" err="1"/>
-              <a:t>떄문인거같다</a:t>
+              <a:t> 사망률이 낮아지는 음의 상관관계를 보인다</a:t>
             </a:r>
             <a:r>
               <a:rPr lang="en-US" altLang="ko-KR" dirty="0"/>
@@ -10468,6 +10452,26 @@
             </a:r>
           </a:p>
           <a:p>
+            <a:pPr lvl="1"/>
+            <a:r>
+              <a:rPr lang="ko-KR" altLang="en-US" dirty="0"/>
+              <a:t>검사율이 높다는 것은 </a:t>
+            </a:r>
+            <a:r>
+              <a:rPr lang="ko-KR" altLang="en-US" dirty="0" err="1"/>
+              <a:t>코로나에대해</a:t>
+            </a:r>
+            <a:r>
+              <a:rPr lang="ko-KR" altLang="en-US" dirty="0"/>
+              <a:t> 적극적인 대처한 나라라고 볼 수 있다</a:t>
+            </a:r>
+            <a:r>
+              <a:rPr lang="en-US" altLang="ko-KR" dirty="0"/>
+              <a:t>.</a:t>
+            </a:r>
+          </a:p>
+          <a:p>
+            <a:pPr lvl="1"/>
             <a:endParaRPr lang="en-US" altLang="ko-KR" dirty="0"/>
           </a:p>
           <a:p>
@@ -10476,8 +10480,32 @@
               <a:t>2.  </a:t>
             </a:r>
             <a:r>
+              <a:rPr lang="ko-KR" altLang="en-US" dirty="0"/>
+              <a:t>인구밀도 데이터를 </a:t>
+            </a:r>
+            <a:r>
               <a:rPr lang="ko-KR" altLang="en-US" dirty="0" err="1"/>
-              <a:t>ㅇㅈ</a:t>
+              <a:t>활용할때는</a:t>
+            </a:r>
+            <a:r>
+              <a:rPr lang="ko-KR" altLang="en-US" dirty="0"/>
+              <a:t> 국가별로 </a:t>
+            </a:r>
+            <a:r>
+              <a:rPr lang="ko-KR" altLang="en-US" dirty="0" err="1"/>
+              <a:t>할것이아닌</a:t>
+            </a:r>
+            <a:r>
+              <a:rPr lang="ko-KR" altLang="en-US" dirty="0"/>
+              <a:t> 도시별로 해야 </a:t>
+            </a:r>
+            <a:r>
+              <a:rPr lang="ko-KR" altLang="en-US" dirty="0" err="1"/>
+              <a:t>정확할거같다</a:t>
+            </a:r>
+            <a:r>
+              <a:rPr lang="en-US" altLang="ko-KR" dirty="0"/>
+              <a:t>.</a:t>
             </a:r>
             <a:endParaRPr lang="ko-KR" altLang="en-US" dirty="0"/>
           </a:p>
@@ -10497,442 +10525,6 @@
 </file>
 
 <file path=ppt/slides/slide16.xml><?xml version="1.0" encoding="utf-8"?>
-<p:sld xmlns:a="http://schemas.openxmlformats.org/drawingml/2006/main" xmlns:r="http://schemas.openxmlformats.org/officeDocument/2006/relationships" xmlns:p="http://schemas.openxmlformats.org/presentationml/2006/main">
-  <p:cSld>
-    <p:spTree>
-      <p:nvGrpSpPr>
-        <p:cNvPr id="1" name=""/>
-        <p:cNvGrpSpPr/>
-        <p:nvPr/>
-      </p:nvGrpSpPr>
-      <p:grpSpPr>
-        <a:xfrm>
-          <a:off x="0" y="0"/>
-          <a:ext cx="0" cy="0"/>
-          <a:chOff x="0" y="0"/>
-          <a:chExt cx="0" cy="0"/>
-        </a:xfrm>
-      </p:grpSpPr>
-      <p:sp>
-        <p:nvSpPr>
-          <p:cNvPr id="2" name="제목 1">
-            <a:extLst>
-              <a:ext uri="{FF2B5EF4-FFF2-40B4-BE49-F238E27FC236}">
-                <a16:creationId xmlns:a16="http://schemas.microsoft.com/office/drawing/2014/main" id="{B5935D6E-F4B0-AFC3-19B5-EC083CF01E5E}"/>
-              </a:ext>
-            </a:extLst>
-          </p:cNvPr>
-          <p:cNvSpPr>
-            <a:spLocks noGrp="1"/>
-          </p:cNvSpPr>
-          <p:nvPr>
-            <p:ph type="title"/>
-          </p:nvPr>
-        </p:nvSpPr>
-        <p:spPr/>
-        <p:txBody>
-          <a:bodyPr/>
-          <a:lstStyle/>
-          <a:p>
-            <a:endParaRPr lang="ko-KR" altLang="en-US"/>
-          </a:p>
-        </p:txBody>
-      </p:sp>
-      <p:sp>
-        <p:nvSpPr>
-          <p:cNvPr id="3" name="내용 개체 틀 2">
-            <a:extLst>
-              <a:ext uri="{FF2B5EF4-FFF2-40B4-BE49-F238E27FC236}">
-                <a16:creationId xmlns:a16="http://schemas.microsoft.com/office/drawing/2014/main" id="{738C6E78-A9DD-1870-C8A1-1C1FB003F139}"/>
-              </a:ext>
-            </a:extLst>
-          </p:cNvPr>
-          <p:cNvSpPr>
-            <a:spLocks noGrp="1"/>
-          </p:cNvSpPr>
-          <p:nvPr>
-            <p:ph idx="1"/>
-          </p:nvPr>
-        </p:nvSpPr>
-        <p:spPr/>
-        <p:txBody>
-          <a:bodyPr/>
-          <a:lstStyle/>
-          <a:p>
-            <a:endParaRPr lang="ko-KR" altLang="en-US"/>
-          </a:p>
-        </p:txBody>
-      </p:sp>
-    </p:spTree>
-    <p:extLst>
-      <p:ext uri="{BB962C8B-B14F-4D97-AF65-F5344CB8AC3E}">
-        <p14:creationId xmlns:p14="http://schemas.microsoft.com/office/powerpoint/2010/main" val="127023617"/>
-      </p:ext>
-    </p:extLst>
-  </p:cSld>
-  <p:clrMapOvr>
-    <a:masterClrMapping/>
-  </p:clrMapOvr>
-</p:sld>
-</file>
-
-<file path=ppt/slides/slide17.xml><?xml version="1.0" encoding="utf-8"?>
-<p:sld xmlns:a="http://schemas.openxmlformats.org/drawingml/2006/main" xmlns:r="http://schemas.openxmlformats.org/officeDocument/2006/relationships" xmlns:p="http://schemas.openxmlformats.org/presentationml/2006/main">
-  <p:cSld>
-    <p:spTree>
-      <p:nvGrpSpPr>
-        <p:cNvPr id="1" name=""/>
-        <p:cNvGrpSpPr/>
-        <p:nvPr/>
-      </p:nvGrpSpPr>
-      <p:grpSpPr>
-        <a:xfrm>
-          <a:off x="0" y="0"/>
-          <a:ext cx="0" cy="0"/>
-          <a:chOff x="0" y="0"/>
-          <a:chExt cx="0" cy="0"/>
-        </a:xfrm>
-      </p:grpSpPr>
-      <p:sp>
-        <p:nvSpPr>
-          <p:cNvPr id="2" name="제목 1">
-            <a:extLst>
-              <a:ext uri="{FF2B5EF4-FFF2-40B4-BE49-F238E27FC236}">
-                <a16:creationId xmlns:a16="http://schemas.microsoft.com/office/drawing/2014/main" id="{3BA80EA6-EDCA-DE4A-1BFD-FC84D29BE104}"/>
-              </a:ext>
-            </a:extLst>
-          </p:cNvPr>
-          <p:cNvSpPr>
-            <a:spLocks noGrp="1"/>
-          </p:cNvSpPr>
-          <p:nvPr>
-            <p:ph type="title"/>
-          </p:nvPr>
-        </p:nvSpPr>
-        <p:spPr/>
-        <p:txBody>
-          <a:bodyPr/>
-          <a:lstStyle/>
-          <a:p>
-            <a:r>
-              <a:rPr lang="ko-KR" altLang="en-US" dirty="0" err="1"/>
-              <a:t>협업하다보니</a:t>
-            </a:r>
-            <a:r>
-              <a:rPr lang="ko-KR" altLang="en-US" dirty="0"/>
-              <a:t> </a:t>
-            </a:r>
-            <a:r>
-              <a:rPr lang="ko-KR" altLang="en-US" dirty="0" err="1"/>
-              <a:t>깨달은점</a:t>
-            </a:r>
-            <a:endParaRPr lang="ko-KR" altLang="en-US" dirty="0"/>
-          </a:p>
-        </p:txBody>
-      </p:sp>
-      <p:sp>
-        <p:nvSpPr>
-          <p:cNvPr id="3" name="내용 개체 틀 2">
-            <a:extLst>
-              <a:ext uri="{FF2B5EF4-FFF2-40B4-BE49-F238E27FC236}">
-                <a16:creationId xmlns:a16="http://schemas.microsoft.com/office/drawing/2014/main" id="{A5F66DA2-985B-E179-96F1-50B8A21A9836}"/>
-              </a:ext>
-            </a:extLst>
-          </p:cNvPr>
-          <p:cNvSpPr>
-            <a:spLocks noGrp="1"/>
-          </p:cNvSpPr>
-          <p:nvPr>
-            <p:ph idx="1"/>
-          </p:nvPr>
-        </p:nvSpPr>
-        <p:spPr/>
-        <p:txBody>
-          <a:bodyPr>
-            <a:normAutofit/>
-          </a:bodyPr>
-          <a:lstStyle/>
-          <a:p>
-            <a:pPr marL="0" indent="0">
-              <a:buNone/>
-            </a:pPr>
-            <a:r>
-              <a:rPr lang="ko-KR" altLang="en-US" sz="2000" dirty="0"/>
-              <a:t>처음에 데이터 </a:t>
-            </a:r>
-            <a:r>
-              <a:rPr lang="ko-KR" altLang="en-US" sz="2000" dirty="0" err="1"/>
-              <a:t>가공을하는데</a:t>
-            </a:r>
-            <a:r>
-              <a:rPr lang="ko-KR" altLang="en-US" sz="2000" dirty="0"/>
-              <a:t> 따로따로 가공해서 메인 데이터프레임에다 병합하고 각자   병합한걸 가지고 </a:t>
-            </a:r>
-            <a:r>
-              <a:rPr lang="ko-KR" altLang="en-US" sz="2000" dirty="0" err="1"/>
-              <a:t>합쳤을때</a:t>
-            </a:r>
-            <a:r>
-              <a:rPr lang="ko-KR" altLang="en-US" sz="2000" dirty="0"/>
-              <a:t> 따로 추가로 가공할 </a:t>
-            </a:r>
-            <a:r>
-              <a:rPr lang="ko-KR" altLang="en-US" sz="2000" dirty="0" err="1"/>
-              <a:t>필요가없어서</a:t>
-            </a:r>
-            <a:r>
-              <a:rPr lang="ko-KR" altLang="en-US" sz="2000" dirty="0"/>
-              <a:t> 시간을 </a:t>
-            </a:r>
-            <a:r>
-              <a:rPr lang="ko-KR" altLang="en-US" sz="2000" dirty="0" err="1"/>
-              <a:t>단축시킬수</a:t>
-            </a:r>
-            <a:r>
-              <a:rPr lang="ko-KR" altLang="en-US" sz="2000" dirty="0"/>
-              <a:t> 있을 것이다</a:t>
-            </a:r>
-            <a:r>
-              <a:rPr lang="en-US" altLang="ko-KR" sz="2000" dirty="0"/>
-              <a:t>.</a:t>
-            </a:r>
-          </a:p>
-          <a:p>
-            <a:pPr marL="0" indent="0">
-              <a:buNone/>
-            </a:pPr>
-            <a:endParaRPr lang="en-US" altLang="ko-KR" sz="2000" dirty="0"/>
-          </a:p>
-          <a:p>
-            <a:pPr marL="0" indent="0">
-              <a:buNone/>
-            </a:pPr>
-            <a:r>
-              <a:rPr lang="ko-KR" altLang="en-US" sz="2000" dirty="0"/>
-              <a:t>서로 같은</a:t>
-            </a:r>
-            <a:r>
-              <a:rPr lang="en-US" altLang="ko-KR" sz="2000" dirty="0"/>
-              <a:t>merge</a:t>
-            </a:r>
-            <a:r>
-              <a:rPr lang="ko-KR" altLang="en-US" sz="2000" dirty="0"/>
-              <a:t>하고 데이터가공을 해서 </a:t>
-            </a:r>
-            <a:r>
-              <a:rPr lang="ko-KR" altLang="en-US" sz="2000" dirty="0" err="1"/>
-              <a:t>필요없는작업을</a:t>
-            </a:r>
-            <a:r>
-              <a:rPr lang="ko-KR" altLang="en-US" sz="2000" dirty="0"/>
-              <a:t> 수행했다</a:t>
-            </a:r>
-            <a:r>
-              <a:rPr lang="en-US" altLang="ko-KR" sz="2000"/>
-              <a:t>.</a:t>
-            </a:r>
-            <a:endParaRPr lang="ko-KR" altLang="en-US" sz="2000" dirty="0"/>
-          </a:p>
-        </p:txBody>
-      </p:sp>
-    </p:spTree>
-    <p:extLst>
-      <p:ext uri="{BB962C8B-B14F-4D97-AF65-F5344CB8AC3E}">
-        <p14:creationId xmlns:p14="http://schemas.microsoft.com/office/powerpoint/2010/main" val="47733392"/>
-      </p:ext>
-    </p:extLst>
-  </p:cSld>
-  <p:clrMapOvr>
-    <a:masterClrMapping/>
-  </p:clrMapOvr>
-</p:sld>
-</file>
-
-<file path=ppt/slides/slide18.xml><?xml version="1.0" encoding="utf-8"?>
-<p:sld xmlns:a="http://schemas.openxmlformats.org/drawingml/2006/main" xmlns:r="http://schemas.openxmlformats.org/officeDocument/2006/relationships" xmlns:p="http://schemas.openxmlformats.org/presentationml/2006/main">
-  <p:cSld>
-    <p:spTree>
-      <p:nvGrpSpPr>
-        <p:cNvPr id="1" name=""/>
-        <p:cNvGrpSpPr/>
-        <p:nvPr/>
-      </p:nvGrpSpPr>
-      <p:grpSpPr>
-        <a:xfrm>
-          <a:off x="0" y="0"/>
-          <a:ext cx="0" cy="0"/>
-          <a:chOff x="0" y="0"/>
-          <a:chExt cx="0" cy="0"/>
-        </a:xfrm>
-      </p:grpSpPr>
-      <p:sp>
-        <p:nvSpPr>
-          <p:cNvPr id="4" name="실행 단추: 뒤로 또는 앞으로 이동 3">
-            <a:hlinkClick r:id="" action="ppaction://hlinkshowjump?jump=lastslideviewed" highlightClick="1"/>
-            <a:extLst>
-              <a:ext uri="{FF2B5EF4-FFF2-40B4-BE49-F238E27FC236}">
-                <a16:creationId xmlns:a16="http://schemas.microsoft.com/office/drawing/2014/main" id="{3A6FE045-9BDC-C86E-BE39-E1081BD5B834}"/>
-              </a:ext>
-            </a:extLst>
-          </p:cNvPr>
-          <p:cNvSpPr/>
-          <p:nvPr/>
-        </p:nvSpPr>
-        <p:spPr>
-          <a:xfrm>
-            <a:off x="11557518" y="6214188"/>
-            <a:ext cx="634482" cy="643812"/>
-          </a:xfrm>
-          <a:prstGeom prst="actionButtonBackPrevious">
-            <a:avLst/>
-          </a:prstGeom>
-        </p:spPr>
-        <p:style>
-          <a:lnRef idx="2">
-            <a:schemeClr val="accent1">
-              <a:shade val="50000"/>
-            </a:schemeClr>
-          </a:lnRef>
-          <a:fillRef idx="1">
-            <a:schemeClr val="accent1"/>
-          </a:fillRef>
-          <a:effectRef idx="0">
-            <a:schemeClr val="accent1"/>
-          </a:effectRef>
-          <a:fontRef idx="minor">
-            <a:schemeClr val="lt1"/>
-          </a:fontRef>
-        </p:style>
-        <p:txBody>
-          <a:bodyPr rtlCol="0" anchor="ctr"/>
-          <a:lstStyle/>
-          <a:p>
-            <a:pPr algn="ctr"/>
-            <a:endParaRPr lang="ko-KR" altLang="en-US"/>
-          </a:p>
-        </p:txBody>
-      </p:sp>
-    </p:spTree>
-    <p:extLst>
-      <p:ext uri="{BB962C8B-B14F-4D97-AF65-F5344CB8AC3E}">
-        <p14:creationId xmlns:p14="http://schemas.microsoft.com/office/powerpoint/2010/main" val="1125603181"/>
-      </p:ext>
-    </p:extLst>
-  </p:cSld>
-  <p:clrMapOvr>
-    <a:masterClrMapping/>
-  </p:clrMapOvr>
-</p:sld>
-</file>
-
-<file path=ppt/slides/slide19.xml><?xml version="1.0" encoding="utf-8"?>
-<p:sld xmlns:a="http://schemas.openxmlformats.org/drawingml/2006/main" xmlns:r="http://schemas.openxmlformats.org/officeDocument/2006/relationships" xmlns:p="http://schemas.openxmlformats.org/presentationml/2006/main">
-  <p:cSld>
-    <p:spTree>
-      <p:nvGrpSpPr>
-        <p:cNvPr id="1" name=""/>
-        <p:cNvGrpSpPr/>
-        <p:nvPr/>
-      </p:nvGrpSpPr>
-      <p:grpSpPr>
-        <a:xfrm>
-          <a:off x="0" y="0"/>
-          <a:ext cx="0" cy="0"/>
-          <a:chOff x="0" y="0"/>
-          <a:chExt cx="0" cy="0"/>
-        </a:xfrm>
-      </p:grpSpPr>
-      <p:sp>
-        <p:nvSpPr>
-          <p:cNvPr id="6" name="실행 단추: 뒤로 또는 앞으로 이동 5">
-            <a:hlinkClick r:id="" action="ppaction://hlinkshowjump?jump=lastslideviewed" highlightClick="1"/>
-            <a:extLst>
-              <a:ext uri="{FF2B5EF4-FFF2-40B4-BE49-F238E27FC236}">
-                <a16:creationId xmlns:a16="http://schemas.microsoft.com/office/drawing/2014/main" id="{59BDBBC8-D386-D908-ED1D-792A6C85E29D}"/>
-              </a:ext>
-            </a:extLst>
-          </p:cNvPr>
-          <p:cNvSpPr/>
-          <p:nvPr/>
-        </p:nvSpPr>
-        <p:spPr>
-          <a:xfrm>
-            <a:off x="11557518" y="6214188"/>
-            <a:ext cx="634482" cy="643812"/>
-          </a:xfrm>
-          <a:prstGeom prst="actionButtonBackPrevious">
-            <a:avLst/>
-          </a:prstGeom>
-        </p:spPr>
-        <p:style>
-          <a:lnRef idx="2">
-            <a:schemeClr val="accent1">
-              <a:shade val="50000"/>
-            </a:schemeClr>
-          </a:lnRef>
-          <a:fillRef idx="1">
-            <a:schemeClr val="accent1"/>
-          </a:fillRef>
-          <a:effectRef idx="0">
-            <a:schemeClr val="accent1"/>
-          </a:effectRef>
-          <a:fontRef idx="minor">
-            <a:schemeClr val="lt1"/>
-          </a:fontRef>
-        </p:style>
-        <p:txBody>
-          <a:bodyPr rtlCol="0" anchor="ctr"/>
-          <a:lstStyle/>
-          <a:p>
-            <a:pPr algn="ctr"/>
-            <a:endParaRPr lang="ko-KR" altLang="en-US"/>
-          </a:p>
-        </p:txBody>
-      </p:sp>
-      <p:pic>
-        <p:nvPicPr>
-          <p:cNvPr id="8" name="그림 7">
-            <a:extLst>
-              <a:ext uri="{FF2B5EF4-FFF2-40B4-BE49-F238E27FC236}">
-                <a16:creationId xmlns:a16="http://schemas.microsoft.com/office/drawing/2014/main" id="{233C7132-A2C6-7BF6-8BDE-7D87E7FCC889}"/>
-              </a:ext>
-            </a:extLst>
-          </p:cNvPr>
-          <p:cNvPicPr>
-            <a:picLocks noChangeAspect="1"/>
-          </p:cNvPicPr>
-          <p:nvPr/>
-        </p:nvPicPr>
-        <p:blipFill>
-          <a:blip r:embed="rId2"/>
-          <a:stretch>
-            <a:fillRect/>
-          </a:stretch>
-        </p:blipFill>
-        <p:spPr>
-          <a:xfrm>
-            <a:off x="847853" y="973368"/>
-            <a:ext cx="10365666" cy="4401065"/>
-          </a:xfrm>
-          <a:prstGeom prst="rect">
-            <a:avLst/>
-          </a:prstGeom>
-        </p:spPr>
-      </p:pic>
-    </p:spTree>
-    <p:extLst>
-      <p:ext uri="{BB962C8B-B14F-4D97-AF65-F5344CB8AC3E}">
-        <p14:creationId xmlns:p14="http://schemas.microsoft.com/office/powerpoint/2010/main" val="2494210523"/>
-      </p:ext>
-    </p:extLst>
-  </p:cSld>
-  <p:clrMapOvr>
-    <a:masterClrMapping/>
-  </p:clrMapOvr>
-</p:sld>
-</file>
-
-<file path=ppt/slides/slide2.xml><?xml version="1.0" encoding="utf-8"?>
 <p:sld xmlns:a="http://schemas.openxmlformats.org/drawingml/2006/main" xmlns:r="http://schemas.openxmlformats.org/officeDocument/2006/relationships" xmlns:p="http://schemas.openxmlformats.org/presentationml/2006/main">
   <p:cSld>
     <p:bg>
@@ -11298,6 +10890,1534 @@
               </a:spcAft>
             </a:pPr>
             <a:r>
+              <a:rPr lang="ko-KR" altLang="en-US" sz="4000" dirty="0" err="1">
+                <a:solidFill>
+                  <a:srgbClr val="FFFFFF"/>
+                </a:solidFill>
+                <a:latin typeface="+mj-lt"/>
+                <a:ea typeface="+mj-ea"/>
+                <a:cs typeface="+mj-cs"/>
+              </a:rPr>
+              <a:t>협업하다보니</a:t>
+            </a:r>
+            <a:r>
+              <a:rPr lang="ko-KR" altLang="en-US" sz="4000" dirty="0">
+                <a:solidFill>
+                  <a:srgbClr val="FFFFFF"/>
+                </a:solidFill>
+                <a:latin typeface="+mj-lt"/>
+                <a:ea typeface="+mj-ea"/>
+                <a:cs typeface="+mj-cs"/>
+              </a:rPr>
+              <a:t> </a:t>
+            </a:r>
+            <a:r>
+              <a:rPr lang="ko-KR" altLang="en-US" sz="4000" dirty="0" err="1">
+                <a:solidFill>
+                  <a:srgbClr val="FFFFFF"/>
+                </a:solidFill>
+                <a:latin typeface="+mj-lt"/>
+                <a:ea typeface="+mj-ea"/>
+                <a:cs typeface="+mj-cs"/>
+              </a:rPr>
+              <a:t>깨달은점</a:t>
+            </a:r>
+            <a:endParaRPr lang="ko-KR" altLang="en-US" sz="4000" kern="1200" dirty="0">
+              <a:solidFill>
+                <a:srgbClr val="FFFFFF"/>
+              </a:solidFill>
+              <a:latin typeface="+mj-lt"/>
+              <a:ea typeface="+mj-ea"/>
+              <a:cs typeface="+mj-cs"/>
+            </a:endParaRPr>
+          </a:p>
+        </p:txBody>
+      </p:sp>
+      <mc:AlternateContent xmlns:mc="http://schemas.openxmlformats.org/markup-compatibility/2006">
+        <mc:Choice xmlns:p14="http://schemas.microsoft.com/office/powerpoint/2010/main" Requires="p14">
+          <p:contentPart p14:bwMode="auto" r:id="rId2">
+            <p14:nvContentPartPr>
+              <p14:cNvPr id="10" name="잉크 9">
+                <a:extLst>
+                  <a:ext uri="{FF2B5EF4-FFF2-40B4-BE49-F238E27FC236}">
+                    <a16:creationId xmlns:a16="http://schemas.microsoft.com/office/drawing/2014/main" id="{E8E04C21-B957-CA0A-C712-795599A321F0}"/>
+                  </a:ext>
+                </a:extLst>
+              </p14:cNvPr>
+              <p14:cNvContentPartPr/>
+              <p14:nvPr/>
+            </p14:nvContentPartPr>
+            <p14:xfrm>
+              <a:off x="-133112" y="4500441"/>
+              <a:ext cx="360" cy="360"/>
+            </p14:xfrm>
+          </p:contentPart>
+        </mc:Choice>
+        <mc:Fallback>
+          <p:pic>
+            <p:nvPicPr>
+              <p:cNvPr id="10" name="잉크 9">
+                <a:extLst>
+                  <a:ext uri="{FF2B5EF4-FFF2-40B4-BE49-F238E27FC236}">
+                    <a16:creationId xmlns:a16="http://schemas.microsoft.com/office/drawing/2014/main" id="{E8E04C21-B957-CA0A-C712-795599A321F0}"/>
+                  </a:ext>
+                </a:extLst>
+              </p:cNvPr>
+              <p:cNvPicPr/>
+              <p:nvPr/>
+            </p:nvPicPr>
+            <p:blipFill>
+              <a:blip r:embed="rId3"/>
+              <a:stretch>
+                <a:fillRect/>
+              </a:stretch>
+            </p:blipFill>
+            <p:spPr>
+              <a:xfrm>
+                <a:off x="-187112" y="4392441"/>
+                <a:ext cx="108000" cy="216000"/>
+              </a:xfrm>
+              <a:prstGeom prst="rect">
+                <a:avLst/>
+              </a:prstGeom>
+            </p:spPr>
+          </p:pic>
+        </mc:Fallback>
+      </mc:AlternateContent>
+      <p:sp>
+        <p:nvSpPr>
+          <p:cNvPr id="3" name="TextBox 2">
+            <a:extLst>
+              <a:ext uri="{FF2B5EF4-FFF2-40B4-BE49-F238E27FC236}">
+                <a16:creationId xmlns:a16="http://schemas.microsoft.com/office/drawing/2014/main" id="{17420ECB-8CA9-4FDB-7B19-639114B74AC4}"/>
+              </a:ext>
+            </a:extLst>
+          </p:cNvPr>
+          <p:cNvSpPr txBox="1"/>
+          <p:nvPr/>
+        </p:nvSpPr>
+        <p:spPr>
+          <a:xfrm>
+            <a:off x="317241" y="1996751"/>
+            <a:ext cx="9657183" cy="923330"/>
+          </a:xfrm>
+          <a:prstGeom prst="rect">
+            <a:avLst/>
+          </a:prstGeom>
+          <a:noFill/>
+        </p:spPr>
+        <p:txBody>
+          <a:bodyPr wrap="square" rtlCol="0">
+            <a:spAutoFit/>
+          </a:bodyPr>
+          <a:lstStyle/>
+          <a:p>
+            <a:pPr marL="0" indent="0">
+              <a:buNone/>
+            </a:pPr>
+            <a:r>
+              <a:rPr lang="ko-KR" altLang="en-US" sz="1800" dirty="0"/>
+              <a:t>서로 같은</a:t>
+            </a:r>
+            <a:r>
+              <a:rPr lang="en-US" altLang="ko-KR" sz="1800" dirty="0"/>
+              <a:t>merge</a:t>
+            </a:r>
+            <a:r>
+              <a:rPr lang="ko-KR" altLang="en-US" sz="1800" dirty="0"/>
+              <a:t>하고 데이터가공을 해서 </a:t>
+            </a:r>
+            <a:r>
+              <a:rPr lang="ko-KR" altLang="en-US" sz="1800" dirty="0" err="1"/>
+              <a:t>필요없는작업을</a:t>
+            </a:r>
+            <a:r>
+              <a:rPr lang="ko-KR" altLang="en-US" sz="1800" dirty="0"/>
+              <a:t> </a:t>
+            </a:r>
+            <a:r>
+              <a:rPr lang="ko-KR" altLang="en-US" sz="1800" dirty="0" err="1"/>
+              <a:t>반복수행했다</a:t>
+            </a:r>
+            <a:r>
+              <a:rPr lang="en-US" altLang="ko-KR" sz="1800" dirty="0"/>
+              <a:t>.</a:t>
+            </a:r>
+          </a:p>
+          <a:p>
+            <a:pPr marL="0" indent="0">
+              <a:buNone/>
+            </a:pPr>
+            <a:endParaRPr lang="en-US" altLang="ko-KR" sz="1800" dirty="0"/>
+          </a:p>
+          <a:p>
+            <a:pPr marL="0" indent="0">
+              <a:buNone/>
+            </a:pPr>
+            <a:r>
+              <a:rPr lang="ko-KR" altLang="en-US" sz="1800" dirty="0" err="1"/>
+              <a:t>깃허브</a:t>
+            </a:r>
+            <a:r>
+              <a:rPr lang="ko-KR" altLang="en-US" sz="1800" dirty="0"/>
+              <a:t> 사용법이 미숙하여 공유함에 </a:t>
+            </a:r>
+            <a:r>
+              <a:rPr lang="ko-KR" altLang="en-US" sz="1800" dirty="0" err="1"/>
+              <a:t>어려움이있었다</a:t>
+            </a:r>
+            <a:r>
+              <a:rPr lang="en-US" altLang="ko-KR" sz="1800" dirty="0"/>
+              <a:t>.</a:t>
+            </a:r>
+            <a:endParaRPr lang="ko-KR" altLang="en-US" sz="1800" dirty="0"/>
+          </a:p>
+        </p:txBody>
+      </p:sp>
+    </p:spTree>
+    <p:extLst>
+      <p:ext uri="{BB962C8B-B14F-4D97-AF65-F5344CB8AC3E}">
+        <p14:creationId xmlns:p14="http://schemas.microsoft.com/office/powerpoint/2010/main" val="3173636513"/>
+      </p:ext>
+    </p:extLst>
+  </p:cSld>
+  <p:clrMapOvr>
+    <a:masterClrMapping/>
+  </p:clrMapOvr>
+</p:sld>
+</file>
+
+<file path=ppt/slides/slide17.xml><?xml version="1.0" encoding="utf-8"?>
+<p:sld xmlns:a="http://schemas.openxmlformats.org/drawingml/2006/main" xmlns:r="http://schemas.openxmlformats.org/officeDocument/2006/relationships" xmlns:p="http://schemas.openxmlformats.org/presentationml/2006/main">
+  <p:cSld>
+    <p:bg>
+      <p:bgPr>
+        <a:solidFill>
+          <a:schemeClr val="bg1"/>
+        </a:solidFill>
+        <a:effectLst/>
+      </p:bgPr>
+    </p:bg>
+    <p:spTree>
+      <p:nvGrpSpPr>
+        <p:cNvPr id="1" name=""/>
+        <p:cNvGrpSpPr/>
+        <p:nvPr/>
+      </p:nvGrpSpPr>
+      <p:grpSpPr>
+        <a:xfrm>
+          <a:off x="0" y="0"/>
+          <a:ext cx="0" cy="0"/>
+          <a:chOff x="0" y="0"/>
+          <a:chExt cx="0" cy="0"/>
+        </a:xfrm>
+      </p:grpSpPr>
+      <p:sp useBgFill="1">
+        <p:nvSpPr>
+          <p:cNvPr id="58" name="Rectangle 35">
+            <a:extLst>
+              <a:ext uri="{FF2B5EF4-FFF2-40B4-BE49-F238E27FC236}">
+                <a16:creationId xmlns:a16="http://schemas.microsoft.com/office/drawing/2014/main" id="{577D6B2E-37A3-429E-A37C-F30ED6487282}"/>
+              </a:ext>
+              <a:ext uri="{C183D7F6-B498-43B3-948B-1728B52AA6E4}">
+                <adec:decorative xmlns:adec="http://schemas.microsoft.com/office/drawing/2017/decorative" val="1"/>
+              </a:ext>
+            </a:extLst>
+          </p:cNvPr>
+          <p:cNvSpPr>
+            <a:spLocks noGrp="1" noRot="1" noChangeAspect="1" noMove="1" noResize="1" noEditPoints="1" noAdjustHandles="1" noChangeArrowheads="1" noChangeShapeType="1" noTextEdit="1"/>
+          </p:cNvSpPr>
+          <p:nvPr>
+            <p:extLst>
+              <p:ext uri="{386F3935-93C4-4BCD-93E2-E3B085C9AB24}">
+                <p16:designElem xmlns:p16="http://schemas.microsoft.com/office/powerpoint/2015/main" val="1"/>
+              </p:ext>
+            </p:extLst>
+          </p:nvPr>
+        </p:nvSpPr>
+        <p:spPr>
+          <a:xfrm>
+            <a:off x="0" y="0"/>
+            <a:ext cx="12192000" cy="6858000"/>
+          </a:xfrm>
+          <a:prstGeom prst="rect">
+            <a:avLst/>
+          </a:prstGeom>
+          <a:ln w="12700" cap="flat" cmpd="sng" algn="ctr">
+            <a:noFill/>
+            <a:prstDash val="solid"/>
+            <a:miter lim="800000"/>
+          </a:ln>
+          <a:effectLst/>
+          <a:extLst>
+            <a:ext uri="{91240B29-F687-4F45-9708-019B960494DF}">
+              <a14:hiddenLine xmlns:a14="http://schemas.microsoft.com/office/drawing/2010/main" w="12700" cap="flat" cmpd="sng" algn="ctr">
+                <a:solidFill>
+                  <a:schemeClr val="accent1">
+                    <a:shade val="50000"/>
+                  </a:schemeClr>
+                </a:solidFill>
+                <a:prstDash val="solid"/>
+                <a:miter lim="800000"/>
+              </a14:hiddenLine>
+            </a:ext>
+          </a:extLst>
+        </p:spPr>
+        <p:style>
+          <a:lnRef idx="2">
+            <a:schemeClr val="accent1">
+              <a:shade val="50000"/>
+            </a:schemeClr>
+          </a:lnRef>
+          <a:fillRef idx="1">
+            <a:schemeClr val="accent1"/>
+          </a:fillRef>
+          <a:effectRef idx="0">
+            <a:schemeClr val="accent1"/>
+          </a:effectRef>
+          <a:fontRef idx="minor">
+            <a:schemeClr val="lt1"/>
+          </a:fontRef>
+        </p:style>
+        <p:txBody>
+          <a:bodyPr rtlCol="0" anchor="ctr"/>
+          <a:lstStyle/>
+          <a:p>
+            <a:pPr algn="ctr"/>
+            <a:endParaRPr lang="en-US"/>
+          </a:p>
+        </p:txBody>
+      </p:sp>
+      <p:sp>
+        <p:nvSpPr>
+          <p:cNvPr id="59" name="Rectangle 37">
+            <a:extLst>
+              <a:ext uri="{FF2B5EF4-FFF2-40B4-BE49-F238E27FC236}">
+                <a16:creationId xmlns:a16="http://schemas.microsoft.com/office/drawing/2014/main" id="{5CEAD642-85CF-4750-8432-7C80C901F001}"/>
+              </a:ext>
+              <a:ext uri="{C183D7F6-B498-43B3-948B-1728B52AA6E4}">
+                <adec:decorative xmlns:adec="http://schemas.microsoft.com/office/drawing/2017/decorative" val="1"/>
+              </a:ext>
+            </a:extLst>
+          </p:cNvPr>
+          <p:cNvSpPr>
+            <a:spLocks noGrp="1" noRot="1" noChangeAspect="1" noMove="1" noResize="1" noEditPoints="1" noAdjustHandles="1" noChangeArrowheads="1" noChangeShapeType="1" noTextEdit="1"/>
+          </p:cNvSpPr>
+          <p:nvPr>
+            <p:extLst>
+              <p:ext uri="{386F3935-93C4-4BCD-93E2-E3B085C9AB24}">
+                <p16:designElem xmlns:p16="http://schemas.microsoft.com/office/powerpoint/2015/main" val="1"/>
+              </p:ext>
+            </p:extLst>
+          </p:nvPr>
+        </p:nvSpPr>
+        <p:spPr>
+          <a:xfrm rot="10800000">
+            <a:off x="-11723" y="-1"/>
+            <a:ext cx="12225953" cy="6868071"/>
+          </a:xfrm>
+          <a:prstGeom prst="rect">
+            <a:avLst/>
+          </a:prstGeom>
+          <a:gradFill>
+            <a:gsLst>
+              <a:gs pos="0">
+                <a:srgbClr val="000000"/>
+              </a:gs>
+              <a:gs pos="100000">
+                <a:schemeClr val="accent1">
+                  <a:lumMod val="75000"/>
+                </a:schemeClr>
+              </a:gs>
+            </a:gsLst>
+            <a:lin ang="4200000" scaled="0"/>
+          </a:gradFill>
+          <a:ln>
+            <a:noFill/>
+          </a:ln>
+        </p:spPr>
+        <p:style>
+          <a:lnRef idx="2">
+            <a:schemeClr val="accent1">
+              <a:shade val="50000"/>
+            </a:schemeClr>
+          </a:lnRef>
+          <a:fillRef idx="1">
+            <a:schemeClr val="accent1"/>
+          </a:fillRef>
+          <a:effectRef idx="0">
+            <a:schemeClr val="accent1"/>
+          </a:effectRef>
+          <a:fontRef idx="minor">
+            <a:schemeClr val="lt1"/>
+          </a:fontRef>
+        </p:style>
+        <p:txBody>
+          <a:bodyPr rtlCol="0" anchor="ctr"/>
+          <a:lstStyle/>
+          <a:p>
+            <a:pPr algn="ctr"/>
+            <a:endParaRPr lang="en-US"/>
+          </a:p>
+        </p:txBody>
+      </p:sp>
+      <p:sp>
+        <p:nvSpPr>
+          <p:cNvPr id="60" name="Rectangle 39">
+            <a:extLst>
+              <a:ext uri="{FF2B5EF4-FFF2-40B4-BE49-F238E27FC236}">
+                <a16:creationId xmlns:a16="http://schemas.microsoft.com/office/drawing/2014/main" id="{FA33EEAE-15D5-4119-8C1E-89D943F911EF}"/>
+              </a:ext>
+              <a:ext uri="{C183D7F6-B498-43B3-948B-1728B52AA6E4}">
+                <adec:decorative xmlns:adec="http://schemas.microsoft.com/office/drawing/2017/decorative" val="1"/>
+              </a:ext>
+            </a:extLst>
+          </p:cNvPr>
+          <p:cNvSpPr>
+            <a:spLocks noGrp="1" noRot="1" noChangeAspect="1" noMove="1" noResize="1" noEditPoints="1" noAdjustHandles="1" noChangeArrowheads="1" noChangeShapeType="1" noTextEdit="1"/>
+          </p:cNvSpPr>
+          <p:nvPr>
+            <p:extLst>
+              <p:ext uri="{386F3935-93C4-4BCD-93E2-E3B085C9AB24}">
+                <p16:designElem xmlns:p16="http://schemas.microsoft.com/office/powerpoint/2015/main" val="1"/>
+              </p:ext>
+            </p:extLst>
+          </p:nvPr>
+        </p:nvSpPr>
+        <p:spPr>
+          <a:xfrm rot="10800000" flipH="1">
+            <a:off x="441959" y="-3"/>
+            <a:ext cx="11772269" cy="6868074"/>
+          </a:xfrm>
+          <a:prstGeom prst="rect">
+            <a:avLst/>
+          </a:prstGeom>
+          <a:gradFill>
+            <a:gsLst>
+              <a:gs pos="21000">
+                <a:schemeClr val="accent1">
+                  <a:lumMod val="50000"/>
+                  <a:alpha val="83000"/>
+                </a:schemeClr>
+              </a:gs>
+              <a:gs pos="100000">
+                <a:schemeClr val="accent1">
+                  <a:alpha val="0"/>
+                </a:schemeClr>
+              </a:gs>
+            </a:gsLst>
+            <a:lin ang="8400000" scaled="0"/>
+          </a:gradFill>
+          <a:ln>
+            <a:noFill/>
+          </a:ln>
+        </p:spPr>
+        <p:style>
+          <a:lnRef idx="2">
+            <a:schemeClr val="accent1">
+              <a:shade val="50000"/>
+            </a:schemeClr>
+          </a:lnRef>
+          <a:fillRef idx="1">
+            <a:schemeClr val="accent1"/>
+          </a:fillRef>
+          <a:effectRef idx="0">
+            <a:schemeClr val="accent1"/>
+          </a:effectRef>
+          <a:fontRef idx="minor">
+            <a:schemeClr val="lt1"/>
+          </a:fontRef>
+        </p:style>
+        <p:txBody>
+          <a:bodyPr rtlCol="0" anchor="ctr"/>
+          <a:lstStyle/>
+          <a:p>
+            <a:pPr algn="ctr"/>
+            <a:endParaRPr lang="en-US"/>
+          </a:p>
+        </p:txBody>
+      </p:sp>
+      <p:sp>
+        <p:nvSpPr>
+          <p:cNvPr id="61" name="Rectangle 41">
+            <a:extLst>
+              <a:ext uri="{FF2B5EF4-FFF2-40B4-BE49-F238E27FC236}">
+                <a16:creationId xmlns:a16="http://schemas.microsoft.com/office/drawing/2014/main" id="{730D8B3B-9B80-4025-B934-26DC7D7CD231}"/>
+              </a:ext>
+              <a:ext uri="{C183D7F6-B498-43B3-948B-1728B52AA6E4}">
+                <adec:decorative xmlns:adec="http://schemas.microsoft.com/office/drawing/2017/decorative" val="1"/>
+              </a:ext>
+            </a:extLst>
+          </p:cNvPr>
+          <p:cNvSpPr>
+            <a:spLocks noGrp="1" noRot="1" noChangeAspect="1" noMove="1" noResize="1" noEditPoints="1" noAdjustHandles="1" noChangeArrowheads="1" noChangeShapeType="1" noTextEdit="1"/>
+          </p:cNvSpPr>
+          <p:nvPr>
+            <p:extLst>
+              <p:ext uri="{386F3935-93C4-4BCD-93E2-E3B085C9AB24}">
+                <p16:designElem xmlns:p16="http://schemas.microsoft.com/office/powerpoint/2015/main" val="1"/>
+              </p:ext>
+            </p:extLst>
+          </p:nvPr>
+        </p:nvSpPr>
+        <p:spPr>
+          <a:xfrm rot="10800000">
+            <a:off x="-15200" y="0"/>
+            <a:ext cx="3623374" cy="6868072"/>
+          </a:xfrm>
+          <a:prstGeom prst="rect">
+            <a:avLst/>
+          </a:prstGeom>
+          <a:gradFill>
+            <a:gsLst>
+              <a:gs pos="0">
+                <a:schemeClr val="accent1">
+                  <a:lumMod val="75000"/>
+                  <a:alpha val="0"/>
+                </a:schemeClr>
+              </a:gs>
+              <a:gs pos="99000">
+                <a:srgbClr val="000000">
+                  <a:alpha val="41000"/>
+                </a:srgbClr>
+              </a:gs>
+            </a:gsLst>
+            <a:lin ang="13200000" scaled="0"/>
+          </a:gradFill>
+          <a:ln>
+            <a:noFill/>
+          </a:ln>
+        </p:spPr>
+        <p:style>
+          <a:lnRef idx="2">
+            <a:schemeClr val="accent1">
+              <a:shade val="50000"/>
+            </a:schemeClr>
+          </a:lnRef>
+          <a:fillRef idx="1">
+            <a:schemeClr val="accent1"/>
+          </a:fillRef>
+          <a:effectRef idx="0">
+            <a:schemeClr val="accent1"/>
+          </a:effectRef>
+          <a:fontRef idx="minor">
+            <a:schemeClr val="lt1"/>
+          </a:fontRef>
+        </p:style>
+        <p:txBody>
+          <a:bodyPr rtlCol="0" anchor="ctr"/>
+          <a:lstStyle/>
+          <a:p>
+            <a:pPr algn="ctr"/>
+            <a:endParaRPr lang="en-US"/>
+          </a:p>
+        </p:txBody>
+      </p:sp>
+      <p:sp>
+        <p:nvSpPr>
+          <p:cNvPr id="62" name="Rectangle 43">
+            <a:extLst>
+              <a:ext uri="{FF2B5EF4-FFF2-40B4-BE49-F238E27FC236}">
+                <a16:creationId xmlns:a16="http://schemas.microsoft.com/office/drawing/2014/main" id="{1064D5D5-227B-4F66-9AEA-46F570E793BD}"/>
+              </a:ext>
+              <a:ext uri="{C183D7F6-B498-43B3-948B-1728B52AA6E4}">
+                <adec:decorative xmlns:adec="http://schemas.microsoft.com/office/drawing/2017/decorative" val="1"/>
+              </a:ext>
+            </a:extLst>
+          </p:cNvPr>
+          <p:cNvSpPr>
+            <a:spLocks noGrp="1" noRot="1" noChangeAspect="1" noMove="1" noResize="1" noEditPoints="1" noAdjustHandles="1" noChangeArrowheads="1" noChangeShapeType="1" noTextEdit="1"/>
+          </p:cNvSpPr>
+          <p:nvPr>
+            <p:extLst>
+              <p:ext uri="{386F3935-93C4-4BCD-93E2-E3B085C9AB24}">
+                <p16:designElem xmlns:p16="http://schemas.microsoft.com/office/powerpoint/2015/main" val="1"/>
+              </p:ext>
+            </p:extLst>
+          </p:nvPr>
+        </p:nvSpPr>
+        <p:spPr>
+          <a:xfrm flipH="1">
+            <a:off x="-15875" y="-3"/>
+            <a:ext cx="12233581" cy="6868076"/>
+          </a:xfrm>
+          <a:prstGeom prst="rect">
+            <a:avLst/>
+          </a:prstGeom>
+          <a:gradFill>
+            <a:gsLst>
+              <a:gs pos="3000">
+                <a:schemeClr val="accent1">
+                  <a:lumMod val="75000"/>
+                  <a:alpha val="0"/>
+                </a:schemeClr>
+              </a:gs>
+              <a:gs pos="100000">
+                <a:srgbClr val="000000">
+                  <a:alpha val="73000"/>
+                </a:srgbClr>
+              </a:gs>
+            </a:gsLst>
+            <a:lin ang="17400000" scaled="0"/>
+          </a:gradFill>
+          <a:ln>
+            <a:noFill/>
+          </a:ln>
+        </p:spPr>
+        <p:style>
+          <a:lnRef idx="2">
+            <a:schemeClr val="accent1">
+              <a:shade val="50000"/>
+            </a:schemeClr>
+          </a:lnRef>
+          <a:fillRef idx="1">
+            <a:schemeClr val="accent1"/>
+          </a:fillRef>
+          <a:effectRef idx="0">
+            <a:schemeClr val="accent1"/>
+          </a:effectRef>
+          <a:fontRef idx="minor">
+            <a:schemeClr val="lt1"/>
+          </a:fontRef>
+        </p:style>
+        <p:txBody>
+          <a:bodyPr rtlCol="0" anchor="ctr"/>
+          <a:lstStyle/>
+          <a:p>
+            <a:pPr algn="ctr"/>
+            <a:endParaRPr lang="en-US"/>
+          </a:p>
+        </p:txBody>
+      </p:sp>
+      <p:sp>
+        <p:nvSpPr>
+          <p:cNvPr id="63" name="Rectangle 45">
+            <a:extLst>
+              <a:ext uri="{FF2B5EF4-FFF2-40B4-BE49-F238E27FC236}">
+                <a16:creationId xmlns:a16="http://schemas.microsoft.com/office/drawing/2014/main" id="{646B67A4-D328-4747-A82B-65E84FA46368}"/>
+              </a:ext>
+              <a:ext uri="{C183D7F6-B498-43B3-948B-1728B52AA6E4}">
+                <adec:decorative xmlns:adec="http://schemas.microsoft.com/office/drawing/2017/decorative" val="1"/>
+              </a:ext>
+            </a:extLst>
+          </p:cNvPr>
+          <p:cNvSpPr>
+            <a:spLocks noGrp="1" noRot="1" noChangeAspect="1" noMove="1" noResize="1" noEditPoints="1" noAdjustHandles="1" noChangeArrowheads="1" noChangeShapeType="1" noTextEdit="1"/>
+          </p:cNvSpPr>
+          <p:nvPr>
+            <p:extLst>
+              <p:ext uri="{386F3935-93C4-4BCD-93E2-E3B085C9AB24}">
+                <p16:designElem xmlns:p16="http://schemas.microsoft.com/office/powerpoint/2015/main" val="1"/>
+              </p:ext>
+            </p:extLst>
+          </p:nvPr>
+        </p:nvSpPr>
+        <p:spPr>
+          <a:xfrm rot="5400000" flipH="1">
+            <a:off x="4484334" y="-861824"/>
+            <a:ext cx="6861931" cy="8597859"/>
+          </a:xfrm>
+          <a:prstGeom prst="rect">
+            <a:avLst/>
+          </a:prstGeom>
+          <a:gradFill>
+            <a:gsLst>
+              <a:gs pos="3000">
+                <a:schemeClr val="accent1">
+                  <a:lumMod val="75000"/>
+                  <a:alpha val="0"/>
+                </a:schemeClr>
+              </a:gs>
+              <a:gs pos="100000">
+                <a:srgbClr val="000000">
+                  <a:alpha val="27000"/>
+                </a:srgbClr>
+              </a:gs>
+            </a:gsLst>
+            <a:lin ang="13800000" scaled="0"/>
+          </a:gradFill>
+          <a:ln>
+            <a:noFill/>
+          </a:ln>
+        </p:spPr>
+        <p:style>
+          <a:lnRef idx="2">
+            <a:schemeClr val="accent1">
+              <a:shade val="50000"/>
+            </a:schemeClr>
+          </a:lnRef>
+          <a:fillRef idx="1">
+            <a:schemeClr val="accent1"/>
+          </a:fillRef>
+          <a:effectRef idx="0">
+            <a:schemeClr val="accent1"/>
+          </a:effectRef>
+          <a:fontRef idx="minor">
+            <a:schemeClr val="lt1"/>
+          </a:fontRef>
+        </p:style>
+        <p:txBody>
+          <a:bodyPr rtlCol="0" anchor="ctr"/>
+          <a:lstStyle/>
+          <a:p>
+            <a:pPr algn="ctr"/>
+            <a:endParaRPr lang="en-US"/>
+          </a:p>
+        </p:txBody>
+      </p:sp>
+      <p:sp>
+        <p:nvSpPr>
+          <p:cNvPr id="64" name="Oval 47">
+            <a:extLst>
+              <a:ext uri="{FF2B5EF4-FFF2-40B4-BE49-F238E27FC236}">
+                <a16:creationId xmlns:a16="http://schemas.microsoft.com/office/drawing/2014/main" id="{B5A1B09C-1565-46F8-B70F-621C5EB48A09}"/>
+              </a:ext>
+              <a:ext uri="{C183D7F6-B498-43B3-948B-1728B52AA6E4}">
+                <adec:decorative xmlns:adec="http://schemas.microsoft.com/office/drawing/2017/decorative" val="1"/>
+              </a:ext>
+            </a:extLst>
+          </p:cNvPr>
+          <p:cNvSpPr>
+            <a:spLocks noGrp="1" noRot="1" noChangeAspect="1" noMove="1" noResize="1" noEditPoints="1" noAdjustHandles="1" noChangeArrowheads="1" noChangeShapeType="1" noTextEdit="1"/>
+          </p:cNvSpPr>
+          <p:nvPr>
+            <p:extLst>
+              <p:ext uri="{386F3935-93C4-4BCD-93E2-E3B085C9AB24}">
+                <p16:designElem xmlns:p16="http://schemas.microsoft.com/office/powerpoint/2015/main" val="1"/>
+              </p:ext>
+            </p:extLst>
+          </p:nvPr>
+        </p:nvSpPr>
+        <p:spPr>
+          <a:xfrm rot="5993193">
+            <a:off x="1186972" y="1089049"/>
+            <a:ext cx="4967533" cy="4988390"/>
+          </a:xfrm>
+          <a:prstGeom prst="ellipse">
+            <a:avLst/>
+          </a:prstGeom>
+          <a:gradFill>
+            <a:gsLst>
+              <a:gs pos="0">
+                <a:schemeClr val="accent1">
+                  <a:alpha val="26000"/>
+                </a:schemeClr>
+              </a:gs>
+              <a:gs pos="85000">
+                <a:schemeClr val="accent1">
+                  <a:lumMod val="60000"/>
+                  <a:lumOff val="40000"/>
+                  <a:alpha val="0"/>
+                </a:schemeClr>
+              </a:gs>
+            </a:gsLst>
+            <a:lin ang="14400000" scaled="0"/>
+          </a:gradFill>
+          <a:ln>
+            <a:noFill/>
+          </a:ln>
+        </p:spPr>
+        <p:style>
+          <a:lnRef idx="2">
+            <a:schemeClr val="accent1">
+              <a:shade val="50000"/>
+            </a:schemeClr>
+          </a:lnRef>
+          <a:fillRef idx="1">
+            <a:schemeClr val="accent1"/>
+          </a:fillRef>
+          <a:effectRef idx="0">
+            <a:schemeClr val="accent1"/>
+          </a:effectRef>
+          <a:fontRef idx="minor">
+            <a:schemeClr val="lt1"/>
+          </a:fontRef>
+        </p:style>
+        <p:txBody>
+          <a:bodyPr rtlCol="0" anchor="ctr"/>
+          <a:lstStyle/>
+          <a:p>
+            <a:pPr algn="ctr"/>
+            <a:endParaRPr lang="en-US" dirty="0"/>
+          </a:p>
+        </p:txBody>
+      </p:sp>
+      <p:sp>
+        <p:nvSpPr>
+          <p:cNvPr id="6" name="TextBox 5">
+            <a:extLst>
+              <a:ext uri="{FF2B5EF4-FFF2-40B4-BE49-F238E27FC236}">
+                <a16:creationId xmlns:a16="http://schemas.microsoft.com/office/drawing/2014/main" id="{D5026F6D-17ED-2FF8-67FE-8CC0068A44E4}"/>
+              </a:ext>
+            </a:extLst>
+          </p:cNvPr>
+          <p:cNvSpPr txBox="1"/>
+          <p:nvPr/>
+        </p:nvSpPr>
+        <p:spPr>
+          <a:xfrm>
+            <a:off x="4162567" y="818984"/>
+            <a:ext cx="6714699" cy="3178689"/>
+          </a:xfrm>
+          <a:prstGeom prst="rect">
+            <a:avLst/>
+          </a:prstGeom>
+        </p:spPr>
+        <p:txBody>
+          <a:bodyPr vert="horz" lIns="91440" tIns="45720" rIns="91440" bIns="45720" rtlCol="0" anchor="b">
+            <a:normAutofit/>
+          </a:bodyPr>
+          <a:lstStyle/>
+          <a:p>
+            <a:pPr latinLnBrk="0">
+              <a:lnSpc>
+                <a:spcPct val="90000"/>
+              </a:lnSpc>
+              <a:spcBef>
+                <a:spcPct val="0"/>
+              </a:spcBef>
+              <a:spcAft>
+                <a:spcPts val="600"/>
+              </a:spcAft>
+            </a:pPr>
+            <a:r>
+              <a:rPr lang="ko-KR" altLang="en-US" sz="4800" kern="1200">
+                <a:solidFill>
+                  <a:srgbClr val="FFFFFF"/>
+                </a:solidFill>
+                <a:latin typeface="+mj-lt"/>
+                <a:ea typeface="+mj-ea"/>
+                <a:cs typeface="+mj-cs"/>
+              </a:rPr>
+              <a:t>감사합니다</a:t>
+            </a:r>
+            <a:r>
+              <a:rPr lang="en-US" altLang="ko-KR" sz="4800" kern="1200">
+                <a:solidFill>
+                  <a:srgbClr val="FFFFFF"/>
+                </a:solidFill>
+                <a:latin typeface="+mj-lt"/>
+                <a:ea typeface="+mj-ea"/>
+                <a:cs typeface="+mj-cs"/>
+              </a:rPr>
+              <a:t>.</a:t>
+            </a:r>
+          </a:p>
+        </p:txBody>
+      </p:sp>
+      <p:sp>
+        <p:nvSpPr>
+          <p:cNvPr id="65" name="Rectangle 49">
+            <a:extLst>
+              <a:ext uri="{FF2B5EF4-FFF2-40B4-BE49-F238E27FC236}">
+                <a16:creationId xmlns:a16="http://schemas.microsoft.com/office/drawing/2014/main" id="{8C516CC8-80AC-446C-A56E-9F54B7210402}"/>
+              </a:ext>
+              <a:ext uri="{C183D7F6-B498-43B3-948B-1728B52AA6E4}">
+                <adec:decorative xmlns:adec="http://schemas.microsoft.com/office/drawing/2017/decorative" val="1"/>
+              </a:ext>
+            </a:extLst>
+          </p:cNvPr>
+          <p:cNvSpPr>
+            <a:spLocks noGrp="1" noRot="1" noChangeAspect="1" noMove="1" noResize="1" noEditPoints="1" noAdjustHandles="1" noChangeArrowheads="1" noChangeShapeType="1" noTextEdit="1"/>
+          </p:cNvSpPr>
+          <p:nvPr>
+            <p:extLst>
+              <p:ext uri="{386F3935-93C4-4BCD-93E2-E3B085C9AB24}">
+                <p16:designElem xmlns:p16="http://schemas.microsoft.com/office/powerpoint/2015/main" val="1"/>
+              </p:ext>
+            </p:extLst>
+          </p:nvPr>
+        </p:nvSpPr>
+        <p:spPr>
+          <a:xfrm flipH="1">
+            <a:off x="-3" y="4490110"/>
+            <a:ext cx="12217710" cy="2377962"/>
+          </a:xfrm>
+          <a:prstGeom prst="rect">
+            <a:avLst/>
+          </a:prstGeom>
+          <a:gradFill>
+            <a:gsLst>
+              <a:gs pos="0">
+                <a:schemeClr val="accent1">
+                  <a:lumMod val="75000"/>
+                  <a:alpha val="50000"/>
+                </a:schemeClr>
+              </a:gs>
+              <a:gs pos="99000">
+                <a:srgbClr val="000000">
+                  <a:alpha val="34000"/>
+                </a:srgbClr>
+              </a:gs>
+            </a:gsLst>
+            <a:lin ang="13200000" scaled="0"/>
+          </a:gradFill>
+          <a:ln>
+            <a:noFill/>
+          </a:ln>
+        </p:spPr>
+        <p:style>
+          <a:lnRef idx="2">
+            <a:schemeClr val="accent1">
+              <a:shade val="50000"/>
+            </a:schemeClr>
+          </a:lnRef>
+          <a:fillRef idx="1">
+            <a:schemeClr val="accent1"/>
+          </a:fillRef>
+          <a:effectRef idx="0">
+            <a:schemeClr val="accent1"/>
+          </a:effectRef>
+          <a:fontRef idx="minor">
+            <a:schemeClr val="lt1"/>
+          </a:fontRef>
+        </p:style>
+        <p:txBody>
+          <a:bodyPr rtlCol="0" anchor="ctr"/>
+          <a:lstStyle/>
+          <a:p>
+            <a:pPr algn="ctr"/>
+            <a:endParaRPr lang="en-US"/>
+          </a:p>
+        </p:txBody>
+      </p:sp>
+    </p:spTree>
+    <p:extLst>
+      <p:ext uri="{BB962C8B-B14F-4D97-AF65-F5344CB8AC3E}">
+        <p14:creationId xmlns:p14="http://schemas.microsoft.com/office/powerpoint/2010/main" val="127023617"/>
+      </p:ext>
+    </p:extLst>
+  </p:cSld>
+  <p:clrMapOvr>
+    <a:masterClrMapping/>
+  </p:clrMapOvr>
+</p:sld>
+</file>
+
+<file path=ppt/slides/slide18.xml><?xml version="1.0" encoding="utf-8"?>
+<p:sld xmlns:a="http://schemas.openxmlformats.org/drawingml/2006/main" xmlns:r="http://schemas.openxmlformats.org/officeDocument/2006/relationships" xmlns:p="http://schemas.openxmlformats.org/presentationml/2006/main">
+  <p:cSld>
+    <p:spTree>
+      <p:nvGrpSpPr>
+        <p:cNvPr id="1" name=""/>
+        <p:cNvGrpSpPr/>
+        <p:nvPr/>
+      </p:nvGrpSpPr>
+      <p:grpSpPr>
+        <a:xfrm>
+          <a:off x="0" y="0"/>
+          <a:ext cx="0" cy="0"/>
+          <a:chOff x="0" y="0"/>
+          <a:chExt cx="0" cy="0"/>
+        </a:xfrm>
+      </p:grpSpPr>
+      <p:sp>
+        <p:nvSpPr>
+          <p:cNvPr id="4" name="실행 단추: 뒤로 또는 앞으로 이동 3">
+            <a:hlinkClick r:id="" action="ppaction://hlinkshowjump?jump=lastslideviewed" highlightClick="1"/>
+            <a:extLst>
+              <a:ext uri="{FF2B5EF4-FFF2-40B4-BE49-F238E27FC236}">
+                <a16:creationId xmlns:a16="http://schemas.microsoft.com/office/drawing/2014/main" id="{3A6FE045-9BDC-C86E-BE39-E1081BD5B834}"/>
+              </a:ext>
+            </a:extLst>
+          </p:cNvPr>
+          <p:cNvSpPr/>
+          <p:nvPr/>
+        </p:nvSpPr>
+        <p:spPr>
+          <a:xfrm>
+            <a:off x="11557518" y="6214188"/>
+            <a:ext cx="634482" cy="643812"/>
+          </a:xfrm>
+          <a:prstGeom prst="actionButtonBackPrevious">
+            <a:avLst/>
+          </a:prstGeom>
+        </p:spPr>
+        <p:style>
+          <a:lnRef idx="2">
+            <a:schemeClr val="accent1">
+              <a:shade val="50000"/>
+            </a:schemeClr>
+          </a:lnRef>
+          <a:fillRef idx="1">
+            <a:schemeClr val="accent1"/>
+          </a:fillRef>
+          <a:effectRef idx="0">
+            <a:schemeClr val="accent1"/>
+          </a:effectRef>
+          <a:fontRef idx="minor">
+            <a:schemeClr val="lt1"/>
+          </a:fontRef>
+        </p:style>
+        <p:txBody>
+          <a:bodyPr rtlCol="0" anchor="ctr"/>
+          <a:lstStyle/>
+          <a:p>
+            <a:pPr algn="ctr"/>
+            <a:endParaRPr lang="ko-KR" altLang="en-US"/>
+          </a:p>
+        </p:txBody>
+      </p:sp>
+      <p:pic>
+        <p:nvPicPr>
+          <p:cNvPr id="6" name="그림 5">
+            <a:extLst>
+              <a:ext uri="{FF2B5EF4-FFF2-40B4-BE49-F238E27FC236}">
+                <a16:creationId xmlns:a16="http://schemas.microsoft.com/office/drawing/2014/main" id="{3F1EB9D7-2C54-5F8E-B534-5E07F133FD10}"/>
+              </a:ext>
+            </a:extLst>
+          </p:cNvPr>
+          <p:cNvPicPr>
+            <a:picLocks noChangeAspect="1"/>
+          </p:cNvPicPr>
+          <p:nvPr/>
+        </p:nvPicPr>
+        <p:blipFill>
+          <a:blip r:embed="rId2"/>
+          <a:stretch>
+            <a:fillRect/>
+          </a:stretch>
+        </p:blipFill>
+        <p:spPr>
+          <a:xfrm>
+            <a:off x="93306" y="248798"/>
+            <a:ext cx="6801892" cy="3315495"/>
+          </a:xfrm>
+          <a:prstGeom prst="rect">
+            <a:avLst/>
+          </a:prstGeom>
+        </p:spPr>
+      </p:pic>
+      <p:pic>
+        <p:nvPicPr>
+          <p:cNvPr id="8" name="그림 7">
+            <a:extLst>
+              <a:ext uri="{FF2B5EF4-FFF2-40B4-BE49-F238E27FC236}">
+                <a16:creationId xmlns:a16="http://schemas.microsoft.com/office/drawing/2014/main" id="{B1220DAA-CC15-553C-7C99-B76E379F46CD}"/>
+              </a:ext>
+            </a:extLst>
+          </p:cNvPr>
+          <p:cNvPicPr>
+            <a:picLocks noChangeAspect="1"/>
+          </p:cNvPicPr>
+          <p:nvPr/>
+        </p:nvPicPr>
+        <p:blipFill>
+          <a:blip r:embed="rId3"/>
+          <a:stretch>
+            <a:fillRect/>
+          </a:stretch>
+        </p:blipFill>
+        <p:spPr>
+          <a:xfrm>
+            <a:off x="5776393" y="1906545"/>
+            <a:ext cx="6784624" cy="4335661"/>
+          </a:xfrm>
+          <a:prstGeom prst="rect">
+            <a:avLst/>
+          </a:prstGeom>
+        </p:spPr>
+      </p:pic>
+      <p:pic>
+        <p:nvPicPr>
+          <p:cNvPr id="10" name="그림 9">
+            <a:extLst>
+              <a:ext uri="{FF2B5EF4-FFF2-40B4-BE49-F238E27FC236}">
+                <a16:creationId xmlns:a16="http://schemas.microsoft.com/office/drawing/2014/main" id="{62308EFF-A877-B857-C945-6793ED36B211}"/>
+              </a:ext>
+            </a:extLst>
+          </p:cNvPr>
+          <p:cNvPicPr>
+            <a:picLocks noChangeAspect="1"/>
+          </p:cNvPicPr>
+          <p:nvPr/>
+        </p:nvPicPr>
+        <p:blipFill>
+          <a:blip r:embed="rId4"/>
+          <a:stretch>
+            <a:fillRect/>
+          </a:stretch>
+        </p:blipFill>
+        <p:spPr>
+          <a:xfrm>
+            <a:off x="1478128" y="3044904"/>
+            <a:ext cx="517819" cy="230141"/>
+          </a:xfrm>
+          <a:prstGeom prst="rect">
+            <a:avLst/>
+          </a:prstGeom>
+        </p:spPr>
+      </p:pic>
+    </p:spTree>
+    <p:extLst>
+      <p:ext uri="{BB962C8B-B14F-4D97-AF65-F5344CB8AC3E}">
+        <p14:creationId xmlns:p14="http://schemas.microsoft.com/office/powerpoint/2010/main" val="1125603181"/>
+      </p:ext>
+    </p:extLst>
+  </p:cSld>
+  <p:clrMapOvr>
+    <a:masterClrMapping/>
+  </p:clrMapOvr>
+</p:sld>
+</file>
+
+<file path=ppt/slides/slide19.xml><?xml version="1.0" encoding="utf-8"?>
+<p:sld xmlns:a="http://schemas.openxmlformats.org/drawingml/2006/main" xmlns:r="http://schemas.openxmlformats.org/officeDocument/2006/relationships" xmlns:p="http://schemas.openxmlformats.org/presentationml/2006/main">
+  <p:cSld>
+    <p:spTree>
+      <p:nvGrpSpPr>
+        <p:cNvPr id="1" name=""/>
+        <p:cNvGrpSpPr/>
+        <p:nvPr/>
+      </p:nvGrpSpPr>
+      <p:grpSpPr>
+        <a:xfrm>
+          <a:off x="0" y="0"/>
+          <a:ext cx="0" cy="0"/>
+          <a:chOff x="0" y="0"/>
+          <a:chExt cx="0" cy="0"/>
+        </a:xfrm>
+      </p:grpSpPr>
+      <p:pic>
+        <p:nvPicPr>
+          <p:cNvPr id="6" name="그림 5">
+            <a:extLst>
+              <a:ext uri="{FF2B5EF4-FFF2-40B4-BE49-F238E27FC236}">
+                <a16:creationId xmlns:a16="http://schemas.microsoft.com/office/drawing/2014/main" id="{36F6E01D-AD62-BE45-B978-DB7967BF82A2}"/>
+              </a:ext>
+            </a:extLst>
+          </p:cNvPr>
+          <p:cNvPicPr>
+            <a:picLocks noChangeAspect="1"/>
+          </p:cNvPicPr>
+          <p:nvPr/>
+        </p:nvPicPr>
+        <p:blipFill>
+          <a:blip r:embed="rId2"/>
+          <a:stretch>
+            <a:fillRect/>
+          </a:stretch>
+        </p:blipFill>
+        <p:spPr>
+          <a:xfrm>
+            <a:off x="2360644" y="926034"/>
+            <a:ext cx="6754323" cy="5394686"/>
+          </a:xfrm>
+          <a:prstGeom prst="rect">
+            <a:avLst/>
+          </a:prstGeom>
+        </p:spPr>
+      </p:pic>
+      <p:pic>
+        <p:nvPicPr>
+          <p:cNvPr id="8" name="그림 7">
+            <a:hlinkClick r:id="" action="ppaction://hlinkshowjump?jump=lastslideviewed"/>
+            <a:extLst>
+              <a:ext uri="{FF2B5EF4-FFF2-40B4-BE49-F238E27FC236}">
+                <a16:creationId xmlns:a16="http://schemas.microsoft.com/office/drawing/2014/main" id="{200F973E-B373-DEF3-5BB7-C1BE39000D5D}"/>
+              </a:ext>
+            </a:extLst>
+          </p:cNvPr>
+          <p:cNvPicPr>
+            <a:picLocks noChangeAspect="1"/>
+          </p:cNvPicPr>
+          <p:nvPr/>
+        </p:nvPicPr>
+        <p:blipFill>
+          <a:blip r:embed="rId3"/>
+          <a:stretch>
+            <a:fillRect/>
+          </a:stretch>
+        </p:blipFill>
+        <p:spPr>
+          <a:xfrm>
+            <a:off x="11417171" y="6168118"/>
+            <a:ext cx="647700" cy="657225"/>
+          </a:xfrm>
+          <a:prstGeom prst="rect">
+            <a:avLst/>
+          </a:prstGeom>
+        </p:spPr>
+      </p:pic>
+    </p:spTree>
+    <p:extLst>
+      <p:ext uri="{BB962C8B-B14F-4D97-AF65-F5344CB8AC3E}">
+        <p14:creationId xmlns:p14="http://schemas.microsoft.com/office/powerpoint/2010/main" val="1842336370"/>
+      </p:ext>
+    </p:extLst>
+  </p:cSld>
+  <p:clrMapOvr>
+    <a:masterClrMapping/>
+  </p:clrMapOvr>
+</p:sld>
+</file>
+
+<file path=ppt/slides/slide2.xml><?xml version="1.0" encoding="utf-8"?>
+<p:sld xmlns:a="http://schemas.openxmlformats.org/drawingml/2006/main" xmlns:r="http://schemas.openxmlformats.org/officeDocument/2006/relationships" xmlns:p="http://schemas.openxmlformats.org/presentationml/2006/main">
+  <p:cSld>
+    <p:bg>
+      <p:bgPr>
+        <a:solidFill>
+          <a:schemeClr val="bg1"/>
+        </a:solidFill>
+        <a:effectLst/>
+      </p:bgPr>
+    </p:bg>
+    <p:spTree>
+      <p:nvGrpSpPr>
+        <p:cNvPr id="1" name=""/>
+        <p:cNvGrpSpPr/>
+        <p:nvPr/>
+      </p:nvGrpSpPr>
+      <p:grpSpPr>
+        <a:xfrm>
+          <a:off x="0" y="0"/>
+          <a:ext cx="0" cy="0"/>
+          <a:chOff x="0" y="0"/>
+          <a:chExt cx="0" cy="0"/>
+        </a:xfrm>
+      </p:grpSpPr>
+      <p:sp useBgFill="1">
+        <p:nvSpPr>
+          <p:cNvPr id="13" name="Rectangle 12">
+            <a:extLst>
+              <a:ext uri="{FF2B5EF4-FFF2-40B4-BE49-F238E27FC236}">
+                <a16:creationId xmlns:a16="http://schemas.microsoft.com/office/drawing/2014/main" id="{BACC6370-2D7E-4714-9D71-7542949D7D5D}"/>
+              </a:ext>
+              <a:ext uri="{C183D7F6-B498-43B3-948B-1728B52AA6E4}">
+                <adec:decorative xmlns:adec="http://schemas.microsoft.com/office/drawing/2017/decorative" val="1"/>
+              </a:ext>
+            </a:extLst>
+          </p:cNvPr>
+          <p:cNvSpPr>
+            <a:spLocks noGrp="1" noRot="1" noChangeAspect="1" noMove="1" noResize="1" noEditPoints="1" noAdjustHandles="1" noChangeArrowheads="1" noChangeShapeType="1" noTextEdit="1"/>
+          </p:cNvSpPr>
+          <p:nvPr>
+            <p:extLst>
+              <p:ext uri="{386F3935-93C4-4BCD-93E2-E3B085C9AB24}">
+                <p16:designElem xmlns:p16="http://schemas.microsoft.com/office/powerpoint/2015/main" val="1"/>
+              </p:ext>
+            </p:extLst>
+          </p:nvPr>
+        </p:nvSpPr>
+        <p:spPr>
+          <a:xfrm>
+            <a:off x="0" y="0"/>
+            <a:ext cx="12192000" cy="6858000"/>
+          </a:xfrm>
+          <a:prstGeom prst="rect">
+            <a:avLst/>
+          </a:prstGeom>
+          <a:ln w="12700" cap="flat" cmpd="sng" algn="ctr">
+            <a:noFill/>
+            <a:prstDash val="solid"/>
+            <a:miter lim="800000"/>
+          </a:ln>
+          <a:effectLst/>
+          <a:extLst>
+            <a:ext uri="{91240B29-F687-4F45-9708-019B960494DF}">
+              <a14:hiddenLine xmlns:a14="http://schemas.microsoft.com/office/drawing/2010/main" w="12700" cap="flat" cmpd="sng" algn="ctr">
+                <a:solidFill>
+                  <a:schemeClr val="accent1">
+                    <a:shade val="50000"/>
+                  </a:schemeClr>
+                </a:solidFill>
+                <a:prstDash val="solid"/>
+                <a:miter lim="800000"/>
+              </a14:hiddenLine>
+            </a:ext>
+          </a:extLst>
+        </p:spPr>
+        <p:style>
+          <a:lnRef idx="2">
+            <a:schemeClr val="accent1">
+              <a:shade val="50000"/>
+            </a:schemeClr>
+          </a:lnRef>
+          <a:fillRef idx="1">
+            <a:schemeClr val="accent1"/>
+          </a:fillRef>
+          <a:effectRef idx="0">
+            <a:schemeClr val="accent1"/>
+          </a:effectRef>
+          <a:fontRef idx="minor">
+            <a:schemeClr val="lt1"/>
+          </a:fontRef>
+        </p:style>
+        <p:txBody>
+          <a:bodyPr rtlCol="0" anchor="ctr"/>
+          <a:lstStyle/>
+          <a:p>
+            <a:pPr algn="ctr"/>
+            <a:endParaRPr lang="en-US"/>
+          </a:p>
+        </p:txBody>
+      </p:sp>
+      <p:sp>
+        <p:nvSpPr>
+          <p:cNvPr id="15" name="Rectangle 14">
+            <a:extLst>
+              <a:ext uri="{FF2B5EF4-FFF2-40B4-BE49-F238E27FC236}">
+                <a16:creationId xmlns:a16="http://schemas.microsoft.com/office/drawing/2014/main" id="{F68B3F68-107C-434F-AA38-110D5EA91B85}"/>
+              </a:ext>
+              <a:ext uri="{C183D7F6-B498-43B3-948B-1728B52AA6E4}">
+                <adec:decorative xmlns:adec="http://schemas.microsoft.com/office/drawing/2017/decorative" val="1"/>
+              </a:ext>
+            </a:extLst>
+          </p:cNvPr>
+          <p:cNvSpPr>
+            <a:spLocks noGrp="1" noRot="1" noChangeAspect="1" noMove="1" noResize="1" noEditPoints="1" noAdjustHandles="1" noChangeArrowheads="1" noChangeShapeType="1" noTextEdit="1"/>
+          </p:cNvSpPr>
+          <p:nvPr>
+            <p:extLst>
+              <p:ext uri="{386F3935-93C4-4BCD-93E2-E3B085C9AB24}">
+                <p16:designElem xmlns:p16="http://schemas.microsoft.com/office/powerpoint/2015/main" val="1"/>
+              </p:ext>
+            </p:extLst>
+          </p:nvPr>
+        </p:nvSpPr>
+        <p:spPr>
+          <a:xfrm flipH="1">
+            <a:off x="2" y="0"/>
+            <a:ext cx="12191998" cy="1575955"/>
+          </a:xfrm>
+          <a:prstGeom prst="rect">
+            <a:avLst/>
+          </a:prstGeom>
+          <a:gradFill>
+            <a:gsLst>
+              <a:gs pos="0">
+                <a:srgbClr val="000000">
+                  <a:alpha val="96000"/>
+                </a:srgbClr>
+              </a:gs>
+              <a:gs pos="100000">
+                <a:schemeClr val="accent1">
+                  <a:lumMod val="75000"/>
+                </a:schemeClr>
+              </a:gs>
+            </a:gsLst>
+            <a:lin ang="8400000" scaled="0"/>
+          </a:gradFill>
+          <a:ln>
+            <a:noFill/>
+          </a:ln>
+        </p:spPr>
+        <p:style>
+          <a:lnRef idx="2">
+            <a:schemeClr val="accent1">
+              <a:shade val="50000"/>
+            </a:schemeClr>
+          </a:lnRef>
+          <a:fillRef idx="1">
+            <a:schemeClr val="accent1"/>
+          </a:fillRef>
+          <a:effectRef idx="0">
+            <a:schemeClr val="accent1"/>
+          </a:effectRef>
+          <a:fontRef idx="minor">
+            <a:schemeClr val="lt1"/>
+          </a:fontRef>
+        </p:style>
+        <p:txBody>
+          <a:bodyPr rtlCol="0" anchor="ctr"/>
+          <a:lstStyle/>
+          <a:p>
+            <a:pPr algn="ctr"/>
+            <a:endParaRPr lang="en-US"/>
+          </a:p>
+        </p:txBody>
+      </p:sp>
+      <p:sp>
+        <p:nvSpPr>
+          <p:cNvPr id="17" name="Rectangle 16">
+            <a:extLst>
+              <a:ext uri="{FF2B5EF4-FFF2-40B4-BE49-F238E27FC236}">
+                <a16:creationId xmlns:a16="http://schemas.microsoft.com/office/drawing/2014/main" id="{AAD0DBB9-1A4B-4391-81D4-CB19F9AB918A}"/>
+              </a:ext>
+              <a:ext uri="{C183D7F6-B498-43B3-948B-1728B52AA6E4}">
+                <adec:decorative xmlns:adec="http://schemas.microsoft.com/office/drawing/2017/decorative" val="1"/>
+              </a:ext>
+            </a:extLst>
+          </p:cNvPr>
+          <p:cNvSpPr>
+            <a:spLocks noGrp="1" noRot="1" noChangeAspect="1" noMove="1" noResize="1" noEditPoints="1" noAdjustHandles="1" noChangeArrowheads="1" noChangeShapeType="1" noTextEdit="1"/>
+          </p:cNvSpPr>
+          <p:nvPr>
+            <p:extLst>
+              <p:ext uri="{386F3935-93C4-4BCD-93E2-E3B085C9AB24}">
+                <p16:designElem xmlns:p16="http://schemas.microsoft.com/office/powerpoint/2015/main" val="1"/>
+              </p:ext>
+            </p:extLst>
+          </p:nvPr>
+        </p:nvSpPr>
+        <p:spPr>
+          <a:xfrm rot="10800000" flipH="1">
+            <a:off x="8128857" y="0"/>
+            <a:ext cx="4063143" cy="1576412"/>
+          </a:xfrm>
+          <a:prstGeom prst="rect">
+            <a:avLst/>
+          </a:prstGeom>
+          <a:gradFill>
+            <a:gsLst>
+              <a:gs pos="19000">
+                <a:schemeClr val="accent1">
+                  <a:lumMod val="50000"/>
+                  <a:alpha val="68000"/>
+                </a:schemeClr>
+              </a:gs>
+              <a:gs pos="100000">
+                <a:schemeClr val="accent1">
+                  <a:alpha val="79000"/>
+                </a:schemeClr>
+              </a:gs>
+            </a:gsLst>
+            <a:lin ang="19200000" scaled="0"/>
+          </a:gradFill>
+          <a:ln>
+            <a:noFill/>
+          </a:ln>
+        </p:spPr>
+        <p:style>
+          <a:lnRef idx="2">
+            <a:schemeClr val="accent1">
+              <a:shade val="50000"/>
+            </a:schemeClr>
+          </a:lnRef>
+          <a:fillRef idx="1">
+            <a:schemeClr val="accent1"/>
+          </a:fillRef>
+          <a:effectRef idx="0">
+            <a:schemeClr val="accent1"/>
+          </a:effectRef>
+          <a:fontRef idx="minor">
+            <a:schemeClr val="lt1"/>
+          </a:fontRef>
+        </p:style>
+        <p:txBody>
+          <a:bodyPr rtlCol="0" anchor="ctr"/>
+          <a:lstStyle/>
+          <a:p>
+            <a:pPr algn="ctr"/>
+            <a:endParaRPr lang="en-US"/>
+          </a:p>
+        </p:txBody>
+      </p:sp>
+      <p:sp>
+        <p:nvSpPr>
+          <p:cNvPr id="19" name="Rectangle 18">
+            <a:extLst>
+              <a:ext uri="{FF2B5EF4-FFF2-40B4-BE49-F238E27FC236}">
+                <a16:creationId xmlns:a16="http://schemas.microsoft.com/office/drawing/2014/main" id="{063BBA22-50EA-4C4D-BE05-F1CE4E63AA56}"/>
+              </a:ext>
+              <a:ext uri="{C183D7F6-B498-43B3-948B-1728B52AA6E4}">
+                <adec:decorative xmlns:adec="http://schemas.microsoft.com/office/drawing/2017/decorative" val="1"/>
+              </a:ext>
+            </a:extLst>
+          </p:cNvPr>
+          <p:cNvSpPr>
+            <a:spLocks noGrp="1" noRot="1" noChangeAspect="1" noMove="1" noResize="1" noEditPoints="1" noAdjustHandles="1" noChangeArrowheads="1" noChangeShapeType="1" noTextEdit="1"/>
+          </p:cNvSpPr>
+          <p:nvPr>
+            <p:extLst>
+              <p:ext uri="{386F3935-93C4-4BCD-93E2-E3B085C9AB24}">
+                <p16:designElem xmlns:p16="http://schemas.microsoft.com/office/powerpoint/2015/main" val="1"/>
+              </p:ext>
+            </p:extLst>
+          </p:nvPr>
+        </p:nvSpPr>
+        <p:spPr>
+          <a:xfrm rot="5400000">
+            <a:off x="5307777" y="-5307778"/>
+            <a:ext cx="1576446" cy="12192002"/>
+          </a:xfrm>
+          <a:prstGeom prst="rect">
+            <a:avLst/>
+          </a:prstGeom>
+          <a:gradFill>
+            <a:gsLst>
+              <a:gs pos="23000">
+                <a:schemeClr val="accent1">
+                  <a:alpha val="0"/>
+                </a:schemeClr>
+              </a:gs>
+              <a:gs pos="99000">
+                <a:srgbClr val="000000">
+                  <a:alpha val="74000"/>
+                </a:srgbClr>
+              </a:gs>
+            </a:gsLst>
+            <a:lin ang="20400000" scaled="0"/>
+          </a:gradFill>
+          <a:ln>
+            <a:noFill/>
+          </a:ln>
+        </p:spPr>
+        <p:style>
+          <a:lnRef idx="2">
+            <a:schemeClr val="accent1">
+              <a:shade val="50000"/>
+            </a:schemeClr>
+          </a:lnRef>
+          <a:fillRef idx="1">
+            <a:schemeClr val="accent1"/>
+          </a:fillRef>
+          <a:effectRef idx="0">
+            <a:schemeClr val="accent1"/>
+          </a:effectRef>
+          <a:fontRef idx="minor">
+            <a:schemeClr val="lt1"/>
+          </a:fontRef>
+        </p:style>
+        <p:txBody>
+          <a:bodyPr rtlCol="0" anchor="ctr"/>
+          <a:lstStyle/>
+          <a:p>
+            <a:pPr algn="ctr"/>
+            <a:endParaRPr lang="en-US" dirty="0"/>
+          </a:p>
+        </p:txBody>
+      </p:sp>
+      <p:sp>
+        <p:nvSpPr>
+          <p:cNvPr id="7" name="TextBox 6">
+            <a:extLst>
+              <a:ext uri="{FF2B5EF4-FFF2-40B4-BE49-F238E27FC236}">
+                <a16:creationId xmlns:a16="http://schemas.microsoft.com/office/drawing/2014/main" id="{850BD45A-EC9E-C730-1645-4E446A6FAF52}"/>
+              </a:ext>
+            </a:extLst>
+          </p:cNvPr>
+          <p:cNvSpPr txBox="1"/>
+          <p:nvPr/>
+        </p:nvSpPr>
+        <p:spPr>
+          <a:xfrm>
+            <a:off x="390522" y="316512"/>
+            <a:ext cx="10044023" cy="877729"/>
+          </a:xfrm>
+          <a:prstGeom prst="rect">
+            <a:avLst/>
+          </a:prstGeom>
+        </p:spPr>
+        <p:txBody>
+          <a:bodyPr vert="horz" lIns="91440" tIns="45720" rIns="91440" bIns="45720" rtlCol="0" anchor="ctr">
+            <a:normAutofit/>
+          </a:bodyPr>
+          <a:lstStyle/>
+          <a:p>
+            <a:pPr latinLnBrk="0">
+              <a:lnSpc>
+                <a:spcPct val="90000"/>
+              </a:lnSpc>
+              <a:spcBef>
+                <a:spcPct val="0"/>
+              </a:spcBef>
+              <a:spcAft>
+                <a:spcPts val="600"/>
+              </a:spcAft>
+            </a:pPr>
+            <a:r>
               <a:rPr lang="en-US" altLang="ko-KR" sz="4000" kern="1200" dirty="0">
                 <a:solidFill>
                   <a:srgbClr val="FFFFFF"/>
@@ -11357,6 +12477,113 @@
     <p:extLst>
       <p:ext uri="{BB962C8B-B14F-4D97-AF65-F5344CB8AC3E}">
         <p14:creationId xmlns:p14="http://schemas.microsoft.com/office/powerpoint/2010/main" val="2121366196"/>
+      </p:ext>
+    </p:extLst>
+  </p:cSld>
+  <p:clrMapOvr>
+    <a:masterClrMapping/>
+  </p:clrMapOvr>
+</p:sld>
+</file>
+
+<file path=ppt/slides/slide20.xml><?xml version="1.0" encoding="utf-8"?>
+<p:sld xmlns:a="http://schemas.openxmlformats.org/drawingml/2006/main" xmlns:r="http://schemas.openxmlformats.org/officeDocument/2006/relationships" xmlns:p="http://schemas.openxmlformats.org/presentationml/2006/main">
+  <p:cSld>
+    <p:spTree>
+      <p:nvGrpSpPr>
+        <p:cNvPr id="1" name=""/>
+        <p:cNvGrpSpPr/>
+        <p:nvPr/>
+      </p:nvGrpSpPr>
+      <p:grpSpPr>
+        <a:xfrm>
+          <a:off x="0" y="0"/>
+          <a:ext cx="0" cy="0"/>
+          <a:chOff x="0" y="0"/>
+          <a:chExt cx="0" cy="0"/>
+        </a:xfrm>
+      </p:grpSpPr>
+      <p:sp>
+        <p:nvSpPr>
+          <p:cNvPr id="6" name="실행 단추: 뒤로 또는 앞으로 이동 5">
+            <a:hlinkClick r:id="" action="ppaction://hlinkshowjump?jump=lastslideviewed" highlightClick="1"/>
+            <a:extLst>
+              <a:ext uri="{FF2B5EF4-FFF2-40B4-BE49-F238E27FC236}">
+                <a16:creationId xmlns:a16="http://schemas.microsoft.com/office/drawing/2014/main" id="{59BDBBC8-D386-D908-ED1D-792A6C85E29D}"/>
+              </a:ext>
+            </a:extLst>
+          </p:cNvPr>
+          <p:cNvSpPr/>
+          <p:nvPr/>
+        </p:nvSpPr>
+        <p:spPr>
+          <a:xfrm>
+            <a:off x="11557518" y="6214188"/>
+            <a:ext cx="634482" cy="643812"/>
+          </a:xfrm>
+          <a:prstGeom prst="actionButtonBackPrevious">
+            <a:avLst/>
+          </a:prstGeom>
+        </p:spPr>
+        <p:style>
+          <a:lnRef idx="2">
+            <a:schemeClr val="accent1">
+              <a:shade val="50000"/>
+            </a:schemeClr>
+          </a:lnRef>
+          <a:fillRef idx="1">
+            <a:schemeClr val="accent1"/>
+          </a:fillRef>
+          <a:effectRef idx="0">
+            <a:schemeClr val="accent1"/>
+          </a:effectRef>
+          <a:fontRef idx="minor">
+            <a:schemeClr val="lt1"/>
+          </a:fontRef>
+        </p:style>
+        <p:txBody>
+          <a:bodyPr rtlCol="0" anchor="ctr"/>
+          <a:lstStyle/>
+          <a:p>
+            <a:pPr algn="ctr"/>
+            <a:endParaRPr lang="ko-KR" altLang="en-US"/>
+          </a:p>
+        </p:txBody>
+      </p:sp>
+      <p:pic>
+        <p:nvPicPr>
+          <p:cNvPr id="8" name="그림 7">
+            <a:extLst>
+              <a:ext uri="{FF2B5EF4-FFF2-40B4-BE49-F238E27FC236}">
+                <a16:creationId xmlns:a16="http://schemas.microsoft.com/office/drawing/2014/main" id="{233C7132-A2C6-7BF6-8BDE-7D87E7FCC889}"/>
+              </a:ext>
+            </a:extLst>
+          </p:cNvPr>
+          <p:cNvPicPr>
+            <a:picLocks noChangeAspect="1"/>
+          </p:cNvPicPr>
+          <p:nvPr/>
+        </p:nvPicPr>
+        <p:blipFill>
+          <a:blip r:embed="rId2"/>
+          <a:stretch>
+            <a:fillRect/>
+          </a:stretch>
+        </p:blipFill>
+        <p:spPr>
+          <a:xfrm>
+            <a:off x="847853" y="973368"/>
+            <a:ext cx="10365666" cy="4401065"/>
+          </a:xfrm>
+          <a:prstGeom prst="rect">
+            <a:avLst/>
+          </a:prstGeom>
+        </p:spPr>
+      </p:pic>
+    </p:spTree>
+    <p:extLst>
+      <p:ext uri="{BB962C8B-B14F-4D97-AF65-F5344CB8AC3E}">
+        <p14:creationId xmlns:p14="http://schemas.microsoft.com/office/powerpoint/2010/main" val="2494210523"/>
       </p:ext>
     </p:extLst>
   </p:cSld>
@@ -14564,10 +15791,10 @@
       </p:grpSpPr>
       <p:pic>
         <p:nvPicPr>
-          <p:cNvPr id="6" name="그림 5">
-            <a:extLst>
-              <a:ext uri="{FF2B5EF4-FFF2-40B4-BE49-F238E27FC236}">
-                <a16:creationId xmlns:a16="http://schemas.microsoft.com/office/drawing/2014/main" id="{4F3ED296-3A1E-8AB5-88B9-9DB56152CD7D}"/>
+          <p:cNvPr id="14" name="그림 13">
+            <a:extLst>
+              <a:ext uri="{FF2B5EF4-FFF2-40B4-BE49-F238E27FC236}">
+                <a16:creationId xmlns:a16="http://schemas.microsoft.com/office/drawing/2014/main" id="{2F716F80-51B9-C5C9-C0A2-D622C884478D}"/>
               </a:ext>
             </a:extLst>
           </p:cNvPr>
@@ -14584,8 +15811,8 @@
         </p:blipFill>
         <p:spPr>
           <a:xfrm>
-            <a:off x="8105776" y="-227397"/>
-            <a:ext cx="3852164" cy="7085397"/>
+            <a:off x="957311" y="2147613"/>
+            <a:ext cx="4709568" cy="4709568"/>
           </a:xfrm>
           <a:prstGeom prst="rect">
             <a:avLst/>
@@ -14614,8 +15841,8 @@
         </p:blipFill>
         <p:spPr>
           <a:xfrm>
-            <a:off x="1140548" y="2120141"/>
-            <a:ext cx="6340389" cy="2827265"/>
+            <a:off x="2825297" y="819"/>
+            <a:ext cx="6340389" cy="2285182"/>
           </a:xfrm>
           <a:prstGeom prst="rect">
             <a:avLst/>
@@ -14624,10 +15851,10 @@
       </p:pic>
       <p:sp>
         <p:nvSpPr>
-          <p:cNvPr id="9" name="TextBox 8">
-            <a:extLst>
-              <a:ext uri="{FF2B5EF4-FFF2-40B4-BE49-F238E27FC236}">
-                <a16:creationId xmlns:a16="http://schemas.microsoft.com/office/drawing/2014/main" id="{A1812FF9-CA54-5085-6339-53867333CADF}"/>
+          <p:cNvPr id="10" name="TextBox 9">
+            <a:extLst>
+              <a:ext uri="{FF2B5EF4-FFF2-40B4-BE49-F238E27FC236}">
+                <a16:creationId xmlns:a16="http://schemas.microsoft.com/office/drawing/2014/main" id="{1A2D5D4F-2256-87B3-FF55-D095CE30CC25}"/>
               </a:ext>
             </a:extLst>
           </p:cNvPr>
@@ -14636,7 +15863,7 @@
         </p:nvSpPr>
         <p:spPr>
           <a:xfrm>
-            <a:off x="7667194" y="1599117"/>
+            <a:off x="4914861" y="6478083"/>
             <a:ext cx="877163" cy="369332"/>
           </a:xfrm>
           <a:prstGeom prst="rect">
@@ -14651,18 +15878,49 @@
           <a:lstStyle/>
           <a:p>
             <a:r>
-              <a:rPr lang="ko-KR" altLang="en-US" dirty="0"/>
-              <a:t>사망률</a:t>
-            </a:r>
+              <a:rPr lang="ko-KR" altLang="en-US" dirty="0" err="1"/>
+              <a:t>검사률</a:t>
+            </a:r>
+            <a:endParaRPr lang="ko-KR" altLang="en-US" dirty="0"/>
           </a:p>
         </p:txBody>
       </p:sp>
+      <p:pic>
+        <p:nvPicPr>
+          <p:cNvPr id="16" name="그림 15">
+            <a:extLst>
+              <a:ext uri="{FF2B5EF4-FFF2-40B4-BE49-F238E27FC236}">
+                <a16:creationId xmlns:a16="http://schemas.microsoft.com/office/drawing/2014/main" id="{259199B7-1DEF-3B25-96E1-690DE0DFA53C}"/>
+              </a:ext>
+            </a:extLst>
+          </p:cNvPr>
+          <p:cNvPicPr>
+            <a:picLocks noChangeAspect="1"/>
+          </p:cNvPicPr>
+          <p:nvPr/>
+        </p:nvPicPr>
+        <p:blipFill>
+          <a:blip r:embed="rId4"/>
+          <a:stretch>
+            <a:fillRect/>
+          </a:stretch>
+        </p:blipFill>
+        <p:spPr>
+          <a:xfrm>
+            <a:off x="6624190" y="2286001"/>
+            <a:ext cx="4610500" cy="4496190"/>
+          </a:xfrm>
+          <a:prstGeom prst="rect">
+            <a:avLst/>
+          </a:prstGeom>
+        </p:spPr>
+      </p:pic>
       <p:sp>
         <p:nvSpPr>
-          <p:cNvPr id="10" name="TextBox 9">
-            <a:extLst>
-              <a:ext uri="{FF2B5EF4-FFF2-40B4-BE49-F238E27FC236}">
-                <a16:creationId xmlns:a16="http://schemas.microsoft.com/office/drawing/2014/main" id="{1A2D5D4F-2256-87B3-FF55-D095CE30CC25}"/>
+          <p:cNvPr id="12" name="TextBox 11">
+            <a:extLst>
+              <a:ext uri="{FF2B5EF4-FFF2-40B4-BE49-F238E27FC236}">
+                <a16:creationId xmlns:a16="http://schemas.microsoft.com/office/drawing/2014/main" id="{178ACF80-C02D-3CEA-3387-C950D1CEEB9F}"/>
               </a:ext>
             </a:extLst>
           </p:cNvPr>
@@ -14671,7 +15929,42 @@
         </p:nvSpPr>
         <p:spPr>
           <a:xfrm>
-            <a:off x="9652728" y="3294619"/>
+            <a:off x="10510899" y="6412859"/>
+            <a:ext cx="1107996" cy="369332"/>
+          </a:xfrm>
+          <a:prstGeom prst="rect">
+            <a:avLst/>
+          </a:prstGeom>
+          <a:noFill/>
+        </p:spPr>
+        <p:txBody>
+          <a:bodyPr wrap="none" rtlCol="0">
+            <a:spAutoFit/>
+          </a:bodyPr>
+          <a:lstStyle/>
+          <a:p>
+            <a:r>
+              <a:rPr lang="ko-KR" altLang="en-US" dirty="0"/>
+              <a:t>인구밀도</a:t>
+            </a:r>
+          </a:p>
+        </p:txBody>
+      </p:sp>
+      <p:sp>
+        <p:nvSpPr>
+          <p:cNvPr id="11" name="TextBox 10">
+            <a:extLst>
+              <a:ext uri="{FF2B5EF4-FFF2-40B4-BE49-F238E27FC236}">
+                <a16:creationId xmlns:a16="http://schemas.microsoft.com/office/drawing/2014/main" id="{9235CEF8-9E32-4062-A3D7-57911EF90342}"/>
+              </a:ext>
+            </a:extLst>
+          </p:cNvPr>
+          <p:cNvSpPr txBox="1"/>
+          <p:nvPr/>
+        </p:nvSpPr>
+        <p:spPr>
+          <a:xfrm>
+            <a:off x="6368416" y="2741564"/>
             <a:ext cx="877163" cy="369332"/>
           </a:xfrm>
           <a:prstGeom prst="rect">
@@ -14686,19 +15979,18 @@
           <a:lstStyle/>
           <a:p>
             <a:r>
-              <a:rPr lang="ko-KR" altLang="en-US" dirty="0" err="1"/>
-              <a:t>검사률</a:t>
-            </a:r>
-            <a:endParaRPr lang="ko-KR" altLang="en-US" dirty="0"/>
+              <a:rPr lang="ko-KR" altLang="en-US" dirty="0"/>
+              <a:t>감염률</a:t>
+            </a:r>
           </a:p>
         </p:txBody>
       </p:sp>
       <p:sp>
         <p:nvSpPr>
-          <p:cNvPr id="11" name="TextBox 10">
-            <a:extLst>
-              <a:ext uri="{FF2B5EF4-FFF2-40B4-BE49-F238E27FC236}">
-                <a16:creationId xmlns:a16="http://schemas.microsoft.com/office/drawing/2014/main" id="{9235CEF8-9E32-4062-A3D7-57911EF90342}"/>
+          <p:cNvPr id="9" name="TextBox 8">
+            <a:extLst>
+              <a:ext uri="{FF2B5EF4-FFF2-40B4-BE49-F238E27FC236}">
+                <a16:creationId xmlns:a16="http://schemas.microsoft.com/office/drawing/2014/main" id="{A1812FF9-CA54-5085-6339-53867333CADF}"/>
               </a:ext>
             </a:extLst>
           </p:cNvPr>
@@ -14707,7 +15999,7 @@
         </p:nvSpPr>
         <p:spPr>
           <a:xfrm>
-            <a:off x="7667194" y="5074217"/>
+            <a:off x="681145" y="2810770"/>
             <a:ext cx="877163" cy="369332"/>
           </a:xfrm>
           <a:prstGeom prst="rect">
@@ -14723,42 +16015,7 @@
           <a:p>
             <a:r>
               <a:rPr lang="ko-KR" altLang="en-US" dirty="0"/>
-              <a:t>감염률</a:t>
-            </a:r>
-          </a:p>
-        </p:txBody>
-      </p:sp>
-      <p:sp>
-        <p:nvSpPr>
-          <p:cNvPr id="12" name="TextBox 11">
-            <a:extLst>
-              <a:ext uri="{FF2B5EF4-FFF2-40B4-BE49-F238E27FC236}">
-                <a16:creationId xmlns:a16="http://schemas.microsoft.com/office/drawing/2014/main" id="{178ACF80-C02D-3CEA-3387-C950D1CEEB9F}"/>
-              </a:ext>
-            </a:extLst>
-          </p:cNvPr>
-          <p:cNvSpPr txBox="1"/>
-          <p:nvPr/>
-        </p:nvSpPr>
-        <p:spPr>
-          <a:xfrm>
-            <a:off x="9671144" y="6293417"/>
-            <a:ext cx="1107996" cy="369332"/>
-          </a:xfrm>
-          <a:prstGeom prst="rect">
-            <a:avLst/>
-          </a:prstGeom>
-          <a:noFill/>
-        </p:spPr>
-        <p:txBody>
-          <a:bodyPr wrap="none" rtlCol="0">
-            <a:spAutoFit/>
-          </a:bodyPr>
-          <a:lstStyle/>
-          <a:p>
-            <a:r>
-              <a:rPr lang="ko-KR" altLang="en-US" dirty="0"/>
-              <a:t>인구밀도</a:t>
+              <a:t>사망률</a:t>
             </a:r>
           </a:p>
         </p:txBody>
